--- a/rampPosterSFN2018.pptx
+++ b/rampPosterSFN2018.pptx
@@ -3724,8 +3724,8 @@
         </p:blipFill>
         <p:spPr>
           <a:xfrm>
-            <a:off x="38144032" y="7234210"/>
-            <a:ext cx="3638904" cy="2626790"/>
+            <a:off x="38715044" y="6795813"/>
+            <a:ext cx="3121666" cy="2253415"/>
           </a:xfrm>
           <a:prstGeom prst="rect">
             <a:avLst/>
@@ -3754,8 +3754,8 @@
         </p:blipFill>
         <p:spPr>
           <a:xfrm>
-            <a:off x="38111706" y="4424369"/>
-            <a:ext cx="3703557" cy="2673461"/>
+            <a:off x="38621410" y="4418815"/>
+            <a:ext cx="3177129" cy="2293452"/>
           </a:xfrm>
           <a:prstGeom prst="rect">
             <a:avLst/>
@@ -4543,7 +4543,7 @@
         </p:nvSpPr>
         <p:spPr>
           <a:xfrm>
-            <a:off x="21774544" y="22893412"/>
+            <a:off x="21516070" y="20551673"/>
             <a:ext cx="19793546" cy="1079641"/>
           </a:xfrm>
           <a:prstGeom prst="rect">
@@ -4582,8 +4582,8 @@
         </p:nvSpPr>
         <p:spPr>
           <a:xfrm>
-            <a:off x="22065443" y="26272610"/>
-            <a:ext cx="19646663" cy="2618524"/>
+            <a:off x="22073417" y="26253836"/>
+            <a:ext cx="19646663" cy="2895523"/>
           </a:xfrm>
           <a:prstGeom prst="rect">
             <a:avLst/>
@@ -4604,7 +4604,7 @@
                 <a:solidFill>
                   <a:srgbClr val="000000"/>
                 </a:solidFill>
-                <a:latin typeface="Avenir Roman" panose="02000503020000020003"/>
+                <a:latin typeface="+mj-lt"/>
                 <a:cs typeface="Avenir Heavy"/>
               </a:rPr>
               <a:t>References:</a:t>
@@ -4616,31 +4616,31 @@
             </a:pPr>
             <a:r>
               <a:rPr lang="en-US" sz="1800" dirty="0">
-                <a:latin typeface="Avenir Roman" panose="02000503020000020003"/>
+                <a:latin typeface="+mj-lt"/>
               </a:rPr>
               <a:t>Schultz, W. (2001). Book review: Reward signaling by dopamine neurons. </a:t>
             </a:r>
             <a:r>
               <a:rPr lang="en-US" sz="1800" i="1" dirty="0">
-                <a:latin typeface="Avenir Roman" panose="02000503020000020003"/>
+                <a:latin typeface="+mj-lt"/>
               </a:rPr>
               <a:t>The Neuroscientist</a:t>
             </a:r>
             <a:r>
               <a:rPr lang="en-US" sz="1800" dirty="0">
-                <a:latin typeface="Avenir Roman" panose="02000503020000020003"/>
+                <a:latin typeface="+mj-lt"/>
               </a:rPr>
               <a:t>, </a:t>
             </a:r>
             <a:r>
               <a:rPr lang="en-US" sz="1800" i="1" dirty="0">
-                <a:latin typeface="Avenir Roman" panose="02000503020000020003"/>
+                <a:latin typeface="+mj-lt"/>
               </a:rPr>
               <a:t>7</a:t>
             </a:r>
             <a:r>
               <a:rPr lang="en-US" sz="1800" dirty="0">
-                <a:latin typeface="Avenir Roman" panose="02000503020000020003"/>
+                <a:latin typeface="+mj-lt"/>
               </a:rPr>
               <a:t>(4), 293-302</a:t>
             </a:r>
@@ -4651,49 +4651,49 @@
             </a:pPr>
             <a:r>
               <a:rPr lang="en-US" sz="1800" dirty="0" err="1">
-                <a:latin typeface="Avenir Roman" panose="02000503020000020003"/>
+                <a:latin typeface="+mj-lt"/>
               </a:rPr>
               <a:t>Niv</a:t>
             </a:r>
             <a:r>
               <a:rPr lang="en-US" sz="1800" dirty="0">
-                <a:latin typeface="Avenir Roman" panose="02000503020000020003"/>
+                <a:latin typeface="+mj-lt"/>
               </a:rPr>
               <a:t>, Y., </a:t>
             </a:r>
             <a:r>
               <a:rPr lang="en-US" sz="1800" dirty="0" err="1">
-                <a:latin typeface="Avenir Roman" panose="02000503020000020003"/>
+                <a:latin typeface="+mj-lt"/>
               </a:rPr>
               <a:t>Daw</a:t>
             </a:r>
             <a:r>
               <a:rPr lang="en-US" sz="1800" dirty="0">
-                <a:latin typeface="Avenir Roman" panose="02000503020000020003"/>
+                <a:latin typeface="+mj-lt"/>
               </a:rPr>
               <a:t>, N. D., Joel, D., &amp; Dayan, P. (2007). Tonic dopamine: opportunity costs and the control of response vigor. </a:t>
             </a:r>
             <a:r>
               <a:rPr lang="en-US" sz="1800" i="1" dirty="0">
-                <a:latin typeface="Avenir Roman" panose="02000503020000020003"/>
+                <a:latin typeface="+mj-lt"/>
               </a:rPr>
               <a:t>Psychopharmacology</a:t>
             </a:r>
             <a:r>
               <a:rPr lang="en-US" sz="1800" dirty="0">
-                <a:latin typeface="Avenir Roman" panose="02000503020000020003"/>
+                <a:latin typeface="+mj-lt"/>
               </a:rPr>
               <a:t>, </a:t>
             </a:r>
             <a:r>
               <a:rPr lang="en-US" sz="1800" i="1" dirty="0">
-                <a:latin typeface="Avenir Roman" panose="02000503020000020003"/>
+                <a:latin typeface="+mj-lt"/>
               </a:rPr>
               <a:t>191</a:t>
             </a:r>
             <a:r>
               <a:rPr lang="en-US" sz="1800" dirty="0">
-                <a:latin typeface="Avenir Roman" panose="02000503020000020003"/>
+                <a:latin typeface="+mj-lt"/>
               </a:rPr>
               <a:t>(3), 507-520.</a:t>
             </a:r>
@@ -4705,55 +4705,55 @@
             </a:pPr>
             <a:r>
               <a:rPr lang="en-US" sz="1800" dirty="0">
-                <a:latin typeface="Avenir Roman" panose="02000503020000020003"/>
+                <a:latin typeface="+mj-lt"/>
               </a:rPr>
               <a:t>Hamid, A. A., Pettibone, J. R., Mabrouk, O. S., Hetrick, V. L., Schmidt, R., Vander </a:t>
             </a:r>
             <a:r>
               <a:rPr lang="en-US" sz="1800" dirty="0" err="1">
-                <a:latin typeface="Avenir Roman" panose="02000503020000020003"/>
+                <a:latin typeface="+mj-lt"/>
               </a:rPr>
               <a:t>Weele</a:t>
             </a:r>
             <a:r>
               <a:rPr lang="en-US" sz="1800" dirty="0">
-                <a:latin typeface="Avenir Roman" panose="02000503020000020003"/>
+                <a:latin typeface="+mj-lt"/>
               </a:rPr>
               <a:t>, C. M., ... &amp; </a:t>
             </a:r>
             <a:r>
               <a:rPr lang="en-US" sz="1800" dirty="0" err="1">
-                <a:latin typeface="Avenir Roman" panose="02000503020000020003"/>
+                <a:latin typeface="+mj-lt"/>
               </a:rPr>
               <a:t>Berke</a:t>
             </a:r>
             <a:r>
               <a:rPr lang="en-US" sz="1800" dirty="0">
-                <a:latin typeface="Avenir Roman" panose="02000503020000020003"/>
+                <a:latin typeface="+mj-lt"/>
               </a:rPr>
               <a:t>, J. D. (2016). Mesolimbic dopamine signals the value of work. </a:t>
             </a:r>
             <a:r>
               <a:rPr lang="en-US" sz="1800" i="1" dirty="0">
-                <a:latin typeface="Avenir Roman" panose="02000503020000020003"/>
+                <a:latin typeface="+mj-lt"/>
               </a:rPr>
               <a:t>Nature neuroscience</a:t>
             </a:r>
             <a:r>
               <a:rPr lang="en-US" sz="1800" dirty="0">
-                <a:latin typeface="Avenir Roman" panose="02000503020000020003"/>
+                <a:latin typeface="+mj-lt"/>
               </a:rPr>
               <a:t>, </a:t>
             </a:r>
             <a:r>
               <a:rPr lang="en-US" sz="1800" i="1" dirty="0">
-                <a:latin typeface="Avenir Roman" panose="02000503020000020003"/>
+                <a:latin typeface="+mj-lt"/>
               </a:rPr>
               <a:t>19</a:t>
             </a:r>
             <a:r>
               <a:rPr lang="en-US" sz="1800" dirty="0">
-                <a:latin typeface="Avenir Roman" panose="02000503020000020003"/>
+                <a:latin typeface="+mj-lt"/>
               </a:rPr>
               <a:t>(1), 117.</a:t>
             </a:r>
@@ -4765,43 +4765,43 @@
             </a:pPr>
             <a:r>
               <a:rPr lang="en-US" sz="1800" dirty="0">
-                <a:latin typeface="Avenir Roman" panose="02000503020000020003"/>
+                <a:latin typeface="+mj-lt"/>
               </a:rPr>
               <a:t>Collins, A. G., &amp; Frank, M. J. (2014). Opponent actor learning (</a:t>
             </a:r>
             <a:r>
               <a:rPr lang="en-US" sz="1800" dirty="0" err="1">
-                <a:latin typeface="Avenir Roman" panose="02000503020000020003"/>
+                <a:latin typeface="+mj-lt"/>
               </a:rPr>
               <a:t>OpAL</a:t>
             </a:r>
             <a:r>
               <a:rPr lang="en-US" sz="1800" dirty="0">
-                <a:latin typeface="Avenir Roman" panose="02000503020000020003"/>
+                <a:latin typeface="+mj-lt"/>
               </a:rPr>
               <a:t>): Modeling interactive effects of striatal dopamine on reinforcement learning and choice incentive. </a:t>
             </a:r>
             <a:r>
               <a:rPr lang="en-US" sz="1800" i="1" dirty="0">
-                <a:latin typeface="Avenir Roman" panose="02000503020000020003"/>
+                <a:latin typeface="+mj-lt"/>
               </a:rPr>
               <a:t>Psychological review</a:t>
             </a:r>
             <a:r>
               <a:rPr lang="en-US" sz="1800" dirty="0">
-                <a:latin typeface="Avenir Roman" panose="02000503020000020003"/>
+                <a:latin typeface="+mj-lt"/>
               </a:rPr>
               <a:t>, </a:t>
             </a:r>
             <a:r>
               <a:rPr lang="en-US" sz="1800" i="1" dirty="0">
-                <a:latin typeface="Avenir Roman" panose="02000503020000020003"/>
+                <a:latin typeface="+mj-lt"/>
               </a:rPr>
               <a:t>121</a:t>
             </a:r>
             <a:r>
               <a:rPr lang="en-US" sz="1800" dirty="0">
-                <a:latin typeface="Avenir Roman" panose="02000503020000020003"/>
+                <a:latin typeface="+mj-lt"/>
               </a:rPr>
               <a:t>(3), 337.</a:t>
             </a:r>
@@ -4812,57 +4812,98 @@
             </a:pPr>
             <a:r>
               <a:rPr lang="en-US" sz="1800" dirty="0">
-                <a:latin typeface="Avenir Roman" panose="02000503020000020003"/>
+                <a:latin typeface="+mj-lt"/>
               </a:rPr>
               <a:t>Howe, M. W., Tierney, P. L., Sandberg, S. G., Phillips, P. E., &amp; </a:t>
             </a:r>
             <a:r>
               <a:rPr lang="en-US" sz="1800" dirty="0" err="1">
-                <a:latin typeface="Avenir Roman" panose="02000503020000020003"/>
+                <a:latin typeface="+mj-lt"/>
               </a:rPr>
               <a:t>Graybiel</a:t>
             </a:r>
             <a:r>
               <a:rPr lang="en-US" sz="1800" dirty="0">
-                <a:latin typeface="Avenir Roman" panose="02000503020000020003"/>
+                <a:latin typeface="+mj-lt"/>
               </a:rPr>
               <a:t>, A. M. (2013). Prolonged dopamine </a:t>
             </a:r>
             <a:r>
               <a:rPr lang="en-US" sz="1800" dirty="0" err="1">
-                <a:latin typeface="Avenir Roman" panose="02000503020000020003"/>
+                <a:latin typeface="+mj-lt"/>
               </a:rPr>
               <a:t>signalling</a:t>
             </a:r>
             <a:r>
               <a:rPr lang="en-US" sz="1800" dirty="0">
-                <a:latin typeface="Avenir Roman" panose="02000503020000020003"/>
+                <a:latin typeface="+mj-lt"/>
               </a:rPr>
               <a:t> in striatum signals proximity and value of distant rewards. </a:t>
             </a:r>
             <a:r>
               <a:rPr lang="en-US" sz="1800" i="1" dirty="0">
-                <a:latin typeface="Avenir Roman" panose="02000503020000020003"/>
+                <a:latin typeface="+mj-lt"/>
               </a:rPr>
               <a:t>Nature</a:t>
             </a:r>
             <a:r>
               <a:rPr lang="en-US" sz="1800" dirty="0">
-                <a:latin typeface="Avenir Roman" panose="02000503020000020003"/>
+                <a:latin typeface="+mj-lt"/>
               </a:rPr>
               <a:t>, </a:t>
             </a:r>
             <a:r>
               <a:rPr lang="en-US" sz="1800" i="1" dirty="0">
-                <a:latin typeface="Avenir Roman" panose="02000503020000020003"/>
+                <a:latin typeface="+mj-lt"/>
               </a:rPr>
               <a:t>500</a:t>
             </a:r>
             <a:r>
               <a:rPr lang="en-US" sz="1800" dirty="0">
-                <a:latin typeface="Avenir Roman" panose="02000503020000020003"/>
+                <a:latin typeface="+mj-lt"/>
               </a:rPr>
               <a:t>(7464), 575.</a:t>
+            </a:r>
+          </a:p>
+          <a:p>
+            <a:pPr marL="457200" indent="-457200">
+              <a:buAutoNum type="arabicPeriod"/>
+            </a:pPr>
+            <a:r>
+              <a:rPr lang="en-US" sz="1800" dirty="0" err="1">
+                <a:latin typeface="+mj-lt"/>
+              </a:rPr>
+              <a:t>Buckholtz</a:t>
+            </a:r>
+            <a:r>
+              <a:rPr lang="en-US" sz="1800" dirty="0">
+                <a:latin typeface="+mj-lt"/>
+              </a:rPr>
+              <a:t>, J. W., Treadway, M. T., Cowan, R. L., Woodward, N. D., Li, R., Ansari, M. S., ... &amp; Kessler, R. M. (2010). Dopaminergic network differences in human impulsivity. </a:t>
+            </a:r>
+            <a:r>
+              <a:rPr lang="en-US" sz="1800" i="1" dirty="0">
+                <a:latin typeface="+mj-lt"/>
+              </a:rPr>
+              <a:t>Science</a:t>
+            </a:r>
+            <a:r>
+              <a:rPr lang="en-US" sz="1800" dirty="0">
+                <a:latin typeface="+mj-lt"/>
+              </a:rPr>
+              <a:t>, </a:t>
+            </a:r>
+            <a:r>
+              <a:rPr lang="en-US" sz="1800" i="1" dirty="0">
+                <a:latin typeface="+mj-lt"/>
+              </a:rPr>
+              <a:t>329</a:t>
+            </a:r>
+            <a:r>
+              <a:rPr lang="en-US" sz="1800" dirty="0">
+                <a:latin typeface="+mj-lt"/>
+              </a:rPr>
+              <a:t>(5991), 532-532.</a:t>
             </a:r>
           </a:p>
         </p:txBody>
@@ -5091,8 +5132,8 @@
         </p:nvSpPr>
         <p:spPr>
           <a:xfrm>
-            <a:off x="9875072" y="24238388"/>
-            <a:ext cx="7541407" cy="4185761"/>
+            <a:off x="10199492" y="24291029"/>
+            <a:ext cx="6720935" cy="4185761"/>
           </a:xfrm>
           <a:prstGeom prst="rect">
             <a:avLst/>
@@ -5285,199 +5326,6 @@
       </p:sp>
       <p:sp>
         <p:nvSpPr>
-          <p:cNvPr id="148" name="TextBox 147">
-            <a:extLst>
-              <a:ext uri="{FF2B5EF4-FFF2-40B4-BE49-F238E27FC236}">
-                <a16:creationId xmlns:a16="http://schemas.microsoft.com/office/drawing/2014/main" id="{24103884-D6C1-BD49-88E6-38731321490B}"/>
-              </a:ext>
-            </a:extLst>
-          </p:cNvPr>
-          <p:cNvSpPr txBox="1"/>
-          <p:nvPr/>
-        </p:nvSpPr>
-        <p:spPr>
-          <a:xfrm>
-            <a:off x="24214162" y="4010975"/>
-            <a:ext cx="407484" cy="461665"/>
-          </a:xfrm>
-          <a:prstGeom prst="rect">
-            <a:avLst/>
-          </a:prstGeom>
-          <a:noFill/>
-        </p:spPr>
-        <p:txBody>
-          <a:bodyPr wrap="none" rtlCol="0">
-            <a:spAutoFit/>
-          </a:bodyPr>
-          <a:lstStyle/>
-          <a:p>
-            <a:r>
-              <a:rPr lang="en-US" sz="2400" b="1" dirty="0">
-                <a:latin typeface="Avenir Roman" panose="02000503020000020003" pitchFamily="2" charset="0"/>
-              </a:rPr>
-              <a:t>A</a:t>
-            </a:r>
-          </a:p>
-        </p:txBody>
-      </p:sp>
-      <p:sp>
-        <p:nvSpPr>
-          <p:cNvPr id="149" name="TextBox 148">
-            <a:extLst>
-              <a:ext uri="{FF2B5EF4-FFF2-40B4-BE49-F238E27FC236}">
-                <a16:creationId xmlns:a16="http://schemas.microsoft.com/office/drawing/2014/main" id="{800E4FBB-59AA-FA4F-A72D-74DD6163F17D}"/>
-              </a:ext>
-            </a:extLst>
-          </p:cNvPr>
-          <p:cNvSpPr txBox="1"/>
-          <p:nvPr/>
-        </p:nvSpPr>
-        <p:spPr>
-          <a:xfrm>
-            <a:off x="21861701" y="3570250"/>
-            <a:ext cx="407484" cy="461665"/>
-          </a:xfrm>
-          <a:prstGeom prst="rect">
-            <a:avLst/>
-          </a:prstGeom>
-          <a:noFill/>
-        </p:spPr>
-        <p:txBody>
-          <a:bodyPr wrap="square" rtlCol="0">
-            <a:spAutoFit/>
-          </a:bodyPr>
-          <a:lstStyle/>
-          <a:p>
-            <a:r>
-              <a:rPr lang="en-US" sz="2400" b="1" dirty="0">
-                <a:latin typeface="Avenir Roman" panose="02000503020000020003" pitchFamily="2" charset="0"/>
-              </a:rPr>
-              <a:t>B</a:t>
-            </a:r>
-          </a:p>
-        </p:txBody>
-      </p:sp>
-      <p:sp>
-        <p:nvSpPr>
-          <p:cNvPr id="150" name="TextBox 149">
-            <a:extLst>
-              <a:ext uri="{FF2B5EF4-FFF2-40B4-BE49-F238E27FC236}">
-                <a16:creationId xmlns:a16="http://schemas.microsoft.com/office/drawing/2014/main" id="{BA3E6F8C-E9A0-A24C-B745-5F7B16133CC9}"/>
-              </a:ext>
-            </a:extLst>
-          </p:cNvPr>
-          <p:cNvSpPr txBox="1"/>
-          <p:nvPr/>
-        </p:nvSpPr>
-        <p:spPr>
-          <a:xfrm>
-            <a:off x="20209260" y="3754981"/>
-            <a:ext cx="407484" cy="461665"/>
-          </a:xfrm>
-          <a:prstGeom prst="rect">
-            <a:avLst/>
-          </a:prstGeom>
-          <a:noFill/>
-        </p:spPr>
-        <p:txBody>
-          <a:bodyPr wrap="square" rtlCol="0">
-            <a:spAutoFit/>
-          </a:bodyPr>
-          <a:lstStyle/>
-          <a:p>
-            <a:r>
-              <a:rPr lang="en-US" sz="2400" b="1" dirty="0">
-                <a:latin typeface="Avenir Roman" panose="02000503020000020003" pitchFamily="2" charset="0"/>
-              </a:rPr>
-              <a:t>C</a:t>
-            </a:r>
-          </a:p>
-        </p:txBody>
-      </p:sp>
-      <p:sp>
-        <p:nvSpPr>
-          <p:cNvPr id="159" name="Textfeld 47">
-            <a:extLst>
-              <a:ext uri="{FF2B5EF4-FFF2-40B4-BE49-F238E27FC236}">
-                <a16:creationId xmlns:a16="http://schemas.microsoft.com/office/drawing/2014/main" id="{FB237A7F-6258-434A-8A64-7A6647A79ED4}"/>
-              </a:ext>
-            </a:extLst>
-          </p:cNvPr>
-          <p:cNvSpPr txBox="1"/>
-          <p:nvPr/>
-        </p:nvSpPr>
-        <p:spPr>
-          <a:xfrm>
-            <a:off x="22339512" y="23761020"/>
-            <a:ext cx="19253053" cy="2862322"/>
-          </a:xfrm>
-          <a:prstGeom prst="rect">
-            <a:avLst/>
-          </a:prstGeom>
-          <a:noFill/>
-        </p:spPr>
-        <p:txBody>
-          <a:bodyPr wrap="square" rtlCol="0">
-            <a:spAutoFit/>
-          </a:bodyPr>
-          <a:lstStyle/>
-          <a:p>
-            <a:pPr marL="457200" indent="-457200">
-              <a:buFont typeface="Arial" panose="020B0604020202020204" pitchFamily="34" charset="0"/>
-              <a:buChar char="•"/>
-            </a:pPr>
-            <a:r>
-              <a:rPr lang="en-US" sz="2600" noProof="1">
-                <a:latin typeface="Avenir Roman" panose="02000503020000020003" pitchFamily="2" charset="0"/>
-              </a:rPr>
-              <a:t>The later the gamble interrupted the progress bar (i.e. the closer the participant was to the reward), the more likely a participant gambled and the lower their RT tended to be. </a:t>
-            </a:r>
-          </a:p>
-          <a:p>
-            <a:pPr marL="457200" indent="-457200">
-              <a:buFont typeface="Arial" panose="020B0604020202020204" pitchFamily="34" charset="0"/>
-              <a:buChar char="•"/>
-            </a:pPr>
-            <a:r>
-              <a:rPr lang="en-US" sz="2600" noProof="1">
-                <a:latin typeface="Avenir Roman" panose="02000503020000020003" pitchFamily="2" charset="0"/>
-              </a:rPr>
-              <a:t>The more pronounced a participant’s gamble ramp was, the more negative their RT ramp tended to be.</a:t>
-            </a:r>
-          </a:p>
-          <a:p>
-            <a:pPr marL="457200" indent="-457200">
-              <a:buFont typeface="Arial" panose="020B0604020202020204" pitchFamily="34" charset="0"/>
-              <a:buChar char="•"/>
-            </a:pPr>
-            <a:r>
-              <a:rPr lang="en-US" sz="2600" noProof="1">
-                <a:latin typeface="Avenir Roman" panose="02000503020000020003" pitchFamily="2" charset="0"/>
-              </a:rPr>
-              <a:t>Magnitude had no effect on driving the propensity  to gamble but a higher value gamble increased a participant’s propensity to gamble.</a:t>
-            </a:r>
-          </a:p>
-          <a:p>
-            <a:pPr marL="457200" indent="-457200">
-              <a:buFont typeface="Arial" panose="020B0604020202020204" pitchFamily="34" charset="0"/>
-              <a:buChar char="•"/>
-            </a:pPr>
-            <a:r>
-              <a:rPr lang="en-US" sz="2600" noProof="1">
-                <a:latin typeface="Avenir Roman" panose="02000503020000020003" pitchFamily="2" charset="0"/>
-              </a:rPr>
-              <a:t>These pilot data are consistent with the theory that DA dynamics affect how humans calculate the value of an acion and that the value of such a calculation may shift as a promixity to a reward.</a:t>
-            </a:r>
-          </a:p>
-          <a:p>
-            <a:endParaRPr lang="en-US" sz="2400" noProof="1">
-              <a:latin typeface="Avenir Roman" panose="02000503020000020003" pitchFamily="2" charset="0"/>
-            </a:endParaRPr>
-          </a:p>
-        </p:txBody>
-      </p:sp>
-      <p:sp>
-        <p:nvSpPr>
           <p:cNvPr id="167" name="Rectangle 166">
             <a:extLst>
               <a:ext uri="{FF2B5EF4-FFF2-40B4-BE49-F238E27FC236}">
@@ -5490,7 +5338,7 @@
         </p:nvSpPr>
         <p:spPr>
           <a:xfrm>
-            <a:off x="22735571" y="9927009"/>
+            <a:off x="22735571" y="9585443"/>
             <a:ext cx="596081" cy="339408"/>
           </a:xfrm>
           <a:prstGeom prst="rect">
@@ -5542,7 +5390,7 @@
         </p:nvSpPr>
         <p:spPr>
           <a:xfrm>
-            <a:off x="22459312" y="11136332"/>
+            <a:off x="22459312" y="10794766"/>
             <a:ext cx="276259" cy="433564"/>
           </a:xfrm>
           <a:prstGeom prst="rect">
@@ -5594,7 +5442,7 @@
         </p:nvSpPr>
         <p:spPr>
           <a:xfrm>
-            <a:off x="22956995" y="12839844"/>
+            <a:off x="22956995" y="12498278"/>
             <a:ext cx="276259" cy="433564"/>
           </a:xfrm>
           <a:prstGeom prst="rect">
@@ -7067,272 +6915,6 @@
           </a:fontRef>
         </p:style>
       </p:cxnSp>
-      <p:sp>
-        <p:nvSpPr>
-          <p:cNvPr id="102" name="TextBox 101">
-            <a:extLst>
-              <a:ext uri="{FF2B5EF4-FFF2-40B4-BE49-F238E27FC236}">
-                <a16:creationId xmlns:a16="http://schemas.microsoft.com/office/drawing/2014/main" id="{75DB8D17-492E-433D-AE97-44EAE1F03583}"/>
-              </a:ext>
-            </a:extLst>
-          </p:cNvPr>
-          <p:cNvSpPr txBox="1"/>
-          <p:nvPr/>
-        </p:nvSpPr>
-        <p:spPr>
-          <a:xfrm>
-            <a:off x="25804879" y="3609147"/>
-            <a:ext cx="407484" cy="461665"/>
-          </a:xfrm>
-          <a:prstGeom prst="rect">
-            <a:avLst/>
-          </a:prstGeom>
-          <a:noFill/>
-        </p:spPr>
-        <p:txBody>
-          <a:bodyPr wrap="square" rtlCol="0">
-            <a:spAutoFit/>
-          </a:bodyPr>
-          <a:lstStyle/>
-          <a:p>
-            <a:r>
-              <a:rPr lang="en-US" sz="2400" b="1" dirty="0">
-                <a:latin typeface="Avenir Roman" panose="02000503020000020003" pitchFamily="2" charset="0"/>
-              </a:rPr>
-              <a:t>D</a:t>
-            </a:r>
-          </a:p>
-        </p:txBody>
-      </p:sp>
-      <p:sp>
-        <p:nvSpPr>
-          <p:cNvPr id="103" name="TextBox 102">
-            <a:extLst>
-              <a:ext uri="{FF2B5EF4-FFF2-40B4-BE49-F238E27FC236}">
-                <a16:creationId xmlns:a16="http://schemas.microsoft.com/office/drawing/2014/main" id="{2753FEF7-F272-4366-909E-CB2B97A7D6AF}"/>
-              </a:ext>
-            </a:extLst>
-          </p:cNvPr>
-          <p:cNvSpPr txBox="1"/>
-          <p:nvPr/>
-        </p:nvSpPr>
-        <p:spPr>
-          <a:xfrm>
-            <a:off x="27800508" y="3521002"/>
-            <a:ext cx="407484" cy="461665"/>
-          </a:xfrm>
-          <a:prstGeom prst="rect">
-            <a:avLst/>
-          </a:prstGeom>
-          <a:noFill/>
-        </p:spPr>
-        <p:txBody>
-          <a:bodyPr wrap="square" rtlCol="0">
-            <a:spAutoFit/>
-          </a:bodyPr>
-          <a:lstStyle/>
-          <a:p>
-            <a:r>
-              <a:rPr lang="en-US" sz="2400" b="1" dirty="0">
-                <a:latin typeface="Avenir Roman" panose="02000503020000020003" pitchFamily="2" charset="0"/>
-              </a:rPr>
-              <a:t>E</a:t>
-            </a:r>
-          </a:p>
-        </p:txBody>
-      </p:sp>
-      <p:sp>
-        <p:nvSpPr>
-          <p:cNvPr id="104" name="TextBox 103">
-            <a:extLst>
-              <a:ext uri="{FF2B5EF4-FFF2-40B4-BE49-F238E27FC236}">
-                <a16:creationId xmlns:a16="http://schemas.microsoft.com/office/drawing/2014/main" id="{3CBAC7C7-F11E-4088-B2AA-301534877E21}"/>
-              </a:ext>
-            </a:extLst>
-          </p:cNvPr>
-          <p:cNvSpPr txBox="1"/>
-          <p:nvPr/>
-        </p:nvSpPr>
-        <p:spPr>
-          <a:xfrm>
-            <a:off x="18702969" y="3440224"/>
-            <a:ext cx="407484" cy="461665"/>
-          </a:xfrm>
-          <a:prstGeom prst="rect">
-            <a:avLst/>
-          </a:prstGeom>
-          <a:noFill/>
-        </p:spPr>
-        <p:txBody>
-          <a:bodyPr wrap="square" rtlCol="0">
-            <a:spAutoFit/>
-          </a:bodyPr>
-          <a:lstStyle/>
-          <a:p>
-            <a:r>
-              <a:rPr lang="en-US" sz="2400" b="1" dirty="0">
-                <a:latin typeface="Avenir Roman" panose="02000503020000020003" pitchFamily="2" charset="0"/>
-              </a:rPr>
-              <a:t>F</a:t>
-            </a:r>
-          </a:p>
-        </p:txBody>
-      </p:sp>
-      <p:sp>
-        <p:nvSpPr>
-          <p:cNvPr id="105" name="TextBox 104">
-            <a:extLst>
-              <a:ext uri="{FF2B5EF4-FFF2-40B4-BE49-F238E27FC236}">
-                <a16:creationId xmlns:a16="http://schemas.microsoft.com/office/drawing/2014/main" id="{5C5B4E8E-5F4A-4885-8E16-B19A29901EDB}"/>
-              </a:ext>
-            </a:extLst>
-          </p:cNvPr>
-          <p:cNvSpPr txBox="1"/>
-          <p:nvPr/>
-        </p:nvSpPr>
-        <p:spPr>
-          <a:xfrm>
-            <a:off x="23053639" y="3357360"/>
-            <a:ext cx="407484" cy="461665"/>
-          </a:xfrm>
-          <a:prstGeom prst="rect">
-            <a:avLst/>
-          </a:prstGeom>
-          <a:noFill/>
-        </p:spPr>
-        <p:txBody>
-          <a:bodyPr wrap="square" rtlCol="0">
-            <a:spAutoFit/>
-          </a:bodyPr>
-          <a:lstStyle/>
-          <a:p>
-            <a:r>
-              <a:rPr lang="en-US" sz="2400" b="1" dirty="0">
-                <a:latin typeface="Avenir Roman" panose="02000503020000020003" pitchFamily="2" charset="0"/>
-              </a:rPr>
-              <a:t>G</a:t>
-            </a:r>
-          </a:p>
-        </p:txBody>
-      </p:sp>
-      <p:sp>
-        <p:nvSpPr>
-          <p:cNvPr id="106" name="Rectangle 105">
-            <a:extLst>
-              <a:ext uri="{FF2B5EF4-FFF2-40B4-BE49-F238E27FC236}">
-                <a16:creationId xmlns:a16="http://schemas.microsoft.com/office/drawing/2014/main" id="{013E8892-CB1C-4F7B-8A61-FA04DB0F69E1}"/>
-              </a:ext>
-            </a:extLst>
-          </p:cNvPr>
-          <p:cNvSpPr/>
-          <p:nvPr/>
-        </p:nvSpPr>
-        <p:spPr>
-          <a:xfrm>
-            <a:off x="22843242" y="21546174"/>
-            <a:ext cx="18340658" cy="1631216"/>
-          </a:xfrm>
-          <a:prstGeom prst="rect">
-            <a:avLst/>
-          </a:prstGeom>
-        </p:spPr>
-        <p:txBody>
-          <a:bodyPr wrap="square">
-            <a:spAutoFit/>
-          </a:bodyPr>
-          <a:lstStyle/>
-          <a:p>
-            <a:r>
-              <a:rPr lang="nb-NO" sz="2000" b="1" dirty="0">
-                <a:latin typeface="+mj-lt"/>
-              </a:rPr>
-              <a:t>Fig.2A. </a:t>
-            </a:r>
-            <a:r>
-              <a:rPr lang="nb-NO" sz="2000" dirty="0">
-                <a:latin typeface="+mj-lt"/>
-              </a:rPr>
-              <a:t>Overall propensity to gamble increases as a function of when the gamble was introduced (p&lt;.01). </a:t>
-            </a:r>
-            <a:r>
-              <a:rPr lang="nb-NO" sz="2000" b="1" dirty="0">
-                <a:latin typeface="+mj-lt"/>
-              </a:rPr>
-              <a:t>B.</a:t>
-            </a:r>
-            <a:r>
-              <a:rPr lang="nb-NO" sz="2000" dirty="0">
-                <a:latin typeface="+mj-lt"/>
-              </a:rPr>
-              <a:t> Overall RT decreases as a function of when the gamble was introduced (p&lt;.001) Error bars represent standard error across participants </a:t>
-            </a:r>
-            <a:r>
-              <a:rPr lang="nb-NO" sz="2000" b="1" dirty="0">
-                <a:latin typeface="+mj-lt"/>
-              </a:rPr>
-              <a:t>C. </a:t>
-            </a:r>
-            <a:r>
-              <a:rPr lang="nb-NO" sz="2000" dirty="0">
-                <a:latin typeface="+mj-lt"/>
-              </a:rPr>
-              <a:t>Each participant’s gamble slope is plotted against their RT slope.  </a:t>
-            </a:r>
-            <a:r>
-              <a:rPr lang="nb-NO" sz="2000" b="1" dirty="0">
-                <a:latin typeface="+mj-lt"/>
-              </a:rPr>
-              <a:t>D. </a:t>
-            </a:r>
-            <a:r>
-              <a:rPr lang="nb-NO" sz="2000" dirty="0">
-                <a:latin typeface="+mj-lt"/>
-              </a:rPr>
-              <a:t>Histogram of all individual gamble slopes. Mean of distribution is sig. more than 0 (p&lt;.01) </a:t>
-            </a:r>
-            <a:r>
-              <a:rPr lang="nb-NO" sz="2000" b="1" dirty="0">
-                <a:latin typeface="+mj-lt"/>
-              </a:rPr>
-              <a:t>E. </a:t>
-            </a:r>
-            <a:r>
-              <a:rPr lang="nb-NO" sz="2000" dirty="0">
-                <a:latin typeface="+mj-lt"/>
-              </a:rPr>
-              <a:t>Histogram of all individual RT slopes. Mean of distribution is sig. less than than 0 (p&lt;.001). </a:t>
-            </a:r>
-            <a:r>
-              <a:rPr lang="nb-NO" sz="2000" b="1" dirty="0">
-                <a:latin typeface="+mj-lt"/>
-              </a:rPr>
-              <a:t>F. </a:t>
-            </a:r>
-            <a:r>
-              <a:rPr lang="nb-NO" sz="2000" dirty="0">
-                <a:latin typeface="+mj-lt"/>
-              </a:rPr>
-              <a:t>Magnitude has no effect on participants’ decision to gamble (n.s.). Error bars represent within-subject standard error. </a:t>
-            </a:r>
-            <a:r>
-              <a:rPr lang="nb-NO" sz="2000" b="1" dirty="0">
-                <a:latin typeface="+mj-lt"/>
-              </a:rPr>
-              <a:t>G. </a:t>
-            </a:r>
-            <a:r>
-              <a:rPr lang="nb-NO" sz="2000" dirty="0">
-                <a:latin typeface="+mj-lt"/>
-              </a:rPr>
-              <a:t>A trial’s value significantly increases a participant’s propensity to gamble (p&lt;.001). Error bars represent within-subject standard error. </a:t>
-            </a:r>
-            <a:endParaRPr lang="nb-NO" sz="2000" b="1" dirty="0">
-              <a:effectLst/>
-              <a:latin typeface="+mj-lt"/>
-            </a:endParaRPr>
-          </a:p>
-        </p:txBody>
-      </p:sp>
       <p:pic>
         <p:nvPicPr>
           <p:cNvPr id="12" name="Picture 11">
@@ -7610,7 +7192,7 @@
         </p:nvSpPr>
         <p:spPr>
           <a:xfrm>
-            <a:off x="22099252" y="14577606"/>
+            <a:off x="23309703" y="15349140"/>
             <a:ext cx="8585667" cy="553998"/>
           </a:xfrm>
           <a:prstGeom prst="rect">
@@ -7657,7 +7239,7 @@
         </p:nvSpPr>
         <p:spPr>
           <a:xfrm>
-            <a:off x="21851393" y="9753468"/>
+            <a:off x="22607510" y="9677252"/>
             <a:ext cx="9081386" cy="553998"/>
           </a:xfrm>
           <a:prstGeom prst="rect">
@@ -7704,7 +7286,7 @@
         </p:nvSpPr>
         <p:spPr>
           <a:xfrm>
-            <a:off x="21774544" y="4666183"/>
+            <a:off x="22649274" y="4678658"/>
             <a:ext cx="8585667" cy="553998"/>
           </a:xfrm>
           <a:prstGeom prst="rect">
@@ -7759,8 +7341,8 @@
         </p:blipFill>
         <p:spPr>
           <a:xfrm>
-            <a:off x="32013571" y="5881877"/>
-            <a:ext cx="5155912" cy="3389154"/>
+            <a:off x="33684812" y="5627760"/>
+            <a:ext cx="4566441" cy="3001675"/>
           </a:xfrm>
           <a:prstGeom prst="rect">
             <a:avLst/>
@@ -7789,8 +7371,8 @@
         </p:blipFill>
         <p:spPr>
           <a:xfrm>
-            <a:off x="21210207" y="6017120"/>
-            <a:ext cx="4702128" cy="3090865"/>
+            <a:off x="21849089" y="5410640"/>
+            <a:ext cx="5814874" cy="3822310"/>
           </a:xfrm>
           <a:prstGeom prst="rect">
             <a:avLst/>
@@ -7819,8 +7401,8 @@
         </p:blipFill>
         <p:spPr>
           <a:xfrm>
-            <a:off x="26419717" y="6078972"/>
-            <a:ext cx="4702129" cy="3090866"/>
+            <a:off x="27821322" y="5399122"/>
+            <a:ext cx="5812545" cy="3820780"/>
           </a:xfrm>
           <a:prstGeom prst="rect">
             <a:avLst/>
@@ -7849,8 +7431,8 @@
         </p:blipFill>
         <p:spPr>
           <a:xfrm>
-            <a:off x="21567905" y="10527255"/>
-            <a:ext cx="4663332" cy="3065364"/>
+            <a:off x="22227683" y="10397425"/>
+            <a:ext cx="5946485" cy="3908823"/>
           </a:xfrm>
           <a:prstGeom prst="rect">
             <a:avLst/>
@@ -7879,8 +7461,8 @@
         </p:blipFill>
         <p:spPr>
           <a:xfrm>
-            <a:off x="26419717" y="10473478"/>
-            <a:ext cx="4861027" cy="3195316"/>
+            <a:off x="28254483" y="10314570"/>
+            <a:ext cx="6198577" cy="4074532"/>
           </a:xfrm>
           <a:prstGeom prst="rect">
             <a:avLst/>
@@ -7909,8 +7491,8 @@
         </p:blipFill>
         <p:spPr>
           <a:xfrm>
-            <a:off x="21931080" y="15737598"/>
-            <a:ext cx="4315093" cy="2836454"/>
+            <a:off x="22455623" y="16289691"/>
+            <a:ext cx="6040755" cy="3970789"/>
           </a:xfrm>
           <a:prstGeom prst="rect">
             <a:avLst/>
@@ -7939,14 +7521,348 @@
         </p:blipFill>
         <p:spPr>
           <a:xfrm>
-            <a:off x="26419717" y="15562490"/>
-            <a:ext cx="4584551" cy="3013578"/>
+            <a:off x="28280757" y="16301848"/>
+            <a:ext cx="5908369" cy="3883768"/>
           </a:xfrm>
           <a:prstGeom prst="rect">
             <a:avLst/>
           </a:prstGeom>
         </p:spPr>
       </p:pic>
+      <p:pic>
+        <p:nvPicPr>
+          <p:cNvPr id="10" name="Picture 9">
+            <a:extLst>
+              <a:ext uri="{FF2B5EF4-FFF2-40B4-BE49-F238E27FC236}">
+                <a16:creationId xmlns:a16="http://schemas.microsoft.com/office/drawing/2014/main" id="{2094A08A-0EE4-4C88-966C-046A93411DB3}"/>
+              </a:ext>
+            </a:extLst>
+          </p:cNvPr>
+          <p:cNvPicPr>
+            <a:picLocks noChangeAspect="1"/>
+          </p:cNvPicPr>
+          <p:nvPr/>
+        </p:nvPicPr>
+        <p:blipFill>
+          <a:blip r:embed="rId25"/>
+          <a:stretch>
+            <a:fillRect/>
+          </a:stretch>
+        </p:blipFill>
+        <p:spPr>
+          <a:xfrm>
+            <a:off x="34834876" y="12381123"/>
+            <a:ext cx="2977050" cy="2180419"/>
+          </a:xfrm>
+          <a:prstGeom prst="rect">
+            <a:avLst/>
+          </a:prstGeom>
+        </p:spPr>
+      </p:pic>
+      <p:pic>
+        <p:nvPicPr>
+          <p:cNvPr id="18" name="Picture 17">
+            <a:extLst>
+              <a:ext uri="{FF2B5EF4-FFF2-40B4-BE49-F238E27FC236}">
+                <a16:creationId xmlns:a16="http://schemas.microsoft.com/office/drawing/2014/main" id="{4AC8E408-1702-4D58-955B-29FF2DE453A5}"/>
+              </a:ext>
+            </a:extLst>
+          </p:cNvPr>
+          <p:cNvPicPr>
+            <a:picLocks noChangeAspect="1"/>
+          </p:cNvPicPr>
+          <p:nvPr/>
+        </p:nvPicPr>
+        <p:blipFill>
+          <a:blip r:embed="rId26"/>
+          <a:stretch>
+            <a:fillRect/>
+          </a:stretch>
+        </p:blipFill>
+        <p:spPr>
+          <a:xfrm>
+            <a:off x="38447024" y="12381123"/>
+            <a:ext cx="2977050" cy="2180419"/>
+          </a:xfrm>
+          <a:prstGeom prst="rect">
+            <a:avLst/>
+          </a:prstGeom>
+        </p:spPr>
+      </p:pic>
+      <p:pic>
+        <p:nvPicPr>
+          <p:cNvPr id="19" name="Picture 18">
+            <a:extLst>
+              <a:ext uri="{FF2B5EF4-FFF2-40B4-BE49-F238E27FC236}">
+                <a16:creationId xmlns:a16="http://schemas.microsoft.com/office/drawing/2014/main" id="{9D5B5D7F-F711-488D-9D35-3C4D3DECAEE3}"/>
+              </a:ext>
+            </a:extLst>
+          </p:cNvPr>
+          <p:cNvPicPr>
+            <a:picLocks noChangeAspect="1"/>
+          </p:cNvPicPr>
+          <p:nvPr/>
+        </p:nvPicPr>
+        <p:blipFill>
+          <a:blip r:embed="rId27"/>
+          <a:stretch>
+            <a:fillRect/>
+          </a:stretch>
+        </p:blipFill>
+        <p:spPr>
+          <a:xfrm>
+            <a:off x="34744651" y="17964923"/>
+            <a:ext cx="2977051" cy="2180420"/>
+          </a:xfrm>
+          <a:prstGeom prst="rect">
+            <a:avLst/>
+          </a:prstGeom>
+        </p:spPr>
+      </p:pic>
+      <p:pic>
+        <p:nvPicPr>
+          <p:cNvPr id="21" name="Picture 20">
+            <a:extLst>
+              <a:ext uri="{FF2B5EF4-FFF2-40B4-BE49-F238E27FC236}">
+                <a16:creationId xmlns:a16="http://schemas.microsoft.com/office/drawing/2014/main" id="{6BA230C1-1DA9-42FC-9579-2AEA8505F46B}"/>
+              </a:ext>
+            </a:extLst>
+          </p:cNvPr>
+          <p:cNvPicPr>
+            <a:picLocks noChangeAspect="1"/>
+          </p:cNvPicPr>
+          <p:nvPr/>
+        </p:nvPicPr>
+        <p:blipFill>
+          <a:blip r:embed="rId28"/>
+          <a:stretch>
+            <a:fillRect/>
+          </a:stretch>
+        </p:blipFill>
+        <p:spPr>
+          <a:xfrm>
+            <a:off x="38447024" y="18048754"/>
+            <a:ext cx="2862592" cy="2096589"/>
+          </a:xfrm>
+          <a:prstGeom prst="rect">
+            <a:avLst/>
+          </a:prstGeom>
+        </p:spPr>
+      </p:pic>
+      <p:pic>
+        <p:nvPicPr>
+          <p:cNvPr id="22" name="Picture 21">
+            <a:extLst>
+              <a:ext uri="{FF2B5EF4-FFF2-40B4-BE49-F238E27FC236}">
+                <a16:creationId xmlns:a16="http://schemas.microsoft.com/office/drawing/2014/main" id="{8F207C7A-B647-4272-9B33-0B88CAB5E332}"/>
+              </a:ext>
+            </a:extLst>
+          </p:cNvPr>
+          <p:cNvPicPr>
+            <a:picLocks noChangeAspect="1"/>
+          </p:cNvPicPr>
+          <p:nvPr/>
+        </p:nvPicPr>
+        <p:blipFill>
+          <a:blip r:embed="rId29"/>
+          <a:stretch>
+            <a:fillRect/>
+          </a:stretch>
+        </p:blipFill>
+        <p:spPr>
+          <a:xfrm>
+            <a:off x="34801743" y="15446099"/>
+            <a:ext cx="2862865" cy="2096789"/>
+          </a:xfrm>
+          <a:prstGeom prst="rect">
+            <a:avLst/>
+          </a:prstGeom>
+        </p:spPr>
+      </p:pic>
+      <p:pic>
+        <p:nvPicPr>
+          <p:cNvPr id="24" name="Picture 23">
+            <a:extLst>
+              <a:ext uri="{FF2B5EF4-FFF2-40B4-BE49-F238E27FC236}">
+                <a16:creationId xmlns:a16="http://schemas.microsoft.com/office/drawing/2014/main" id="{E6FB8651-7D66-45C6-93F7-7BD7DF40F152}"/>
+              </a:ext>
+            </a:extLst>
+          </p:cNvPr>
+          <p:cNvPicPr>
+            <a:picLocks noChangeAspect="1"/>
+          </p:cNvPicPr>
+          <p:nvPr/>
+        </p:nvPicPr>
+        <p:blipFill>
+          <a:blip r:embed="rId30"/>
+          <a:stretch>
+            <a:fillRect/>
+          </a:stretch>
+        </p:blipFill>
+        <p:spPr>
+          <a:xfrm>
+            <a:off x="38486908" y="15540337"/>
+            <a:ext cx="2584382" cy="1892826"/>
+          </a:xfrm>
+          <a:prstGeom prst="rect">
+            <a:avLst/>
+          </a:prstGeom>
+        </p:spPr>
+      </p:pic>
+      <p:pic>
+        <p:nvPicPr>
+          <p:cNvPr id="25" name="Picture 24">
+            <a:extLst>
+              <a:ext uri="{FF2B5EF4-FFF2-40B4-BE49-F238E27FC236}">
+                <a16:creationId xmlns:a16="http://schemas.microsoft.com/office/drawing/2014/main" id="{4A72CFC6-E939-4E4B-A6D8-0E7910971772}"/>
+              </a:ext>
+            </a:extLst>
+          </p:cNvPr>
+          <p:cNvPicPr>
+            <a:picLocks noChangeAspect="1"/>
+          </p:cNvPicPr>
+          <p:nvPr/>
+        </p:nvPicPr>
+        <p:blipFill>
+          <a:blip r:embed="rId31"/>
+          <a:stretch>
+            <a:fillRect/>
+          </a:stretch>
+        </p:blipFill>
+        <p:spPr>
+          <a:xfrm>
+            <a:off x="34834876" y="10099475"/>
+            <a:ext cx="2616402" cy="1916277"/>
+          </a:xfrm>
+          <a:prstGeom prst="rect">
+            <a:avLst/>
+          </a:prstGeom>
+        </p:spPr>
+      </p:pic>
+      <p:pic>
+        <p:nvPicPr>
+          <p:cNvPr id="26" name="Picture 25">
+            <a:extLst>
+              <a:ext uri="{FF2B5EF4-FFF2-40B4-BE49-F238E27FC236}">
+                <a16:creationId xmlns:a16="http://schemas.microsoft.com/office/drawing/2014/main" id="{F6D80A29-0109-47C5-B54F-A9CF365BE7AB}"/>
+              </a:ext>
+            </a:extLst>
+          </p:cNvPr>
+          <p:cNvPicPr>
+            <a:picLocks noChangeAspect="1"/>
+          </p:cNvPicPr>
+          <p:nvPr/>
+        </p:nvPicPr>
+        <p:blipFill>
+          <a:blip r:embed="rId32"/>
+          <a:stretch>
+            <a:fillRect/>
+          </a:stretch>
+        </p:blipFill>
+        <p:spPr>
+          <a:xfrm>
+            <a:off x="38447024" y="10227503"/>
+            <a:ext cx="2651889" cy="1942268"/>
+          </a:xfrm>
+          <a:prstGeom prst="rect">
+            <a:avLst/>
+          </a:prstGeom>
+        </p:spPr>
+      </p:pic>
+      <p:sp>
+        <p:nvSpPr>
+          <p:cNvPr id="159" name="Textfeld 47">
+            <a:extLst>
+              <a:ext uri="{FF2B5EF4-FFF2-40B4-BE49-F238E27FC236}">
+                <a16:creationId xmlns:a16="http://schemas.microsoft.com/office/drawing/2014/main" id="{FB237A7F-6258-434A-8A64-7A6647A79ED4}"/>
+              </a:ext>
+            </a:extLst>
+          </p:cNvPr>
+          <p:cNvSpPr txBox="1"/>
+          <p:nvPr/>
+        </p:nvSpPr>
+        <p:spPr>
+          <a:xfrm>
+            <a:off x="22189147" y="21564476"/>
+            <a:ext cx="19253053" cy="4862870"/>
+          </a:xfrm>
+          <a:prstGeom prst="rect">
+            <a:avLst/>
+          </a:prstGeom>
+          <a:noFill/>
+        </p:spPr>
+        <p:txBody>
+          <a:bodyPr wrap="square" rtlCol="0">
+            <a:spAutoFit/>
+          </a:bodyPr>
+          <a:lstStyle/>
+          <a:p>
+            <a:pPr marL="457200" indent="-457200">
+              <a:buFont typeface="Arial" panose="020B0604020202020204" pitchFamily="34" charset="0"/>
+              <a:buChar char="•"/>
+            </a:pPr>
+            <a:r>
+              <a:rPr lang="en-US" sz="2600" noProof="1">
+                <a:latin typeface="+mj-lt"/>
+              </a:rPr>
+              <a:t>The later the gamble interrupted the progress bar (i.e. the closer the participant was to the reward), the more likely a participant gambled and the lower their RT tended to be. </a:t>
+            </a:r>
+          </a:p>
+          <a:p>
+            <a:pPr marL="457200" indent="-457200">
+              <a:buFont typeface="Arial" panose="020B0604020202020204" pitchFamily="34" charset="0"/>
+              <a:buChar char="•"/>
+            </a:pPr>
+            <a:r>
+              <a:rPr lang="en-US" sz="2600" noProof="1">
+                <a:latin typeface="+mj-lt"/>
+              </a:rPr>
+              <a:t>These effects were specifically robust to participants who failed at least one catch trial. In fact, participants who passed all catch trials tended to exhibit a negative relationship between gambling propensity and interruption time. These data are indicative of a possible link between impulsivity and dopaminergic release (Buckholtz et al., 2010).</a:t>
+            </a:r>
+          </a:p>
+          <a:p>
+            <a:pPr marL="457200" indent="-457200">
+              <a:buFont typeface="Arial" panose="020B0604020202020204" pitchFamily="34" charset="0"/>
+              <a:buChar char="•"/>
+            </a:pPr>
+            <a:r>
+              <a:rPr lang="en-US" sz="2600" noProof="1">
+                <a:latin typeface="+mj-lt"/>
+              </a:rPr>
+              <a:t>Magnitude had no effect on driving the propensity  to gamble but a higher value gamble increased a participant’s propensity to gamble. This effect was strongest in individuals who passed all catch trials. </a:t>
+            </a:r>
+          </a:p>
+          <a:p>
+            <a:pPr marL="457200" indent="-457200">
+              <a:buFont typeface="Arial" panose="020B0604020202020204" pitchFamily="34" charset="0"/>
+              <a:buChar char="•"/>
+            </a:pPr>
+            <a:r>
+              <a:rPr lang="en-US" sz="2600" noProof="1">
+                <a:latin typeface="+mj-lt"/>
+              </a:rPr>
+              <a:t>Future versions will investigate the effect of the progress bar pausing, an instrumental choice being made at the time of the gamble, and removing the gamble preview.</a:t>
+            </a:r>
+          </a:p>
+          <a:p>
+            <a:pPr marL="457200" indent="-457200">
+              <a:buFont typeface="Arial" panose="020B0604020202020204" pitchFamily="34" charset="0"/>
+              <a:buChar char="•"/>
+            </a:pPr>
+            <a:r>
+              <a:rPr lang="en-US" sz="2600" noProof="1">
+                <a:latin typeface="+mj-lt"/>
+              </a:rPr>
+              <a:t>These pilot data are consistent with the theory that DA dynamics affect how humans calculate the value of an acion and that the value of such a calculation may shift as a promixity to a reward.</a:t>
+            </a:r>
+          </a:p>
+          <a:p>
+            <a:endParaRPr lang="en-US" sz="2400" noProof="1">
+              <a:latin typeface="+mj-lt"/>
+            </a:endParaRPr>
+          </a:p>
+        </p:txBody>
+      </p:sp>
     </p:spTree>
   </p:cSld>
   <p:clrMapOvr>

--- a/rampPosterSFN2018.pptx
+++ b/rampPosterSFN2018.pptx
@@ -209,7 +209,7 @@
             <a:fld id="{7528212C-E14D-47E6-BF5A-B7E00B760EDE}" type="datetimeFigureOut">
               <a:rPr lang="de-DE" smtClean="0"/>
               <a:pPr/>
-              <a:t>30.10.2018</a:t>
+              <a:t>31.10.2018</a:t>
             </a:fld>
             <a:endParaRPr lang="de-DE" dirty="0"/>
           </a:p>
@@ -746,7 +746,7 @@
             <a:fld id="{0DBF1F82-4E5B-4407-973D-C7AE76259AD1}" type="datetimeFigureOut">
               <a:rPr lang="de-DE" smtClean="0"/>
               <a:pPr/>
-              <a:t>30.10.2018</a:t>
+              <a:t>31.10.2018</a:t>
             </a:fld>
             <a:endParaRPr lang="de-DE" dirty="0"/>
           </a:p>
@@ -911,7 +911,7 @@
             <a:fld id="{0DBF1F82-4E5B-4407-973D-C7AE76259AD1}" type="datetimeFigureOut">
               <a:rPr lang="de-DE" smtClean="0"/>
               <a:pPr/>
-              <a:t>30.10.2018</a:t>
+              <a:t>31.10.2018</a:t>
             </a:fld>
             <a:endParaRPr lang="de-DE" dirty="0"/>
           </a:p>
@@ -1086,7 +1086,7 @@
             <a:fld id="{0DBF1F82-4E5B-4407-973D-C7AE76259AD1}" type="datetimeFigureOut">
               <a:rPr lang="de-DE" smtClean="0"/>
               <a:pPr/>
-              <a:t>30.10.2018</a:t>
+              <a:t>31.10.2018</a:t>
             </a:fld>
             <a:endParaRPr lang="de-DE" dirty="0"/>
           </a:p>
@@ -1251,7 +1251,7 @@
             <a:fld id="{0DBF1F82-4E5B-4407-973D-C7AE76259AD1}" type="datetimeFigureOut">
               <a:rPr lang="de-DE" smtClean="0"/>
               <a:pPr/>
-              <a:t>30.10.2018</a:t>
+              <a:t>31.10.2018</a:t>
             </a:fld>
             <a:endParaRPr lang="de-DE" dirty="0"/>
           </a:p>
@@ -1493,7 +1493,7 @@
             <a:fld id="{0DBF1F82-4E5B-4407-973D-C7AE76259AD1}" type="datetimeFigureOut">
               <a:rPr lang="de-DE" smtClean="0"/>
               <a:pPr/>
-              <a:t>30.10.2018</a:t>
+              <a:t>31.10.2018</a:t>
             </a:fld>
             <a:endParaRPr lang="de-DE" dirty="0"/>
           </a:p>
@@ -1775,7 +1775,7 @@
             <a:fld id="{0DBF1F82-4E5B-4407-973D-C7AE76259AD1}" type="datetimeFigureOut">
               <a:rPr lang="de-DE" smtClean="0"/>
               <a:pPr/>
-              <a:t>30.10.2018</a:t>
+              <a:t>31.10.2018</a:t>
             </a:fld>
             <a:endParaRPr lang="de-DE" dirty="0"/>
           </a:p>
@@ -2196,7 +2196,7 @@
             <a:fld id="{0DBF1F82-4E5B-4407-973D-C7AE76259AD1}" type="datetimeFigureOut">
               <a:rPr lang="de-DE" smtClean="0"/>
               <a:pPr/>
-              <a:t>30.10.2018</a:t>
+              <a:t>31.10.2018</a:t>
             </a:fld>
             <a:endParaRPr lang="de-DE" dirty="0"/>
           </a:p>
@@ -2310,7 +2310,7 @@
             <a:fld id="{0DBF1F82-4E5B-4407-973D-C7AE76259AD1}" type="datetimeFigureOut">
               <a:rPr lang="de-DE" smtClean="0"/>
               <a:pPr/>
-              <a:t>30.10.2018</a:t>
+              <a:t>31.10.2018</a:t>
             </a:fld>
             <a:endParaRPr lang="de-DE" dirty="0"/>
           </a:p>
@@ -2402,7 +2402,7 @@
             <a:fld id="{0DBF1F82-4E5B-4407-973D-C7AE76259AD1}" type="datetimeFigureOut">
               <a:rPr lang="de-DE" smtClean="0"/>
               <a:pPr/>
-              <a:t>30.10.2018</a:t>
+              <a:t>31.10.2018</a:t>
             </a:fld>
             <a:endParaRPr lang="de-DE" dirty="0"/>
           </a:p>
@@ -2674,7 +2674,7 @@
             <a:fld id="{0DBF1F82-4E5B-4407-973D-C7AE76259AD1}" type="datetimeFigureOut">
               <a:rPr lang="de-DE" smtClean="0"/>
               <a:pPr/>
-              <a:t>30.10.2018</a:t>
+              <a:t>31.10.2018</a:t>
             </a:fld>
             <a:endParaRPr lang="de-DE" dirty="0"/>
           </a:p>
@@ -2923,7 +2923,7 @@
             <a:fld id="{0DBF1F82-4E5B-4407-973D-C7AE76259AD1}" type="datetimeFigureOut">
               <a:rPr lang="de-DE" smtClean="0"/>
               <a:pPr/>
-              <a:t>30.10.2018</a:t>
+              <a:t>31.10.2018</a:t>
             </a:fld>
             <a:endParaRPr lang="de-DE" dirty="0"/>
           </a:p>
@@ -3131,7 +3131,7 @@
             <a:fld id="{0DBF1F82-4E5B-4407-973D-C7AE76259AD1}" type="datetimeFigureOut">
               <a:rPr lang="de-DE" smtClean="0"/>
               <a:pPr/>
-              <a:t>30.10.2018</a:t>
+              <a:t>31.10.2018</a:t>
             </a:fld>
             <a:endParaRPr lang="de-DE" dirty="0"/>
           </a:p>
@@ -3510,6 +3510,35 @@
           <a:chExt cx="0" cy="0"/>
         </a:xfrm>
       </p:grpSpPr>
+      <p:pic>
+        <p:nvPicPr>
+          <p:cNvPr id="126" name="Picture 125">
+            <a:extLst>
+              <a:ext uri="{FF2B5EF4-FFF2-40B4-BE49-F238E27FC236}">
+                <a16:creationId xmlns:a16="http://schemas.microsoft.com/office/drawing/2014/main" id="{6CF16740-A794-41E1-8FDB-A7808BD019BF}"/>
+              </a:ext>
+            </a:extLst>
+          </p:cNvPr>
+          <p:cNvPicPr>
+            <a:picLocks noChangeAspect="1"/>
+          </p:cNvPicPr>
+          <p:nvPr/>
+        </p:nvPicPr>
+        <p:blipFill rotWithShape="1">
+          <a:blip r:embed="rId3"/>
+          <a:srcRect l="30486" t="9464" r="30361" b="34442"/>
+          <a:stretch/>
+        </p:blipFill>
+        <p:spPr>
+          <a:xfrm>
+            <a:off x="10758537" y="24963895"/>
+            <a:ext cx="4020232" cy="3929823"/>
+          </a:xfrm>
+          <a:prstGeom prst="rect">
+            <a:avLst/>
+          </a:prstGeom>
+        </p:spPr>
+      </p:pic>
       <p:grpSp>
         <p:nvGrpSpPr>
           <p:cNvPr id="89" name="Group 88">
@@ -4026,7 +4055,7 @@
                 <a:solidFill>
                   <a:srgbClr val="000000"/>
                 </a:solidFill>
-                <a:latin typeface="Avenir Heavy"/>
+                <a:latin typeface="+mj-lt"/>
                 <a:cs typeface="Avenir Heavy"/>
               </a:rPr>
               <a:t> </a:t>
@@ -4105,8 +4134,8 @@
         </p:nvSpPr>
         <p:spPr>
           <a:xfrm>
-            <a:off x="519936" y="3891303"/>
-            <a:ext cx="19985245" cy="7493732"/>
+            <a:off x="519936" y="3891302"/>
+            <a:ext cx="19985245" cy="8473733"/>
           </a:xfrm>
           <a:prstGeom prst="roundRect">
             <a:avLst>
@@ -4296,22 +4325,34 @@
                 </a:solidFill>
                 <a:latin typeface="+mj-lt"/>
               </a:rPr>
-              <a:t>More generally, increasing striatal DA tone is hypothesized to bias the expression of the benefits of actions relative to their costs (value) (Fig 1C). </a:t>
-            </a:r>
-            <a:r>
-              <a:rPr lang="en-US" sz="2600" dirty="0">
-                <a:solidFill>
-                  <a:schemeClr val="tx1"/>
-                </a:solidFill>
-              </a:rPr>
-              <a:t>Thus, we hypothesize that agents will become increasingly sensitive to benefits versus costs as they approach an anticipated reward.</a:t>
-            </a:r>
+              <a:t>More generally, increasing striatal DA tone is hypothesized to bias the expression of the benefits of actions relative to their costs (Fig 1C). </a:t>
+            </a:r>
+          </a:p>
+          <a:p>
+            <a:pPr marL="342900" indent="-342900">
+              <a:buFont typeface="Arial" panose="020B0604020202020204" pitchFamily="34" charset="0"/>
+              <a:buChar char="•"/>
+            </a:pPr>
             <a:endParaRPr lang="en-US" sz="2600" dirty="0">
               <a:solidFill>
                 <a:schemeClr val="tx1"/>
               </a:solidFill>
               <a:latin typeface="+mj-lt"/>
             </a:endParaRPr>
+          </a:p>
+          <a:p>
+            <a:pPr marL="342900" indent="-342900">
+              <a:buFont typeface="Arial" panose="020B0604020202020204" pitchFamily="34" charset="0"/>
+              <a:buChar char="•"/>
+            </a:pPr>
+            <a:r>
+              <a:rPr lang="en-US" sz="2600" dirty="0">
+                <a:solidFill>
+                  <a:schemeClr val="tx1"/>
+                </a:solidFill>
+              </a:rPr>
+              <a:t>Thus, we can capitalize on the dopaminergic ramp naturally happening to test whether performance (via choice) is modulated by DA,  independent of any effect DA has on learning.</a:t>
+            </a:r>
           </a:p>
           <a:p>
             <a:pPr marL="342900" indent="-342900">
@@ -5093,7 +5134,7 @@
         </p:nvSpPr>
         <p:spPr>
           <a:xfrm>
-            <a:off x="0" y="17425103"/>
+            <a:off x="0" y="17521033"/>
             <a:ext cx="19276760" cy="1079641"/>
           </a:xfrm>
           <a:prstGeom prst="rect">
@@ -5132,8 +5173,8 @@
         </p:nvSpPr>
         <p:spPr>
           <a:xfrm>
-            <a:off x="10199492" y="24291029"/>
-            <a:ext cx="6720935" cy="4185761"/>
+            <a:off x="15675149" y="25495367"/>
+            <a:ext cx="6720935" cy="3154710"/>
           </a:xfrm>
           <a:prstGeom prst="rect">
             <a:avLst/>
@@ -5164,61 +5205,79 @@
             </a:endParaRPr>
           </a:p>
           <a:p>
-            <a:pPr>
+            <a:pPr marL="342900" indent="-342900">
               <a:spcAft>
                 <a:spcPts val="600"/>
               </a:spcAft>
+              <a:buFont typeface="Arial" panose="020B0604020202020204" pitchFamily="34" charset="0"/>
+              <a:buChar char="•"/>
             </a:pPr>
             <a:r>
               <a:rPr lang="en-US" sz="2400" noProof="1">
                 <a:latin typeface="+mj-lt"/>
               </a:rPr>
-              <a:t>207 Participants were recruited via Amazon’s mechanical turk; (127 male; 76 female; 4 declined to answer) and were between the age of 18-40.</a:t>
-            </a:r>
-          </a:p>
-          <a:p>
-            <a:pPr>
+              <a:t>207 Participants via Amazon’s mechanical turk; (127 male; 76 female; 4 declined to answer) </a:t>
+            </a:r>
+          </a:p>
+          <a:p>
+            <a:pPr marL="342900" indent="-342900">
               <a:spcAft>
                 <a:spcPts val="600"/>
               </a:spcAft>
+              <a:buFont typeface="Arial" panose="020B0604020202020204" pitchFamily="34" charset="0"/>
+              <a:buChar char="•"/>
             </a:pPr>
             <a:r>
               <a:rPr lang="en-US" sz="2400" noProof="1">
                 <a:latin typeface="+mj-lt"/>
               </a:rPr>
-              <a:t>Participants underwent 133 trials (~45 minutes) and were given $3 base pay plus whatever they won on a chosen trial (0$ - $4 bonus).</a:t>
-            </a:r>
-          </a:p>
-          <a:p>
-            <a:pPr>
+              <a:t>18-40 years old.</a:t>
+            </a:r>
+          </a:p>
+          <a:p>
+            <a:pPr marL="342900" indent="-342900">
               <a:spcAft>
                 <a:spcPts val="600"/>
               </a:spcAft>
+              <a:buFont typeface="Arial" panose="020B0604020202020204" pitchFamily="34" charset="0"/>
+              <a:buChar char="•"/>
             </a:pPr>
             <a:r>
               <a:rPr lang="en-US" sz="2400" noProof="1">
                 <a:latin typeface="+mj-lt"/>
               </a:rPr>
-              <a:t>There was the option to gamble on 86.39 % of trials.</a:t>
-            </a:r>
-          </a:p>
-          <a:p>
-            <a:pPr>
+              <a:t>133 trials (~45 minutes) </a:t>
+            </a:r>
+          </a:p>
+          <a:p>
+            <a:pPr marL="342900" indent="-342900">
               <a:spcAft>
                 <a:spcPts val="600"/>
               </a:spcAft>
+              <a:buFont typeface="Arial" panose="020B0604020202020204" pitchFamily="34" charset="0"/>
+              <a:buChar char="•"/>
             </a:pPr>
             <a:r>
               <a:rPr lang="en-US" sz="2400" noProof="1">
                 <a:latin typeface="+mj-lt"/>
-                <a:cs typeface="Avenir Heavy"/>
-              </a:rPr>
-              <a:t>Each trial had a value attribute (low/mid/high) and a magnitude attribute (low/mid/high). </a:t>
-            </a:r>
-            <a:endParaRPr lang="en-US" sz="3200" noProof="1">
-              <a:latin typeface="+mj-lt"/>
-              <a:cs typeface="Avenir Heavy"/>
-            </a:endParaRPr>
+              </a:rPr>
+              <a:t>Option to gamble on 86.39 % of trials.</a:t>
+            </a:r>
+          </a:p>
+          <a:p>
+            <a:pPr marL="342900" indent="-342900">
+              <a:spcAft>
+                <a:spcPts val="600"/>
+              </a:spcAft>
+              <a:buFont typeface="Arial" panose="020B0604020202020204" pitchFamily="34" charset="0"/>
+              <a:buChar char="•"/>
+            </a:pPr>
+            <a:r>
+              <a:rPr lang="en-US" sz="2400" noProof="1">
+                <a:latin typeface="+mj-lt"/>
+              </a:rPr>
+              <a:t>6 catch trials</a:t>
+            </a:r>
           </a:p>
         </p:txBody>
       </p:sp>
@@ -5264,7 +5323,7 @@
         </p:nvSpPr>
         <p:spPr>
           <a:xfrm>
-            <a:off x="1693835" y="12107761"/>
+            <a:off x="1693835" y="12545318"/>
             <a:ext cx="407484" cy="461665"/>
           </a:xfrm>
           <a:prstGeom prst="rect">
@@ -5301,7 +5360,7 @@
         </p:nvSpPr>
         <p:spPr>
           <a:xfrm>
-            <a:off x="7281248" y="12113587"/>
+            <a:off x="7372140" y="12569459"/>
             <a:ext cx="407484" cy="461665"/>
           </a:xfrm>
           <a:prstGeom prst="rect">
@@ -5530,7 +5589,7 @@
         </p:nvSpPr>
         <p:spPr>
           <a:xfrm>
-            <a:off x="14301028" y="12143502"/>
+            <a:off x="14301028" y="12581059"/>
             <a:ext cx="407484" cy="461665"/>
           </a:xfrm>
           <a:prstGeom prst="rect">
@@ -5575,8 +5634,8 @@
         </p:blipFill>
         <p:spPr>
           <a:xfrm>
-            <a:off x="7223873" y="12955460"/>
-            <a:ext cx="6490070" cy="3624972"/>
+            <a:off x="7192641" y="13296827"/>
+            <a:ext cx="6698338" cy="3741298"/>
           </a:xfrm>
           <a:prstGeom prst="rect">
             <a:avLst/>
@@ -5597,7 +5656,7 @@
         </p:nvSpPr>
         <p:spPr>
           <a:xfrm>
-            <a:off x="7484990" y="16842364"/>
+            <a:off x="7484990" y="17081959"/>
             <a:ext cx="6236677" cy="369332"/>
           </a:xfrm>
           <a:prstGeom prst="rect">
@@ -5697,7 +5756,7 @@
         </p:blipFill>
         <p:spPr>
           <a:xfrm>
-            <a:off x="2147066" y="12554475"/>
+            <a:off x="2147066" y="13073528"/>
             <a:ext cx="3655466" cy="2064078"/>
           </a:xfrm>
           <a:prstGeom prst="rect">
@@ -5727,7 +5786,7 @@
         </p:blipFill>
         <p:spPr>
           <a:xfrm>
-            <a:off x="2267991" y="14692783"/>
+            <a:off x="2267991" y="15130340"/>
             <a:ext cx="3498756" cy="2067099"/>
           </a:xfrm>
           <a:prstGeom prst="rect">
@@ -5801,7 +5860,7 @@
         </p:nvSpPr>
         <p:spPr>
           <a:xfrm>
-            <a:off x="1243610" y="18228002"/>
+            <a:off x="1231680" y="18324277"/>
             <a:ext cx="17375775" cy="1892826"/>
           </a:xfrm>
           <a:prstGeom prst="rect">
@@ -5859,14 +5918,14 @@
           <p:nvPr>
             <p:extLst>
               <p:ext uri="{D42A27DB-BD31-4B8C-83A1-F6EECF244321}">
-                <p14:modId xmlns:p14="http://schemas.microsoft.com/office/powerpoint/2010/main" val="657188332"/>
+                <p14:modId xmlns:p14="http://schemas.microsoft.com/office/powerpoint/2010/main" val="1332071347"/>
               </p:ext>
             </p:extLst>
           </p:nvPr>
         </p:nvGraphicFramePr>
         <p:xfrm>
-          <a:off x="1353441" y="24326442"/>
-          <a:ext cx="7676624" cy="2247807"/>
+          <a:off x="2205836" y="24894175"/>
+          <a:ext cx="7676624" cy="2846187"/>
         </p:xfrm>
         <a:graphic>
           <a:graphicData uri="http://schemas.openxmlformats.org/drawingml/2006/table">
@@ -5890,12 +5949,13 @@
                   </a:extLst>
                 </a:gridCol>
               </a:tblGrid>
-              <a:tr h="815883">
+              <a:tr h="776331">
                 <a:tc>
                   <a:txBody>
                     <a:bodyPr/>
                     <a:lstStyle/>
                     <a:p>
+                      <a:pPr algn="ctr"/>
                       <a:r>
                         <a:rPr lang="en-US" sz="2000" dirty="0"/>
                         <a:t>Guaranteed amount  = $1 or $2</a:t>
@@ -5909,7 +5969,7 @@
                     <a:bodyPr/>
                     <a:lstStyle/>
                     <a:p>
-                      <a:pPr marL="0" marR="0" lvl="0" indent="0" algn="l" defTabSz="3986369" rtl="0" eaLnBrk="1" fontAlgn="auto" latinLnBrk="0" hangingPunct="1">
+                      <a:pPr marL="0" marR="0" lvl="0" indent="0" algn="ctr" defTabSz="3986369" rtl="0" eaLnBrk="1" fontAlgn="auto" latinLnBrk="0" hangingPunct="1">
                         <a:lnSpc>
                           <a:spcPct val="100000"/>
                         </a:lnSpc>
@@ -5928,7 +5988,7 @@
                       </a:pPr>
                       <a:r>
                         <a:rPr lang="en-US" sz="2000" dirty="0"/>
-                        <a:t>Gamble = 1.5 x guaranteed amount</a:t>
+                        <a:t>Gamble possible reward = 1.5 x guaranteed amount</a:t>
                       </a:r>
                     </a:p>
                   </a:txBody>
@@ -5940,13 +6000,13 @@
                   </a:ext>
                 </a:extLst>
               </a:tr>
-              <a:tr h="715962">
+              <a:tr h="1034928">
                 <a:tc>
                   <a:txBody>
                     <a:bodyPr/>
                     <a:lstStyle/>
                     <a:p>
-                      <a:pPr marL="0" marR="0" lvl="0" indent="0" algn="l" defTabSz="3986369" rtl="0" eaLnBrk="1" fontAlgn="auto" latinLnBrk="0" hangingPunct="1">
+                      <a:pPr marL="0" marR="0" lvl="0" indent="0" algn="ctr" defTabSz="3986369" rtl="0" eaLnBrk="1" fontAlgn="auto" latinLnBrk="0" hangingPunct="1">
                         <a:lnSpc>
                           <a:spcPct val="100000"/>
                         </a:lnSpc>
@@ -5979,7 +6039,7 @@
                     <a:bodyPr/>
                     <a:lstStyle/>
                     <a:p>
-                      <a:pPr marL="0" marR="0" lvl="0" indent="0" algn="l" defTabSz="3986369" rtl="0" eaLnBrk="1" fontAlgn="auto" latinLnBrk="0" hangingPunct="1">
+                      <a:pPr marL="0" marR="0" lvl="0" indent="0" algn="ctr" defTabSz="3986369" rtl="0" eaLnBrk="1" fontAlgn="auto" latinLnBrk="0" hangingPunct="1">
                         <a:lnSpc>
                           <a:spcPct val="100000"/>
                         </a:lnSpc>
@@ -5998,7 +6058,7 @@
                       </a:pPr>
                       <a:r>
                         <a:rPr lang="en-US" sz="2000" dirty="0"/>
-                        <a:t>Gamble = 2 x guaranteed amount</a:t>
+                        <a:t>Gamble possible reward  = 2 x guaranteed amount</a:t>
                       </a:r>
                     </a:p>
                     <a:p>
@@ -6013,13 +6073,13 @@
                   </a:ext>
                 </a:extLst>
               </a:tr>
-              <a:tr h="715962">
+              <a:tr h="1034928">
                 <a:tc>
                   <a:txBody>
                     <a:bodyPr/>
                     <a:lstStyle/>
                     <a:p>
-                      <a:pPr marL="0" marR="0" lvl="0" indent="0" algn="l" defTabSz="3986369" rtl="0" eaLnBrk="1" fontAlgn="auto" latinLnBrk="0" hangingPunct="1">
+                      <a:pPr marL="0" marR="0" lvl="0" indent="0" algn="ctr" defTabSz="3986369" rtl="0" eaLnBrk="1" fontAlgn="auto" latinLnBrk="0" hangingPunct="1">
                         <a:lnSpc>
                           <a:spcPct val="100000"/>
                         </a:lnSpc>
@@ -6052,7 +6112,7 @@
                     <a:bodyPr/>
                     <a:lstStyle/>
                     <a:p>
-                      <a:pPr marL="0" marR="0" lvl="0" indent="0" algn="l" defTabSz="3986369" rtl="0" eaLnBrk="1" fontAlgn="auto" latinLnBrk="0" hangingPunct="1">
+                      <a:pPr marL="0" marR="0" lvl="0" indent="0" algn="ctr" defTabSz="3986369" rtl="0" eaLnBrk="1" fontAlgn="auto" latinLnBrk="0" hangingPunct="1">
                         <a:lnSpc>
                           <a:spcPct val="100000"/>
                         </a:lnSpc>
@@ -6071,7 +6131,7 @@
                       </a:pPr>
                       <a:r>
                         <a:rPr lang="en-US" sz="2000" dirty="0"/>
-                        <a:t>Gamble = 3 x guaranteed amount</a:t>
+                        <a:t>Gamble possible reward = 3 x guaranteed amount</a:t>
                       </a:r>
                     </a:p>
                     <a:p>
@@ -6104,8 +6164,8 @@
         </p:nvSpPr>
         <p:spPr>
           <a:xfrm>
-            <a:off x="2242571" y="23811389"/>
-            <a:ext cx="1925438" cy="461665"/>
+            <a:off x="2436746" y="23924845"/>
+            <a:ext cx="3518792" cy="830997"/>
           </a:xfrm>
           <a:prstGeom prst="rect">
             <a:avLst/>
@@ -6118,7 +6178,7 @@
           </a:bodyPr>
           <a:lstStyle/>
           <a:p>
-            <a:pPr>
+            <a:pPr algn="ctr">
               <a:spcAft>
                 <a:spcPts val="600"/>
               </a:spcAft>
@@ -6128,55 +6188,8 @@
                 <a:latin typeface="Avenir Heavy"/>
                 <a:cs typeface="Avenir Heavy"/>
               </a:rPr>
-              <a:t>Magnitude</a:t>
-            </a:r>
-          </a:p>
-        </p:txBody>
-      </p:sp>
-      <p:sp>
-        <p:nvSpPr>
-          <p:cNvPr id="71" name="Textfeld 44">
-            <a:extLst>
-              <a:ext uri="{FF2B5EF4-FFF2-40B4-BE49-F238E27FC236}">
-                <a16:creationId xmlns:a16="http://schemas.microsoft.com/office/drawing/2014/main" id="{817011CE-9F7F-46EC-BC03-D276FFE946FA}"/>
-              </a:ext>
-            </a:extLst>
-          </p:cNvPr>
-          <p:cNvSpPr txBox="1"/>
-          <p:nvPr/>
-        </p:nvSpPr>
-        <p:spPr>
-          <a:xfrm>
-            <a:off x="6579274" y="23838083"/>
-            <a:ext cx="1430613" cy="461665"/>
-          </a:xfrm>
-          <a:prstGeom prst="rect">
-            <a:avLst/>
-          </a:prstGeom>
-          <a:noFill/>
-        </p:spPr>
-        <p:txBody>
-          <a:bodyPr wrap="square" rtlCol="0">
-            <a:spAutoFit/>
-          </a:bodyPr>
-          <a:lstStyle/>
-          <a:p>
-            <a:pPr>
-              <a:spcAft>
-                <a:spcPts val="600"/>
-              </a:spcAft>
-            </a:pPr>
-            <a:r>
-              <a:rPr lang="en-US" sz="2400" noProof="1">
-                <a:latin typeface="Avenir Heavy"/>
-                <a:cs typeface="Avenir Heavy"/>
-              </a:rPr>
-              <a:t>Value</a:t>
-            </a:r>
-            <a:endParaRPr lang="en-US" sz="3200" noProof="1">
-              <a:latin typeface="Avenir Heavy"/>
-              <a:cs typeface="Avenir Heavy"/>
-            </a:endParaRPr>
+              <a:t>Guaranteed amount manipulation (Magnitude)</a:t>
+            </a:r>
           </a:p>
         </p:txBody>
       </p:sp>
@@ -6194,7 +6207,7 @@
         </p:nvSpPr>
         <p:spPr>
           <a:xfrm>
-            <a:off x="455356" y="24396597"/>
+            <a:off x="1221822" y="25132417"/>
             <a:ext cx="731015" cy="461665"/>
           </a:xfrm>
           <a:prstGeom prst="rect">
@@ -6237,7 +6250,7 @@
         </p:nvSpPr>
         <p:spPr>
           <a:xfrm>
-            <a:off x="485391" y="25219512"/>
+            <a:off x="1221823" y="26057133"/>
             <a:ext cx="731015" cy="461665"/>
           </a:xfrm>
           <a:prstGeom prst="rect">
@@ -6280,7 +6293,7 @@
         </p:nvSpPr>
         <p:spPr>
           <a:xfrm>
-            <a:off x="450290" y="25942012"/>
+            <a:off x="1219226" y="27150274"/>
             <a:ext cx="882093" cy="461665"/>
           </a:xfrm>
           <a:prstGeom prst="rect">
@@ -6323,7 +6336,7 @@
         </p:nvSpPr>
         <p:spPr>
           <a:xfrm>
-            <a:off x="14989530" y="16770219"/>
+            <a:off x="14989530" y="17009814"/>
             <a:ext cx="6236677" cy="446276"/>
           </a:xfrm>
           <a:prstGeom prst="rect">
@@ -6409,7 +6422,7 @@
         </p:nvSpPr>
         <p:spPr>
           <a:xfrm>
-            <a:off x="1177911" y="16900472"/>
+            <a:off x="1177911" y="17140067"/>
             <a:ext cx="6236677" cy="230832"/>
           </a:xfrm>
           <a:prstGeom prst="rect">
@@ -6504,8 +6517,8 @@
           </p:blipFill>
           <p:spPr>
             <a:xfrm>
-              <a:off x="5278270" y="4458623"/>
-              <a:ext cx="1407304" cy="876897"/>
+              <a:off x="5238936" y="4459367"/>
+              <a:ext cx="1451016" cy="904134"/>
             </a:xfrm>
             <a:prstGeom prst="rect">
               <a:avLst/>
@@ -6572,7 +6585,7 @@
         </p:nvGrpSpPr>
         <p:grpSpPr>
           <a:xfrm>
-            <a:off x="17692021" y="19272173"/>
+            <a:off x="17692021" y="19151631"/>
             <a:ext cx="4075200" cy="2682719"/>
             <a:chOff x="3284310" y="5592929"/>
             <a:chExt cx="1728064" cy="1137591"/>
@@ -6808,8 +6821,8 @@
         </p:nvCxnSpPr>
         <p:spPr>
           <a:xfrm flipV="1">
-            <a:off x="17059647" y="21553271"/>
-            <a:ext cx="618264" cy="809843"/>
+            <a:off x="17059647" y="21441344"/>
+            <a:ext cx="632374" cy="921772"/>
           </a:xfrm>
           <a:prstGeom prst="straightConnector1">
             <a:avLst/>
@@ -6943,7 +6956,7 @@
         </p:blipFill>
         <p:spPr>
           <a:xfrm>
-            <a:off x="15024285" y="12693624"/>
+            <a:off x="15024285" y="13131181"/>
             <a:ext cx="5724132" cy="3782614"/>
           </a:xfrm>
           <a:prstGeom prst="rect">
@@ -7090,96 +7103,6 @@
       </p:cxnSp>
       <p:sp>
         <p:nvSpPr>
-          <p:cNvPr id="108" name="Textfeld 44">
-            <a:extLst>
-              <a:ext uri="{FF2B5EF4-FFF2-40B4-BE49-F238E27FC236}">
-                <a16:creationId xmlns:a16="http://schemas.microsoft.com/office/drawing/2014/main" id="{5AAD61C5-D8EE-40E4-AC50-56B9E19CDD72}"/>
-              </a:ext>
-            </a:extLst>
-          </p:cNvPr>
-          <p:cNvSpPr txBox="1"/>
-          <p:nvPr/>
-        </p:nvSpPr>
-        <p:spPr>
-          <a:xfrm>
-            <a:off x="1392161" y="26843624"/>
-            <a:ext cx="7541407" cy="3000821"/>
-          </a:xfrm>
-          <a:prstGeom prst="rect">
-            <a:avLst/>
-          </a:prstGeom>
-          <a:noFill/>
-        </p:spPr>
-        <p:txBody>
-          <a:bodyPr wrap="square" rtlCol="0">
-            <a:spAutoFit/>
-          </a:bodyPr>
-          <a:lstStyle/>
-          <a:p>
-            <a:pPr>
-              <a:spcAft>
-                <a:spcPts val="600"/>
-              </a:spcAft>
-            </a:pPr>
-            <a:r>
-              <a:rPr lang="en-US" sz="3000" noProof="1">
-                <a:latin typeface="+mj-lt"/>
-                <a:cs typeface="Avenir Heavy"/>
-              </a:rPr>
-              <a:t>Catch Trials</a:t>
-            </a:r>
-            <a:endParaRPr lang="en-US" sz="3200" noProof="1">
-              <a:latin typeface="+mj-lt"/>
-              <a:cs typeface="Avenir Heavy"/>
-            </a:endParaRPr>
-          </a:p>
-          <a:p>
-            <a:pPr>
-              <a:spcAft>
-                <a:spcPts val="600"/>
-              </a:spcAft>
-            </a:pPr>
-            <a:r>
-              <a:rPr lang="en-US" sz="2400" noProof="1">
-                <a:latin typeface="+mj-lt"/>
-              </a:rPr>
-              <a:t>6 catch trials were included in the task design.</a:t>
-            </a:r>
-          </a:p>
-          <a:p>
-            <a:pPr marL="342900" indent="-342900">
-              <a:spcAft>
-                <a:spcPts val="600"/>
-              </a:spcAft>
-              <a:buFont typeface="Arial" panose="020B0604020202020204" pitchFamily="34" charset="0"/>
-              <a:buChar char="•"/>
-            </a:pPr>
-            <a:r>
-              <a:rPr lang="en-US" sz="2400" noProof="1">
-                <a:latin typeface="+mj-lt"/>
-              </a:rPr>
-              <a:t> In 3 catch trials, the reward of the gamble matched the sure amount (offering no incentive to gamble). </a:t>
-            </a:r>
-          </a:p>
-          <a:p>
-            <a:pPr marL="342900" indent="-342900">
-              <a:spcAft>
-                <a:spcPts val="600"/>
-              </a:spcAft>
-              <a:buFont typeface="Arial" panose="020B0604020202020204" pitchFamily="34" charset="0"/>
-              <a:buChar char="•"/>
-            </a:pPr>
-            <a:r>
-              <a:rPr lang="en-US" sz="2400" noProof="1">
-                <a:latin typeface="+mj-lt"/>
-              </a:rPr>
-              <a:t>In the other 3 catch trials, the possible loss of the gamble matched the sure amount (offering no incentive to accept the sure thing).</a:t>
-            </a:r>
-          </a:p>
-        </p:txBody>
-      </p:sp>
-      <p:sp>
-        <p:nvSpPr>
           <p:cNvPr id="110" name="Textfeld 44">
             <a:extLst>
               <a:ext uri="{FF2B5EF4-FFF2-40B4-BE49-F238E27FC236}">
@@ -7341,8 +7264,8 @@
         </p:blipFill>
         <p:spPr>
           <a:xfrm>
-            <a:off x="33684812" y="5627760"/>
-            <a:ext cx="4566441" cy="3001675"/>
+            <a:off x="33291961" y="5680937"/>
+            <a:ext cx="4888472" cy="3213357"/>
           </a:xfrm>
           <a:prstGeom prst="rect">
             <a:avLst/>
@@ -7863,6 +7786,770 @@
           </a:p>
         </p:txBody>
       </p:sp>
+      <p:cxnSp>
+        <p:nvCxnSpPr>
+          <p:cNvPr id="9" name="Straight Connector 8">
+            <a:extLst>
+              <a:ext uri="{FF2B5EF4-FFF2-40B4-BE49-F238E27FC236}">
+                <a16:creationId xmlns:a16="http://schemas.microsoft.com/office/drawing/2014/main" id="{11FABEF1-8127-4094-B4B6-3D2E039F9C23}"/>
+              </a:ext>
+            </a:extLst>
+          </p:cNvPr>
+          <p:cNvCxnSpPr>
+            <a:cxnSpLocks/>
+          </p:cNvCxnSpPr>
+          <p:nvPr/>
+        </p:nvCxnSpPr>
+        <p:spPr>
+          <a:xfrm flipV="1">
+            <a:off x="39470892" y="7352529"/>
+            <a:ext cx="0" cy="415631"/>
+          </a:xfrm>
+          <a:prstGeom prst="line">
+            <a:avLst/>
+          </a:prstGeom>
+        </p:spPr>
+        <p:style>
+          <a:lnRef idx="1">
+            <a:schemeClr val="accent1"/>
+          </a:lnRef>
+          <a:fillRef idx="0">
+            <a:schemeClr val="accent1"/>
+          </a:fillRef>
+          <a:effectRef idx="0">
+            <a:schemeClr val="accent1"/>
+          </a:effectRef>
+          <a:fontRef idx="minor">
+            <a:schemeClr val="tx1"/>
+          </a:fontRef>
+        </p:style>
+      </p:cxnSp>
+      <p:cxnSp>
+        <p:nvCxnSpPr>
+          <p:cNvPr id="97" name="Straight Connector 96">
+            <a:extLst>
+              <a:ext uri="{FF2B5EF4-FFF2-40B4-BE49-F238E27FC236}">
+                <a16:creationId xmlns:a16="http://schemas.microsoft.com/office/drawing/2014/main" id="{3947E943-9492-4B59-9EBE-6DA30AF59CB6}"/>
+              </a:ext>
+            </a:extLst>
+          </p:cNvPr>
+          <p:cNvCxnSpPr/>
+          <p:nvPr/>
+        </p:nvCxnSpPr>
+        <p:spPr>
+          <a:xfrm flipV="1">
+            <a:off x="40275877" y="7352529"/>
+            <a:ext cx="0" cy="285640"/>
+          </a:xfrm>
+          <a:prstGeom prst="line">
+            <a:avLst/>
+          </a:prstGeom>
+        </p:spPr>
+        <p:style>
+          <a:lnRef idx="1">
+            <a:schemeClr val="accent1"/>
+          </a:lnRef>
+          <a:fillRef idx="0">
+            <a:schemeClr val="accent1"/>
+          </a:fillRef>
+          <a:effectRef idx="0">
+            <a:schemeClr val="accent1"/>
+          </a:effectRef>
+          <a:fontRef idx="minor">
+            <a:schemeClr val="tx1"/>
+          </a:fontRef>
+        </p:style>
+      </p:cxnSp>
+      <p:cxnSp>
+        <p:nvCxnSpPr>
+          <p:cNvPr id="17" name="Straight Connector 16">
+            <a:extLst>
+              <a:ext uri="{FF2B5EF4-FFF2-40B4-BE49-F238E27FC236}">
+                <a16:creationId xmlns:a16="http://schemas.microsoft.com/office/drawing/2014/main" id="{7C95F683-E0F5-4980-96BF-67256B6AB12D}"/>
+              </a:ext>
+            </a:extLst>
+          </p:cNvPr>
+          <p:cNvCxnSpPr/>
+          <p:nvPr/>
+        </p:nvCxnSpPr>
+        <p:spPr>
+          <a:xfrm>
+            <a:off x="39470892" y="7340243"/>
+            <a:ext cx="811871" cy="12286"/>
+          </a:xfrm>
+          <a:prstGeom prst="line">
+            <a:avLst/>
+          </a:prstGeom>
+        </p:spPr>
+        <p:style>
+          <a:lnRef idx="1">
+            <a:schemeClr val="accent1"/>
+          </a:lnRef>
+          <a:fillRef idx="0">
+            <a:schemeClr val="accent1"/>
+          </a:fillRef>
+          <a:effectRef idx="0">
+            <a:schemeClr val="accent1"/>
+          </a:effectRef>
+          <a:fontRef idx="minor">
+            <a:schemeClr val="tx1"/>
+          </a:fontRef>
+        </p:style>
+      </p:cxnSp>
+      <p:cxnSp>
+        <p:nvCxnSpPr>
+          <p:cNvPr id="98" name="Straight Connector 97">
+            <a:extLst>
+              <a:ext uri="{FF2B5EF4-FFF2-40B4-BE49-F238E27FC236}">
+                <a16:creationId xmlns:a16="http://schemas.microsoft.com/office/drawing/2014/main" id="{11AFA311-3FF1-48B4-B2DB-C31A27D55CF2}"/>
+              </a:ext>
+            </a:extLst>
+          </p:cNvPr>
+          <p:cNvCxnSpPr>
+            <a:cxnSpLocks/>
+          </p:cNvCxnSpPr>
+          <p:nvPr/>
+        </p:nvCxnSpPr>
+        <p:spPr>
+          <a:xfrm flipV="1">
+            <a:off x="40420161" y="7052702"/>
+            <a:ext cx="0" cy="585467"/>
+          </a:xfrm>
+          <a:prstGeom prst="line">
+            <a:avLst/>
+          </a:prstGeom>
+        </p:spPr>
+        <p:style>
+          <a:lnRef idx="1">
+            <a:schemeClr val="accent1"/>
+          </a:lnRef>
+          <a:fillRef idx="0">
+            <a:schemeClr val="accent1"/>
+          </a:fillRef>
+          <a:effectRef idx="0">
+            <a:schemeClr val="accent1"/>
+          </a:effectRef>
+          <a:fontRef idx="minor">
+            <a:schemeClr val="tx1"/>
+          </a:fontRef>
+        </p:style>
+      </p:cxnSp>
+      <p:cxnSp>
+        <p:nvCxnSpPr>
+          <p:cNvPr id="99" name="Straight Connector 98">
+            <a:extLst>
+              <a:ext uri="{FF2B5EF4-FFF2-40B4-BE49-F238E27FC236}">
+                <a16:creationId xmlns:a16="http://schemas.microsoft.com/office/drawing/2014/main" id="{B1BFB1A1-189B-4474-8EB8-27AEC07ABBAB}"/>
+              </a:ext>
+            </a:extLst>
+          </p:cNvPr>
+          <p:cNvCxnSpPr>
+            <a:cxnSpLocks/>
+          </p:cNvCxnSpPr>
+          <p:nvPr/>
+        </p:nvCxnSpPr>
+        <p:spPr>
+          <a:xfrm flipV="1">
+            <a:off x="41225146" y="7052701"/>
+            <a:ext cx="0" cy="136307"/>
+          </a:xfrm>
+          <a:prstGeom prst="line">
+            <a:avLst/>
+          </a:prstGeom>
+        </p:spPr>
+        <p:style>
+          <a:lnRef idx="1">
+            <a:schemeClr val="accent1"/>
+          </a:lnRef>
+          <a:fillRef idx="0">
+            <a:schemeClr val="accent1"/>
+          </a:fillRef>
+          <a:effectRef idx="0">
+            <a:schemeClr val="accent1"/>
+          </a:effectRef>
+          <a:fontRef idx="minor">
+            <a:schemeClr val="tx1"/>
+          </a:fontRef>
+        </p:style>
+      </p:cxnSp>
+      <p:cxnSp>
+        <p:nvCxnSpPr>
+          <p:cNvPr id="102" name="Straight Connector 101">
+            <a:extLst>
+              <a:ext uri="{FF2B5EF4-FFF2-40B4-BE49-F238E27FC236}">
+                <a16:creationId xmlns:a16="http://schemas.microsoft.com/office/drawing/2014/main" id="{A239271E-B6D1-4C6F-BFEC-30E051723C86}"/>
+              </a:ext>
+            </a:extLst>
+          </p:cNvPr>
+          <p:cNvCxnSpPr>
+            <a:cxnSpLocks/>
+          </p:cNvCxnSpPr>
+          <p:nvPr/>
+        </p:nvCxnSpPr>
+        <p:spPr>
+          <a:xfrm>
+            <a:off x="40420161" y="7040415"/>
+            <a:ext cx="811871" cy="12286"/>
+          </a:xfrm>
+          <a:prstGeom prst="line">
+            <a:avLst/>
+          </a:prstGeom>
+        </p:spPr>
+        <p:style>
+          <a:lnRef idx="1">
+            <a:schemeClr val="accent1"/>
+          </a:lnRef>
+          <a:fillRef idx="0">
+            <a:schemeClr val="accent1"/>
+          </a:fillRef>
+          <a:effectRef idx="0">
+            <a:schemeClr val="accent1"/>
+          </a:effectRef>
+          <a:fontRef idx="minor">
+            <a:schemeClr val="tx1"/>
+          </a:fontRef>
+        </p:style>
+      </p:cxnSp>
+      <p:sp>
+        <p:nvSpPr>
+          <p:cNvPr id="40" name="TextBox 39">
+            <a:extLst>
+              <a:ext uri="{FF2B5EF4-FFF2-40B4-BE49-F238E27FC236}">
+                <a16:creationId xmlns:a16="http://schemas.microsoft.com/office/drawing/2014/main" id="{DFAB4DC5-330D-4975-B2C9-2D65A0ECABAE}"/>
+              </a:ext>
+            </a:extLst>
+          </p:cNvPr>
+          <p:cNvSpPr txBox="1"/>
+          <p:nvPr/>
+        </p:nvSpPr>
+        <p:spPr>
+          <a:xfrm>
+            <a:off x="39734138" y="7300074"/>
+            <a:ext cx="274434" cy="307777"/>
+          </a:xfrm>
+          <a:prstGeom prst="rect">
+            <a:avLst/>
+          </a:prstGeom>
+          <a:noFill/>
+        </p:spPr>
+        <p:txBody>
+          <a:bodyPr wrap="none" rtlCol="0">
+            <a:spAutoFit/>
+          </a:bodyPr>
+          <a:lstStyle/>
+          <a:p>
+            <a:r>
+              <a:rPr lang="en-US" sz="1400" dirty="0"/>
+              <a:t>*</a:t>
+            </a:r>
+          </a:p>
+        </p:txBody>
+      </p:sp>
+      <p:sp>
+        <p:nvSpPr>
+          <p:cNvPr id="103" name="TextBox 102">
+            <a:extLst>
+              <a:ext uri="{FF2B5EF4-FFF2-40B4-BE49-F238E27FC236}">
+                <a16:creationId xmlns:a16="http://schemas.microsoft.com/office/drawing/2014/main" id="{81FBAFC1-DEC9-4B71-BD55-6F7DA0D3A7B4}"/>
+              </a:ext>
+            </a:extLst>
+          </p:cNvPr>
+          <p:cNvSpPr txBox="1"/>
+          <p:nvPr/>
+        </p:nvSpPr>
+        <p:spPr>
+          <a:xfrm>
+            <a:off x="40675574" y="6999329"/>
+            <a:ext cx="274434" cy="307777"/>
+          </a:xfrm>
+          <a:prstGeom prst="rect">
+            <a:avLst/>
+          </a:prstGeom>
+          <a:noFill/>
+        </p:spPr>
+        <p:txBody>
+          <a:bodyPr wrap="none" rtlCol="0">
+            <a:spAutoFit/>
+          </a:bodyPr>
+          <a:lstStyle/>
+          <a:p>
+            <a:r>
+              <a:rPr lang="en-US" sz="1400" dirty="0"/>
+              <a:t>*</a:t>
+            </a:r>
+          </a:p>
+        </p:txBody>
+      </p:sp>
+      <p:cxnSp>
+        <p:nvCxnSpPr>
+          <p:cNvPr id="104" name="Straight Connector 103">
+            <a:extLst>
+              <a:ext uri="{FF2B5EF4-FFF2-40B4-BE49-F238E27FC236}">
+                <a16:creationId xmlns:a16="http://schemas.microsoft.com/office/drawing/2014/main" id="{3294409D-C592-498F-91DC-26668C6E448F}"/>
+              </a:ext>
+            </a:extLst>
+          </p:cNvPr>
+          <p:cNvCxnSpPr>
+            <a:cxnSpLocks/>
+          </p:cNvCxnSpPr>
+          <p:nvPr/>
+        </p:nvCxnSpPr>
+        <p:spPr>
+          <a:xfrm flipV="1">
+            <a:off x="39034913" y="10608869"/>
+            <a:ext cx="0" cy="415631"/>
+          </a:xfrm>
+          <a:prstGeom prst="line">
+            <a:avLst/>
+          </a:prstGeom>
+        </p:spPr>
+        <p:style>
+          <a:lnRef idx="1">
+            <a:schemeClr val="accent1"/>
+          </a:lnRef>
+          <a:fillRef idx="0">
+            <a:schemeClr val="accent1"/>
+          </a:fillRef>
+          <a:effectRef idx="0">
+            <a:schemeClr val="accent1"/>
+          </a:effectRef>
+          <a:fontRef idx="minor">
+            <a:schemeClr val="tx1"/>
+          </a:fontRef>
+        </p:style>
+      </p:cxnSp>
+      <p:cxnSp>
+        <p:nvCxnSpPr>
+          <p:cNvPr id="105" name="Straight Connector 104">
+            <a:extLst>
+              <a:ext uri="{FF2B5EF4-FFF2-40B4-BE49-F238E27FC236}">
+                <a16:creationId xmlns:a16="http://schemas.microsoft.com/office/drawing/2014/main" id="{2E6647E2-45FB-48CF-8952-1244E81F996C}"/>
+              </a:ext>
+            </a:extLst>
+          </p:cNvPr>
+          <p:cNvCxnSpPr/>
+          <p:nvPr/>
+        </p:nvCxnSpPr>
+        <p:spPr>
+          <a:xfrm flipV="1">
+            <a:off x="39839898" y="10608869"/>
+            <a:ext cx="0" cy="285640"/>
+          </a:xfrm>
+          <a:prstGeom prst="line">
+            <a:avLst/>
+          </a:prstGeom>
+        </p:spPr>
+        <p:style>
+          <a:lnRef idx="1">
+            <a:schemeClr val="accent1"/>
+          </a:lnRef>
+          <a:fillRef idx="0">
+            <a:schemeClr val="accent1"/>
+          </a:fillRef>
+          <a:effectRef idx="0">
+            <a:schemeClr val="accent1"/>
+          </a:effectRef>
+          <a:fontRef idx="minor">
+            <a:schemeClr val="tx1"/>
+          </a:fontRef>
+        </p:style>
+      </p:cxnSp>
+      <p:cxnSp>
+        <p:nvCxnSpPr>
+          <p:cNvPr id="106" name="Straight Connector 105">
+            <a:extLst>
+              <a:ext uri="{FF2B5EF4-FFF2-40B4-BE49-F238E27FC236}">
+                <a16:creationId xmlns:a16="http://schemas.microsoft.com/office/drawing/2014/main" id="{3947AC39-38D1-4A2E-9084-F3FE4F77A506}"/>
+              </a:ext>
+            </a:extLst>
+          </p:cNvPr>
+          <p:cNvCxnSpPr/>
+          <p:nvPr/>
+        </p:nvCxnSpPr>
+        <p:spPr>
+          <a:xfrm>
+            <a:off x="39034913" y="10596583"/>
+            <a:ext cx="811871" cy="12286"/>
+          </a:xfrm>
+          <a:prstGeom prst="line">
+            <a:avLst/>
+          </a:prstGeom>
+        </p:spPr>
+        <p:style>
+          <a:lnRef idx="1">
+            <a:schemeClr val="accent1"/>
+          </a:lnRef>
+          <a:fillRef idx="0">
+            <a:schemeClr val="accent1"/>
+          </a:fillRef>
+          <a:effectRef idx="0">
+            <a:schemeClr val="accent1"/>
+          </a:effectRef>
+          <a:fontRef idx="minor">
+            <a:schemeClr val="tx1"/>
+          </a:fontRef>
+        </p:style>
+      </p:cxnSp>
+      <p:cxnSp>
+        <p:nvCxnSpPr>
+          <p:cNvPr id="116" name="Straight Connector 115">
+            <a:extLst>
+              <a:ext uri="{FF2B5EF4-FFF2-40B4-BE49-F238E27FC236}">
+                <a16:creationId xmlns:a16="http://schemas.microsoft.com/office/drawing/2014/main" id="{8B6FBB63-59C2-4B2F-A1A1-B1CC52A4B2D5}"/>
+              </a:ext>
+            </a:extLst>
+          </p:cNvPr>
+          <p:cNvCxnSpPr>
+            <a:cxnSpLocks/>
+          </p:cNvCxnSpPr>
+          <p:nvPr/>
+        </p:nvCxnSpPr>
+        <p:spPr>
+          <a:xfrm flipV="1">
+            <a:off x="40011850" y="10468362"/>
+            <a:ext cx="0" cy="399403"/>
+          </a:xfrm>
+          <a:prstGeom prst="line">
+            <a:avLst/>
+          </a:prstGeom>
+        </p:spPr>
+        <p:style>
+          <a:lnRef idx="1">
+            <a:schemeClr val="accent1"/>
+          </a:lnRef>
+          <a:fillRef idx="0">
+            <a:schemeClr val="accent1"/>
+          </a:fillRef>
+          <a:effectRef idx="0">
+            <a:schemeClr val="accent1"/>
+          </a:effectRef>
+          <a:fontRef idx="minor">
+            <a:schemeClr val="tx1"/>
+          </a:fontRef>
+        </p:style>
+      </p:cxnSp>
+      <p:cxnSp>
+        <p:nvCxnSpPr>
+          <p:cNvPr id="117" name="Straight Connector 116">
+            <a:extLst>
+              <a:ext uri="{FF2B5EF4-FFF2-40B4-BE49-F238E27FC236}">
+                <a16:creationId xmlns:a16="http://schemas.microsoft.com/office/drawing/2014/main" id="{A063D531-67E9-4E3A-8CCA-01DCDF828359}"/>
+              </a:ext>
+            </a:extLst>
+          </p:cNvPr>
+          <p:cNvCxnSpPr>
+            <a:cxnSpLocks/>
+          </p:cNvCxnSpPr>
+          <p:nvPr/>
+        </p:nvCxnSpPr>
+        <p:spPr>
+          <a:xfrm flipV="1">
+            <a:off x="40580323" y="10472563"/>
+            <a:ext cx="0" cy="136306"/>
+          </a:xfrm>
+          <a:prstGeom prst="line">
+            <a:avLst/>
+          </a:prstGeom>
+        </p:spPr>
+        <p:style>
+          <a:lnRef idx="1">
+            <a:schemeClr val="accent1"/>
+          </a:lnRef>
+          <a:fillRef idx="0">
+            <a:schemeClr val="accent1"/>
+          </a:fillRef>
+          <a:effectRef idx="0">
+            <a:schemeClr val="accent1"/>
+          </a:effectRef>
+          <a:fontRef idx="minor">
+            <a:schemeClr val="tx1"/>
+          </a:fontRef>
+        </p:style>
+      </p:cxnSp>
+      <p:cxnSp>
+        <p:nvCxnSpPr>
+          <p:cNvPr id="118" name="Straight Connector 117">
+            <a:extLst>
+              <a:ext uri="{FF2B5EF4-FFF2-40B4-BE49-F238E27FC236}">
+                <a16:creationId xmlns:a16="http://schemas.microsoft.com/office/drawing/2014/main" id="{AFF16A4E-ABC8-4134-8C84-F83C9045827E}"/>
+              </a:ext>
+            </a:extLst>
+          </p:cNvPr>
+          <p:cNvCxnSpPr>
+            <a:cxnSpLocks/>
+          </p:cNvCxnSpPr>
+          <p:nvPr/>
+        </p:nvCxnSpPr>
+        <p:spPr>
+          <a:xfrm>
+            <a:off x="40011850" y="10456074"/>
+            <a:ext cx="568473" cy="0"/>
+          </a:xfrm>
+          <a:prstGeom prst="line">
+            <a:avLst/>
+          </a:prstGeom>
+        </p:spPr>
+        <p:style>
+          <a:lnRef idx="1">
+            <a:schemeClr val="accent1"/>
+          </a:lnRef>
+          <a:fillRef idx="0">
+            <a:schemeClr val="accent1"/>
+          </a:fillRef>
+          <a:effectRef idx="0">
+            <a:schemeClr val="accent1"/>
+          </a:effectRef>
+          <a:fontRef idx="minor">
+            <a:schemeClr val="tx1"/>
+          </a:fontRef>
+        </p:style>
+      </p:cxnSp>
+      <p:sp>
+        <p:nvSpPr>
+          <p:cNvPr id="120" name="TextBox 119">
+            <a:extLst>
+              <a:ext uri="{FF2B5EF4-FFF2-40B4-BE49-F238E27FC236}">
+                <a16:creationId xmlns:a16="http://schemas.microsoft.com/office/drawing/2014/main" id="{F0A25D15-ED48-43A8-AAB3-933771CFF99A}"/>
+              </a:ext>
+            </a:extLst>
+          </p:cNvPr>
+          <p:cNvSpPr txBox="1"/>
+          <p:nvPr/>
+        </p:nvSpPr>
+        <p:spPr>
+          <a:xfrm>
+            <a:off x="39303631" y="10559988"/>
+            <a:ext cx="274434" cy="307777"/>
+          </a:xfrm>
+          <a:prstGeom prst="rect">
+            <a:avLst/>
+          </a:prstGeom>
+          <a:noFill/>
+        </p:spPr>
+        <p:txBody>
+          <a:bodyPr wrap="none" rtlCol="0">
+            <a:spAutoFit/>
+          </a:bodyPr>
+          <a:lstStyle/>
+          <a:p>
+            <a:r>
+              <a:rPr lang="en-US" sz="1400" dirty="0"/>
+              <a:t>*</a:t>
+            </a:r>
+          </a:p>
+        </p:txBody>
+      </p:sp>
+      <p:sp>
+        <p:nvSpPr>
+          <p:cNvPr id="121" name="TextBox 120">
+            <a:extLst>
+              <a:ext uri="{FF2B5EF4-FFF2-40B4-BE49-F238E27FC236}">
+                <a16:creationId xmlns:a16="http://schemas.microsoft.com/office/drawing/2014/main" id="{9E0FC7C0-909C-4E9E-84B3-9048AC9829BE}"/>
+              </a:ext>
+            </a:extLst>
+          </p:cNvPr>
+          <p:cNvSpPr txBox="1"/>
+          <p:nvPr/>
+        </p:nvSpPr>
+        <p:spPr>
+          <a:xfrm>
+            <a:off x="40143352" y="10406099"/>
+            <a:ext cx="274434" cy="307777"/>
+          </a:xfrm>
+          <a:prstGeom prst="rect">
+            <a:avLst/>
+          </a:prstGeom>
+          <a:noFill/>
+        </p:spPr>
+        <p:txBody>
+          <a:bodyPr wrap="none" rtlCol="0">
+            <a:spAutoFit/>
+          </a:bodyPr>
+          <a:lstStyle/>
+          <a:p>
+            <a:r>
+              <a:rPr lang="en-US" sz="1400" dirty="0"/>
+              <a:t>*</a:t>
+            </a:r>
+          </a:p>
+        </p:txBody>
+      </p:sp>
+      <p:sp>
+        <p:nvSpPr>
+          <p:cNvPr id="125" name="Textfeld 44">
+            <a:extLst>
+              <a:ext uri="{FF2B5EF4-FFF2-40B4-BE49-F238E27FC236}">
+                <a16:creationId xmlns:a16="http://schemas.microsoft.com/office/drawing/2014/main" id="{53D25D6B-80AF-43B3-A645-358A3A5711A0}"/>
+              </a:ext>
+            </a:extLst>
+          </p:cNvPr>
+          <p:cNvSpPr txBox="1"/>
+          <p:nvPr/>
+        </p:nvSpPr>
+        <p:spPr>
+          <a:xfrm>
+            <a:off x="6292090" y="23920567"/>
+            <a:ext cx="3518792" cy="830997"/>
+          </a:xfrm>
+          <a:prstGeom prst="rect">
+            <a:avLst/>
+          </a:prstGeom>
+          <a:noFill/>
+        </p:spPr>
+        <p:txBody>
+          <a:bodyPr wrap="square" rtlCol="0">
+            <a:spAutoFit/>
+          </a:bodyPr>
+          <a:lstStyle/>
+          <a:p>
+            <a:pPr algn="ctr">
+              <a:spcAft>
+                <a:spcPts val="600"/>
+              </a:spcAft>
+            </a:pPr>
+            <a:r>
+              <a:rPr lang="en-US" sz="2400" noProof="1">
+                <a:latin typeface="Avenir Heavy"/>
+                <a:cs typeface="Avenir Heavy"/>
+              </a:rPr>
+              <a:t>Gamble manipulation (Value)</a:t>
+            </a:r>
+          </a:p>
+        </p:txBody>
+      </p:sp>
+      <p:pic>
+        <p:nvPicPr>
+          <p:cNvPr id="127" name="Picture 126">
+            <a:extLst>
+              <a:ext uri="{FF2B5EF4-FFF2-40B4-BE49-F238E27FC236}">
+                <a16:creationId xmlns:a16="http://schemas.microsoft.com/office/drawing/2014/main" id="{5300877C-7DD2-4393-B335-051121517830}"/>
+              </a:ext>
+            </a:extLst>
+          </p:cNvPr>
+          <p:cNvPicPr>
+            <a:picLocks noChangeAspect="1"/>
+          </p:cNvPicPr>
+          <p:nvPr/>
+        </p:nvPicPr>
+        <p:blipFill rotWithShape="1">
+          <a:blip r:embed="rId17"/>
+          <a:srcRect l="-1" t="-218" r="64548" b="88593"/>
+          <a:stretch/>
+        </p:blipFill>
+        <p:spPr>
+          <a:xfrm>
+            <a:off x="10710515" y="24176627"/>
+            <a:ext cx="2449392" cy="584162"/>
+          </a:xfrm>
+          <a:prstGeom prst="rect">
+            <a:avLst/>
+          </a:prstGeom>
+        </p:spPr>
+      </p:pic>
+      <p:pic>
+        <p:nvPicPr>
+          <p:cNvPr id="128" name="Picture 127">
+            <a:extLst>
+              <a:ext uri="{FF2B5EF4-FFF2-40B4-BE49-F238E27FC236}">
+                <a16:creationId xmlns:a16="http://schemas.microsoft.com/office/drawing/2014/main" id="{0178A3E7-53F4-4279-95C2-2825E9B2A9CD}"/>
+              </a:ext>
+            </a:extLst>
+          </p:cNvPr>
+          <p:cNvPicPr>
+            <a:picLocks noChangeAspect="1"/>
+          </p:cNvPicPr>
+          <p:nvPr/>
+        </p:nvPicPr>
+        <p:blipFill rotWithShape="1">
+          <a:blip r:embed="rId17"/>
+          <a:srcRect l="90630" t="-563" r="-632" b="88593"/>
+          <a:stretch/>
+        </p:blipFill>
+        <p:spPr>
+          <a:xfrm>
+            <a:off x="14433219" y="24203533"/>
+            <a:ext cx="691100" cy="601475"/>
+          </a:xfrm>
+          <a:prstGeom prst="rect">
+            <a:avLst/>
+          </a:prstGeom>
+        </p:spPr>
+      </p:pic>
+      <p:sp>
+        <p:nvSpPr>
+          <p:cNvPr id="58" name="Rectangle 57">
+            <a:extLst>
+              <a:ext uri="{FF2B5EF4-FFF2-40B4-BE49-F238E27FC236}">
+                <a16:creationId xmlns:a16="http://schemas.microsoft.com/office/drawing/2014/main" id="{D38212AC-0F4C-4384-A6D9-C7FD00EE3367}"/>
+              </a:ext>
+            </a:extLst>
+          </p:cNvPr>
+          <p:cNvSpPr/>
+          <p:nvPr/>
+        </p:nvSpPr>
+        <p:spPr>
+          <a:xfrm>
+            <a:off x="10407614" y="24074722"/>
+            <a:ext cx="4845609" cy="5446191"/>
+          </a:xfrm>
+          <a:prstGeom prst="rect">
+            <a:avLst/>
+          </a:prstGeom>
+          <a:noFill/>
+        </p:spPr>
+        <p:style>
+          <a:lnRef idx="2">
+            <a:schemeClr val="dk1"/>
+          </a:lnRef>
+          <a:fillRef idx="1">
+            <a:schemeClr val="lt1"/>
+          </a:fillRef>
+          <a:effectRef idx="0">
+            <a:schemeClr val="dk1"/>
+          </a:effectRef>
+          <a:fontRef idx="minor">
+            <a:schemeClr val="dk1"/>
+          </a:fontRef>
+        </p:style>
+        <p:txBody>
+          <a:bodyPr rtlCol="0" anchor="ctr"/>
+          <a:lstStyle/>
+          <a:p>
+            <a:pPr algn="ctr"/>
+            <a:endParaRPr lang="en-US"/>
+          </a:p>
+        </p:txBody>
+      </p:sp>
+      <p:pic>
+        <p:nvPicPr>
+          <p:cNvPr id="59" name="Picture 58">
+            <a:extLst>
+              <a:ext uri="{FF2B5EF4-FFF2-40B4-BE49-F238E27FC236}">
+                <a16:creationId xmlns:a16="http://schemas.microsoft.com/office/drawing/2014/main" id="{B285B1CE-CCAF-47D0-A57D-ECB6BDB23F09}"/>
+              </a:ext>
+            </a:extLst>
+          </p:cNvPr>
+          <p:cNvPicPr>
+            <a:picLocks noChangeAspect="1"/>
+          </p:cNvPicPr>
+          <p:nvPr/>
+        </p:nvPicPr>
+        <p:blipFill>
+          <a:blip r:embed="rId33"/>
+          <a:stretch>
+            <a:fillRect/>
+          </a:stretch>
+        </p:blipFill>
+        <p:spPr>
+          <a:xfrm>
+            <a:off x="8948466" y="13115849"/>
+            <a:ext cx="2273687" cy="210669"/>
+          </a:xfrm>
+          <a:prstGeom prst="rect">
+            <a:avLst/>
+          </a:prstGeom>
+        </p:spPr>
+      </p:pic>
     </p:spTree>
   </p:cSld>
   <p:clrMapOvr>

--- a/rampPosterSFN2018.pptx
+++ b/rampPosterSFN2018.pptx
@@ -209,7 +209,7 @@
             <a:fld id="{7528212C-E14D-47E6-BF5A-B7E00B760EDE}" type="datetimeFigureOut">
               <a:rPr lang="de-DE" smtClean="0"/>
               <a:pPr/>
-              <a:t>31.10.2018</a:t>
+              <a:t>01.11.2018</a:t>
             </a:fld>
             <a:endParaRPr lang="de-DE" dirty="0"/>
           </a:p>
@@ -746,7 +746,7 @@
             <a:fld id="{0DBF1F82-4E5B-4407-973D-C7AE76259AD1}" type="datetimeFigureOut">
               <a:rPr lang="de-DE" smtClean="0"/>
               <a:pPr/>
-              <a:t>31.10.2018</a:t>
+              <a:t>01.11.2018</a:t>
             </a:fld>
             <a:endParaRPr lang="de-DE" dirty="0"/>
           </a:p>
@@ -911,7 +911,7 @@
             <a:fld id="{0DBF1F82-4E5B-4407-973D-C7AE76259AD1}" type="datetimeFigureOut">
               <a:rPr lang="de-DE" smtClean="0"/>
               <a:pPr/>
-              <a:t>31.10.2018</a:t>
+              <a:t>01.11.2018</a:t>
             </a:fld>
             <a:endParaRPr lang="de-DE" dirty="0"/>
           </a:p>
@@ -1086,7 +1086,7 @@
             <a:fld id="{0DBF1F82-4E5B-4407-973D-C7AE76259AD1}" type="datetimeFigureOut">
               <a:rPr lang="de-DE" smtClean="0"/>
               <a:pPr/>
-              <a:t>31.10.2018</a:t>
+              <a:t>01.11.2018</a:t>
             </a:fld>
             <a:endParaRPr lang="de-DE" dirty="0"/>
           </a:p>
@@ -1251,7 +1251,7 @@
             <a:fld id="{0DBF1F82-4E5B-4407-973D-C7AE76259AD1}" type="datetimeFigureOut">
               <a:rPr lang="de-DE" smtClean="0"/>
               <a:pPr/>
-              <a:t>31.10.2018</a:t>
+              <a:t>01.11.2018</a:t>
             </a:fld>
             <a:endParaRPr lang="de-DE" dirty="0"/>
           </a:p>
@@ -1493,7 +1493,7 @@
             <a:fld id="{0DBF1F82-4E5B-4407-973D-C7AE76259AD1}" type="datetimeFigureOut">
               <a:rPr lang="de-DE" smtClean="0"/>
               <a:pPr/>
-              <a:t>31.10.2018</a:t>
+              <a:t>01.11.2018</a:t>
             </a:fld>
             <a:endParaRPr lang="de-DE" dirty="0"/>
           </a:p>
@@ -1775,7 +1775,7 @@
             <a:fld id="{0DBF1F82-4E5B-4407-973D-C7AE76259AD1}" type="datetimeFigureOut">
               <a:rPr lang="de-DE" smtClean="0"/>
               <a:pPr/>
-              <a:t>31.10.2018</a:t>
+              <a:t>01.11.2018</a:t>
             </a:fld>
             <a:endParaRPr lang="de-DE" dirty="0"/>
           </a:p>
@@ -2196,7 +2196,7 @@
             <a:fld id="{0DBF1F82-4E5B-4407-973D-C7AE76259AD1}" type="datetimeFigureOut">
               <a:rPr lang="de-DE" smtClean="0"/>
               <a:pPr/>
-              <a:t>31.10.2018</a:t>
+              <a:t>01.11.2018</a:t>
             </a:fld>
             <a:endParaRPr lang="de-DE" dirty="0"/>
           </a:p>
@@ -2310,7 +2310,7 @@
             <a:fld id="{0DBF1F82-4E5B-4407-973D-C7AE76259AD1}" type="datetimeFigureOut">
               <a:rPr lang="de-DE" smtClean="0"/>
               <a:pPr/>
-              <a:t>31.10.2018</a:t>
+              <a:t>01.11.2018</a:t>
             </a:fld>
             <a:endParaRPr lang="de-DE" dirty="0"/>
           </a:p>
@@ -2402,7 +2402,7 @@
             <a:fld id="{0DBF1F82-4E5B-4407-973D-C7AE76259AD1}" type="datetimeFigureOut">
               <a:rPr lang="de-DE" smtClean="0"/>
               <a:pPr/>
-              <a:t>31.10.2018</a:t>
+              <a:t>01.11.2018</a:t>
             </a:fld>
             <a:endParaRPr lang="de-DE" dirty="0"/>
           </a:p>
@@ -2674,7 +2674,7 @@
             <a:fld id="{0DBF1F82-4E5B-4407-973D-C7AE76259AD1}" type="datetimeFigureOut">
               <a:rPr lang="de-DE" smtClean="0"/>
               <a:pPr/>
-              <a:t>31.10.2018</a:t>
+              <a:t>01.11.2018</a:t>
             </a:fld>
             <a:endParaRPr lang="de-DE" dirty="0"/>
           </a:p>
@@ -2923,7 +2923,7 @@
             <a:fld id="{0DBF1F82-4E5B-4407-973D-C7AE76259AD1}" type="datetimeFigureOut">
               <a:rPr lang="de-DE" smtClean="0"/>
               <a:pPr/>
-              <a:t>31.10.2018</a:t>
+              <a:t>01.11.2018</a:t>
             </a:fld>
             <a:endParaRPr lang="de-DE" dirty="0"/>
           </a:p>
@@ -3131,7 +3131,7 @@
             <a:fld id="{0DBF1F82-4E5B-4407-973D-C7AE76259AD1}" type="datetimeFigureOut">
               <a:rPr lang="de-DE" smtClean="0"/>
               <a:pPr/>
-              <a:t>31.10.2018</a:t>
+              <a:t>01.11.2018</a:t>
             </a:fld>
             <a:endParaRPr lang="de-DE" dirty="0"/>
           </a:p>
@@ -3531,8 +3531,8 @@
         </p:blipFill>
         <p:spPr>
           <a:xfrm>
-            <a:off x="10758537" y="24963895"/>
-            <a:ext cx="4020232" cy="3929823"/>
+            <a:off x="10593864" y="24578546"/>
+            <a:ext cx="4457224" cy="4356988"/>
           </a:xfrm>
           <a:prstGeom prst="rect">
             <a:avLst/>
@@ -3753,38 +3753,8 @@
         </p:blipFill>
         <p:spPr>
           <a:xfrm>
-            <a:off x="38715044" y="6795813"/>
-            <a:ext cx="3121666" cy="2253415"/>
-          </a:xfrm>
-          <a:prstGeom prst="rect">
-            <a:avLst/>
-          </a:prstGeom>
-        </p:spPr>
-      </p:pic>
-      <p:pic>
-        <p:nvPicPr>
-          <p:cNvPr id="28" name="Picture 27">
-            <a:extLst>
-              <a:ext uri="{FF2B5EF4-FFF2-40B4-BE49-F238E27FC236}">
-                <a16:creationId xmlns:a16="http://schemas.microsoft.com/office/drawing/2014/main" id="{655A71A9-9201-4887-A848-88A8BEDFC7CE}"/>
-              </a:ext>
-            </a:extLst>
-          </p:cNvPr>
-          <p:cNvPicPr>
-            <a:picLocks noChangeAspect="1"/>
-          </p:cNvPicPr>
-          <p:nvPr/>
-        </p:nvPicPr>
-        <p:blipFill>
-          <a:blip r:embed="rId6"/>
-          <a:stretch>
-            <a:fillRect/>
-          </a:stretch>
-        </p:blipFill>
-        <p:spPr>
-          <a:xfrm>
-            <a:off x="38621410" y="4418815"/>
-            <a:ext cx="3177129" cy="2293452"/>
+            <a:off x="22830020" y="5344873"/>
+            <a:ext cx="2708548" cy="1955201"/>
           </a:xfrm>
           <a:prstGeom prst="rect">
             <a:avLst/>
@@ -4065,14 +4035,14 @@
       </p:sp>
       <p:sp>
         <p:nvSpPr>
-          <p:cNvPr id="141" name="Abgerundetes Rechteck 140"/>
+          <p:cNvPr id="138" name="Abgerundetes Rechteck 137"/>
           <p:cNvSpPr/>
           <p:nvPr/>
         </p:nvSpPr>
         <p:spPr>
           <a:xfrm>
-            <a:off x="33791226" y="17646802"/>
-            <a:ext cx="8568952" cy="7334842"/>
+            <a:off x="519936" y="3891302"/>
+            <a:ext cx="20842604" cy="8473733"/>
           </a:xfrm>
           <a:prstGeom prst="roundRect">
             <a:avLst>
@@ -4101,41 +4071,831 @@
           </a:fontRef>
         </p:style>
         <p:txBody>
-          <a:bodyPr lIns="398636" tIns="199320" rIns="398636" bIns="199320" numCol="1" rtlCol="0" anchor="t"/>
+          <a:bodyPr lIns="398636" tIns="199320" rIns="398636" bIns="199320" rtlCol="0" anchor="t"/>
           <a:lstStyle/>
           <a:p>
-            <a:pPr marL="476250" indent="-476250"/>
-            <a:r>
-              <a:rPr lang="en-US" sz="2400" noProof="1">
+            <a:pPr marL="342900" indent="-342900">
+              <a:buFont typeface="Arial" panose="020B0604020202020204" pitchFamily="34" charset="0"/>
+              <a:buChar char="•"/>
+            </a:pPr>
+            <a:endParaRPr lang="en-US" sz="2600" b="1" noProof="1">
+              <a:solidFill>
+                <a:schemeClr val="tx1"/>
+              </a:solidFill>
+              <a:latin typeface="+mj-lt"/>
+            </a:endParaRPr>
+          </a:p>
+          <a:p>
+            <a:pPr marL="342900" indent="-342900">
+              <a:buFont typeface="Arial" panose="020B0604020202020204" pitchFamily="34" charset="0"/>
+              <a:buChar char="•"/>
+            </a:pPr>
+            <a:endParaRPr lang="en-US" sz="2600" noProof="1">
+              <a:solidFill>
+                <a:schemeClr val="tx1"/>
+              </a:solidFill>
+              <a:latin typeface="+mj-lt"/>
+            </a:endParaRPr>
+          </a:p>
+          <a:p>
+            <a:pPr marL="342900" indent="-342900">
+              <a:buFont typeface="Arial" panose="020B0604020202020204" pitchFamily="34" charset="0"/>
+              <a:buChar char="•"/>
+            </a:pPr>
+            <a:r>
+              <a:rPr lang="en-US" sz="2600" noProof="1">
                 <a:solidFill>
                   <a:schemeClr val="tx1"/>
                 </a:solidFill>
-                <a:latin typeface="Avenir Light" panose="020B0402020203020204" pitchFamily="34" charset="77"/>
-              </a:rPr>
-              <a:t> </a:t>
-            </a:r>
-          </a:p>
-          <a:p>
-            <a:endParaRPr lang="en-US" sz="2800" noProof="1">
+                <a:latin typeface="+mj-lt"/>
+              </a:rPr>
+              <a:t>Phasic dopamine (DA) spikes in the striatum occur when agents experience an unexpected reward. These fast DA spikes, called Reward Prediction Errors, (RPEs) are instrumental in learning how to maximize reward (Fig 1A).</a:t>
+            </a:r>
+          </a:p>
+          <a:p>
+            <a:pPr marL="342900" indent="-342900">
+              <a:buFont typeface="Arial" panose="020B0604020202020204" pitchFamily="34" charset="0"/>
+              <a:buChar char="•"/>
+            </a:pPr>
+            <a:endParaRPr lang="en-US" sz="2600" noProof="1">
               <a:solidFill>
                 <a:schemeClr val="tx1"/>
               </a:solidFill>
-              <a:latin typeface="Avenir Light"/>
+              <a:latin typeface="+mj-lt"/>
+            </a:endParaRPr>
+          </a:p>
+          <a:p>
+            <a:pPr marL="342900" indent="-342900">
+              <a:buFont typeface="Arial" panose="020B0604020202020204" pitchFamily="34" charset="0"/>
+              <a:buChar char="•"/>
+            </a:pPr>
+            <a:r>
+              <a:rPr lang="en-US" sz="2600" dirty="0">
+                <a:solidFill>
+                  <a:schemeClr val="tx1"/>
+                </a:solidFill>
+                <a:latin typeface="+mj-lt"/>
+              </a:rPr>
+              <a:t>Aside from providing phasic RPEs that drive learning, DA may also organize motivated behavior at the time of action selection. Striatal DA may generally promote vigor in responding (</a:t>
+            </a:r>
+            <a:r>
+              <a:rPr lang="en-US" sz="2600" dirty="0" err="1">
+                <a:solidFill>
+                  <a:schemeClr val="tx1"/>
+                </a:solidFill>
+                <a:latin typeface="+mj-lt"/>
+              </a:rPr>
+              <a:t>Niv</a:t>
+            </a:r>
+            <a:r>
+              <a:rPr lang="en-US" sz="2600" dirty="0">
+                <a:solidFill>
+                  <a:schemeClr val="tx1"/>
+                </a:solidFill>
+                <a:latin typeface="+mj-lt"/>
+              </a:rPr>
+              <a:t> et al., 2007), and/or affect an agent’s instantaneous willingness to work for reward (Hamid et al., 2016). </a:t>
+            </a:r>
+          </a:p>
+          <a:p>
+            <a:pPr marL="342900" indent="-342900">
+              <a:buFont typeface="Arial" panose="020B0604020202020204" pitchFamily="34" charset="0"/>
+              <a:buChar char="•"/>
+            </a:pPr>
+            <a:endParaRPr lang="en-US" sz="2600" dirty="0">
+              <a:solidFill>
+                <a:schemeClr val="tx1"/>
+              </a:solidFill>
+              <a:latin typeface="+mj-lt"/>
+            </a:endParaRPr>
+          </a:p>
+          <a:p>
+            <a:pPr marL="342900" indent="-342900">
+              <a:buFont typeface="Arial" panose="020B0604020202020204" pitchFamily="34" charset="0"/>
+              <a:buChar char="•"/>
+            </a:pPr>
+            <a:r>
+              <a:rPr lang="en-US" sz="2600" dirty="0">
+                <a:solidFill>
+                  <a:schemeClr val="tx1"/>
+                </a:solidFill>
+              </a:rPr>
+              <a:t>Recent work has shown that striatal DA ramps as animals progress through a series of states towards an anticipated reward. The magnitude of this dopaminergic ramp is independent of the overall number of states (Fig. 1B). </a:t>
+            </a:r>
+            <a:br>
+              <a:rPr lang="en-US" sz="2600" dirty="0">
+                <a:solidFill>
+                  <a:schemeClr val="tx1"/>
+                </a:solidFill>
+              </a:rPr>
+            </a:br>
+            <a:endParaRPr lang="en-US" sz="2600" dirty="0">
+              <a:solidFill>
+                <a:schemeClr val="tx1"/>
+              </a:solidFill>
+              <a:latin typeface="+mj-lt"/>
+            </a:endParaRPr>
+          </a:p>
+          <a:p>
+            <a:pPr marL="342900" indent="-342900">
+              <a:buFont typeface="Arial" panose="020B0604020202020204" pitchFamily="34" charset="0"/>
+              <a:buChar char="•"/>
+            </a:pPr>
+            <a:r>
+              <a:rPr lang="en-US" sz="2600" dirty="0">
+                <a:solidFill>
+                  <a:schemeClr val="tx1"/>
+                </a:solidFill>
+              </a:rPr>
+              <a:t>Dopamine agonists have been shown to increase gambling propensity in humans (</a:t>
+            </a:r>
+            <a:r>
+              <a:rPr lang="en-US" sz="2600" dirty="0" err="1">
+                <a:solidFill>
+                  <a:schemeClr val="tx1"/>
+                </a:solidFill>
+              </a:rPr>
+              <a:t>Rigoli</a:t>
+            </a:r>
+            <a:r>
+              <a:rPr lang="en-US" sz="2600" dirty="0">
+                <a:solidFill>
+                  <a:schemeClr val="tx1"/>
+                </a:solidFill>
+              </a:rPr>
+              <a:t> et al., 2016). </a:t>
+            </a:r>
+            <a:r>
+              <a:rPr lang="en-US" sz="2600" dirty="0">
+                <a:solidFill>
+                  <a:schemeClr val="tx1"/>
+                </a:solidFill>
+                <a:latin typeface="+mj-lt"/>
+              </a:rPr>
+              <a:t>More generally, increasing striatal DA tone is hypothesized to bias the expression of the benefits of actions relative to their costs (Fig 1C). </a:t>
+            </a:r>
+          </a:p>
+          <a:p>
+            <a:pPr marL="342900" indent="-342900">
+              <a:buFont typeface="Arial" panose="020B0604020202020204" pitchFamily="34" charset="0"/>
+              <a:buChar char="•"/>
+            </a:pPr>
+            <a:endParaRPr lang="en-US" sz="2600" dirty="0">
+              <a:solidFill>
+                <a:schemeClr val="tx1"/>
+              </a:solidFill>
+              <a:latin typeface="+mj-lt"/>
+            </a:endParaRPr>
+          </a:p>
+          <a:p>
+            <a:pPr marL="342900" indent="-342900">
+              <a:buFont typeface="Arial" panose="020B0604020202020204" pitchFamily="34" charset="0"/>
+              <a:buChar char="•"/>
+            </a:pPr>
+            <a:r>
+              <a:rPr lang="en-US" sz="2600" dirty="0">
+                <a:solidFill>
+                  <a:schemeClr val="tx1"/>
+                </a:solidFill>
+              </a:rPr>
+              <a:t>Thus, we can capitalize on the dopaminergic ramp naturally happening to test whether performance (via choice) is modulated by DA,  independent of any effect DA has on learning.</a:t>
+            </a:r>
+          </a:p>
+          <a:p>
+            <a:pPr marL="342900" indent="-342900">
+              <a:buFont typeface="Arial" panose="020B0604020202020204" pitchFamily="34" charset="0"/>
+              <a:buChar char="•"/>
+            </a:pPr>
+            <a:endParaRPr lang="en-US" sz="2600" dirty="0">
+              <a:solidFill>
+                <a:schemeClr val="tx1"/>
+              </a:solidFill>
+              <a:latin typeface="+mj-lt"/>
+            </a:endParaRPr>
+          </a:p>
+          <a:p>
+            <a:pPr marL="342900" indent="-342900">
+              <a:buFont typeface="Arial" panose="020B0604020202020204" pitchFamily="34" charset="0"/>
+              <a:buChar char="•"/>
+            </a:pPr>
+            <a:r>
+              <a:rPr lang="en-US" sz="2600" dirty="0">
+                <a:solidFill>
+                  <a:schemeClr val="tx1"/>
+                </a:solidFill>
+                <a:latin typeface="+mj-lt"/>
+              </a:rPr>
+              <a:t>To test the hypothesis that humans’ value calculations should change as a function of proximity to reward, we offered risky gambles to test the specific prediction that human participants will become increasingly likely to gamble as gambles are offered closer in time to an anticipated reward.</a:t>
+            </a:r>
+          </a:p>
+          <a:p>
+            <a:pPr marL="342900" indent="-342900">
+              <a:buFont typeface="Arial" panose="020B0604020202020204" pitchFamily="34" charset="0"/>
+              <a:buChar char="•"/>
+            </a:pPr>
+            <a:endParaRPr lang="en-US" sz="2600" noProof="1">
+              <a:solidFill>
+                <a:schemeClr val="tx1"/>
+              </a:solidFill>
+              <a:latin typeface="+mj-lt"/>
+            </a:endParaRPr>
+          </a:p>
+          <a:p>
+            <a:pPr marL="342900" indent="-342900">
+              <a:buFont typeface="Arial" panose="020B0604020202020204" pitchFamily="34" charset="0"/>
+              <a:buChar char="•"/>
+            </a:pPr>
+            <a:endParaRPr lang="en-US" sz="2400" noProof="1">
+              <a:solidFill>
+                <a:schemeClr val="tx1"/>
+              </a:solidFill>
+              <a:latin typeface="+mj-lt"/>
+            </a:endParaRPr>
+          </a:p>
+          <a:p>
+            <a:pPr marL="342900" indent="-342900">
+              <a:buFont typeface="Arial" panose="020B0604020202020204" pitchFamily="34" charset="0"/>
+              <a:buChar char="•"/>
+            </a:pPr>
+            <a:endParaRPr lang="en-US" sz="2400" dirty="0">
+              <a:solidFill>
+                <a:schemeClr val="tx1"/>
+              </a:solidFill>
+              <a:latin typeface="+mj-lt"/>
+              <a:ea typeface="MS Mincho" panose="02020609040205080304" pitchFamily="49" charset="-128"/>
+            </a:endParaRPr>
+          </a:p>
+          <a:p>
+            <a:pPr marL="342900" indent="-342900">
+              <a:buFont typeface="Arial" panose="020B0604020202020204" pitchFamily="34" charset="0"/>
+              <a:buChar char="•"/>
+            </a:pPr>
+            <a:endParaRPr lang="en-US" sz="2400" dirty="0">
+              <a:solidFill>
+                <a:schemeClr val="tx1"/>
+              </a:solidFill>
+              <a:latin typeface="+mj-lt"/>
+              <a:ea typeface="MS Mincho" panose="02020609040205080304" pitchFamily="49" charset="-128"/>
+            </a:endParaRPr>
+          </a:p>
+          <a:p>
+            <a:pPr marL="342900" indent="-342900">
+              <a:buFont typeface="Arial" panose="020B0604020202020204" pitchFamily="34" charset="0"/>
+              <a:buChar char="•"/>
+            </a:pPr>
+            <a:endParaRPr lang="en-US" sz="2400" dirty="0">
+              <a:solidFill>
+                <a:schemeClr val="tx1"/>
+              </a:solidFill>
+              <a:latin typeface="+mj-lt"/>
+              <a:ea typeface="MS Mincho" panose="02020609040205080304" pitchFamily="49" charset="-128"/>
+            </a:endParaRPr>
+          </a:p>
+          <a:p>
+            <a:pPr marL="342900" indent="-342900">
+              <a:buFont typeface="Arial" panose="020B0604020202020204" pitchFamily="34" charset="0"/>
+              <a:buChar char="•"/>
+            </a:pPr>
+            <a:endParaRPr lang="en-US" sz="2400" dirty="0">
+              <a:solidFill>
+                <a:schemeClr val="tx1"/>
+              </a:solidFill>
+              <a:latin typeface="+mj-lt"/>
+              <a:ea typeface="MS Mincho" panose="02020609040205080304" pitchFamily="49" charset="-128"/>
+            </a:endParaRPr>
+          </a:p>
+          <a:p>
+            <a:pPr marL="342900" indent="-342900">
+              <a:buFont typeface="Arial" panose="020B0604020202020204" pitchFamily="34" charset="0"/>
+              <a:buChar char="•"/>
+            </a:pPr>
+            <a:endParaRPr lang="en-US" sz="2400" dirty="0">
+              <a:solidFill>
+                <a:schemeClr val="tx1"/>
+              </a:solidFill>
+              <a:latin typeface="+mj-lt"/>
+              <a:ea typeface="MS Mincho" panose="02020609040205080304" pitchFamily="49" charset="-128"/>
+            </a:endParaRPr>
+          </a:p>
+          <a:p>
+            <a:pPr marL="342900" indent="-342900">
+              <a:buFont typeface="Arial" panose="020B0604020202020204" pitchFamily="34" charset="0"/>
+              <a:buChar char="•"/>
+            </a:pPr>
+            <a:endParaRPr lang="en-US" sz="2400" noProof="1">
+              <a:solidFill>
+                <a:schemeClr val="tx1"/>
+              </a:solidFill>
+              <a:latin typeface="+mj-lt"/>
+            </a:endParaRPr>
+          </a:p>
+          <a:p>
+            <a:pPr marL="342900" indent="-342900">
+              <a:buFont typeface="Arial" panose="020B0604020202020204" pitchFamily="34" charset="0"/>
+              <a:buChar char="•"/>
+            </a:pPr>
+            <a:endParaRPr lang="en-US" sz="2400" noProof="1">
+              <a:solidFill>
+                <a:schemeClr val="tx1"/>
+              </a:solidFill>
+              <a:latin typeface="+mj-lt"/>
               <a:cs typeface="Avenir Light"/>
             </a:endParaRPr>
           </a:p>
-        </p:txBody>
-      </p:sp>
-      <p:sp>
-        <p:nvSpPr>
-          <p:cNvPr id="138" name="Abgerundetes Rechteck 137"/>
+          <a:p>
+            <a:pPr marL="342900" indent="-342900">
+              <a:buFont typeface="Arial" panose="020B0604020202020204" pitchFamily="34" charset="0"/>
+              <a:buChar char="•"/>
+            </a:pPr>
+            <a:endParaRPr lang="en-US" sz="2400" noProof="1">
+              <a:solidFill>
+                <a:schemeClr val="tx1"/>
+              </a:solidFill>
+              <a:latin typeface="+mj-lt"/>
+              <a:cs typeface="Avenir Light"/>
+            </a:endParaRPr>
+          </a:p>
+          <a:p>
+            <a:pPr marL="342900" indent="-342900">
+              <a:buFont typeface="Arial" panose="020B0604020202020204" pitchFamily="34" charset="0"/>
+              <a:buChar char="•"/>
+            </a:pPr>
+            <a:endParaRPr lang="en-US" sz="2400" noProof="1">
+              <a:solidFill>
+                <a:schemeClr val="tx1"/>
+              </a:solidFill>
+              <a:latin typeface="+mj-lt"/>
+              <a:cs typeface="Avenir Light"/>
+            </a:endParaRPr>
+          </a:p>
+          <a:p>
+            <a:pPr marL="457200" indent="-457200">
+              <a:buFont typeface="Arial"/>
+              <a:buChar char="•"/>
+            </a:pPr>
+            <a:endParaRPr lang="en-US" sz="2400" noProof="1">
+              <a:solidFill>
+                <a:schemeClr val="tx1"/>
+              </a:solidFill>
+              <a:latin typeface="+mj-lt"/>
+              <a:cs typeface="Avenir Light"/>
+            </a:endParaRPr>
+          </a:p>
+        </p:txBody>
+      </p:sp>
+      <p:sp>
+        <p:nvSpPr>
+          <p:cNvPr id="142" name="Rechteck 141"/>
           <p:cNvSpPr/>
           <p:nvPr/>
         </p:nvSpPr>
         <p:spPr>
           <a:xfrm>
-            <a:off x="519936" y="3891302"/>
-            <a:ext cx="19985245" cy="8473733"/>
+            <a:off x="-405722" y="3756415"/>
+            <a:ext cx="19800000" cy="1079641"/>
+          </a:xfrm>
+          <a:prstGeom prst="rect">
+            <a:avLst/>
+          </a:prstGeom>
+          <a:noFill/>
+          <a:ln>
+            <a:noFill/>
+          </a:ln>
+        </p:spPr>
+        <p:txBody>
+          <a:bodyPr wrap="square" lIns="398636" tIns="199320" rIns="398636" bIns="199320">
+            <a:spAutoFit/>
+          </a:bodyPr>
+          <a:lstStyle/>
+          <a:p>
+            <a:pPr algn="ctr"/>
+            <a:r>
+              <a:rPr lang="en-US" sz="4400" noProof="1">
+                <a:latin typeface="+mj-lt"/>
+                <a:cs typeface="Avenir Heavy"/>
+              </a:rPr>
+              <a:t>Background</a:t>
+            </a:r>
+            <a:endParaRPr lang="en-US" sz="4000" noProof="1">
+              <a:latin typeface="+mj-lt"/>
+              <a:cs typeface="Avenir Heavy"/>
+            </a:endParaRPr>
+          </a:p>
+        </p:txBody>
+      </p:sp>
+      <p:sp>
+        <p:nvSpPr>
+          <p:cNvPr id="53" name="Rechteck 52"/>
+          <p:cNvSpPr/>
+          <p:nvPr/>
+        </p:nvSpPr>
+        <p:spPr>
+          <a:xfrm>
+            <a:off x="21516070" y="20551673"/>
+            <a:ext cx="19793546" cy="1079641"/>
+          </a:xfrm>
+          <a:prstGeom prst="rect">
+            <a:avLst/>
+          </a:prstGeom>
+          <a:noFill/>
+          <a:ln>
+            <a:noFill/>
+          </a:ln>
+        </p:spPr>
+        <p:txBody>
+          <a:bodyPr wrap="square" lIns="398636" tIns="199320" rIns="398636" bIns="199320">
+            <a:spAutoFit/>
+          </a:bodyPr>
+          <a:lstStyle/>
+          <a:p>
+            <a:pPr algn="ctr"/>
+            <a:r>
+              <a:rPr lang="en-US" sz="4400" noProof="1">
+                <a:solidFill>
+                  <a:srgbClr val="000000"/>
+                </a:solidFill>
+                <a:latin typeface="Avenir Heavy"/>
+                <a:cs typeface="Avenir Heavy"/>
+              </a:rPr>
+              <a:t>Conclusions</a:t>
+            </a:r>
+          </a:p>
+        </p:txBody>
+      </p:sp>
+      <p:sp>
+        <p:nvSpPr>
+          <p:cNvPr id="55" name="Rechteck 54"/>
+          <p:cNvSpPr/>
+          <p:nvPr/>
+        </p:nvSpPr>
+        <p:spPr>
+          <a:xfrm>
+            <a:off x="22229713" y="26417691"/>
+            <a:ext cx="19646663" cy="2895523"/>
+          </a:xfrm>
+          <a:prstGeom prst="rect">
+            <a:avLst/>
+          </a:prstGeom>
+          <a:noFill/>
+          <a:ln>
+            <a:noFill/>
+          </a:ln>
+        </p:spPr>
+        <p:txBody>
+          <a:bodyPr wrap="square" lIns="398636" tIns="199320" rIns="398636" bIns="199320">
+            <a:spAutoFit/>
+          </a:bodyPr>
+          <a:lstStyle/>
+          <a:p>
+            <a:r>
+              <a:rPr lang="en-US" sz="1800" b="1" noProof="1">
+                <a:solidFill>
+                  <a:srgbClr val="000000"/>
+                </a:solidFill>
+                <a:latin typeface="+mj-lt"/>
+                <a:cs typeface="Avenir Heavy"/>
+              </a:rPr>
+              <a:t>References:</a:t>
+            </a:r>
+          </a:p>
+          <a:p>
+            <a:pPr marL="457200" indent="-457200">
+              <a:buAutoNum type="arabicPeriod"/>
+            </a:pPr>
+            <a:r>
+              <a:rPr lang="en-US" sz="1800" dirty="0">
+                <a:latin typeface="+mj-lt"/>
+              </a:rPr>
+              <a:t>Schultz, W. (2001). Book review: Reward signaling by dopamine neurons. </a:t>
+            </a:r>
+            <a:r>
+              <a:rPr lang="en-US" sz="1800" i="1" dirty="0">
+                <a:latin typeface="+mj-lt"/>
+              </a:rPr>
+              <a:t>The Neuroscientist</a:t>
+            </a:r>
+            <a:r>
+              <a:rPr lang="en-US" sz="1800" dirty="0">
+                <a:latin typeface="+mj-lt"/>
+              </a:rPr>
+              <a:t>, </a:t>
+            </a:r>
+            <a:r>
+              <a:rPr lang="en-US" sz="1800" i="1" dirty="0">
+                <a:latin typeface="+mj-lt"/>
+              </a:rPr>
+              <a:t>7</a:t>
+            </a:r>
+            <a:r>
+              <a:rPr lang="en-US" sz="1800" dirty="0">
+                <a:latin typeface="+mj-lt"/>
+              </a:rPr>
+              <a:t>(4), 293-302</a:t>
+            </a:r>
+          </a:p>
+          <a:p>
+            <a:pPr marL="457200" indent="-457200">
+              <a:buAutoNum type="arabicPeriod"/>
+            </a:pPr>
+            <a:r>
+              <a:rPr lang="en-US" sz="1800" dirty="0" err="1">
+                <a:latin typeface="+mj-lt"/>
+              </a:rPr>
+              <a:t>Niv</a:t>
+            </a:r>
+            <a:r>
+              <a:rPr lang="en-US" sz="1800" dirty="0">
+                <a:latin typeface="+mj-lt"/>
+              </a:rPr>
+              <a:t>, Y., </a:t>
+            </a:r>
+            <a:r>
+              <a:rPr lang="en-US" sz="1800" dirty="0" err="1">
+                <a:latin typeface="+mj-lt"/>
+              </a:rPr>
+              <a:t>Daw</a:t>
+            </a:r>
+            <a:r>
+              <a:rPr lang="en-US" sz="1800" dirty="0">
+                <a:latin typeface="+mj-lt"/>
+              </a:rPr>
+              <a:t>, N. D., Joel, D., &amp; Dayan, P. (2007). Tonic dopamine: opportunity costs and the control of response vigor. </a:t>
+            </a:r>
+            <a:r>
+              <a:rPr lang="en-US" sz="1800" i="1" dirty="0">
+                <a:latin typeface="+mj-lt"/>
+              </a:rPr>
+              <a:t>Psychopharmacology</a:t>
+            </a:r>
+            <a:r>
+              <a:rPr lang="en-US" sz="1800" dirty="0">
+                <a:latin typeface="+mj-lt"/>
+              </a:rPr>
+              <a:t>, </a:t>
+            </a:r>
+            <a:r>
+              <a:rPr lang="en-US" sz="1800" i="1" dirty="0">
+                <a:latin typeface="+mj-lt"/>
+              </a:rPr>
+              <a:t>191</a:t>
+            </a:r>
+            <a:r>
+              <a:rPr lang="en-US" sz="1800" dirty="0">
+                <a:latin typeface="+mj-lt"/>
+              </a:rPr>
+              <a:t>(3), 507-520.</a:t>
+            </a:r>
+          </a:p>
+          <a:p>
+            <a:pPr marL="457200" indent="-457200">
+              <a:buFontTx/>
+              <a:buAutoNum type="arabicPeriod"/>
+            </a:pPr>
+            <a:r>
+              <a:rPr lang="en-US" sz="1800" dirty="0">
+                <a:latin typeface="+mj-lt"/>
+              </a:rPr>
+              <a:t>Hamid, A. A., Pettibone, J. R., Mabrouk, O. S., Hetrick, V. L., Schmidt, R., Vander </a:t>
+            </a:r>
+            <a:r>
+              <a:rPr lang="en-US" sz="1800" dirty="0" err="1">
+                <a:latin typeface="+mj-lt"/>
+              </a:rPr>
+              <a:t>Weele</a:t>
+            </a:r>
+            <a:r>
+              <a:rPr lang="en-US" sz="1800" dirty="0">
+                <a:latin typeface="+mj-lt"/>
+              </a:rPr>
+              <a:t>, C. M., ... &amp; </a:t>
+            </a:r>
+            <a:r>
+              <a:rPr lang="en-US" sz="1800" dirty="0" err="1">
+                <a:latin typeface="+mj-lt"/>
+              </a:rPr>
+              <a:t>Berke</a:t>
+            </a:r>
+            <a:r>
+              <a:rPr lang="en-US" sz="1800" dirty="0">
+                <a:latin typeface="+mj-lt"/>
+              </a:rPr>
+              <a:t>, J. D. (2016). Mesolimbic dopamine signals the value of work. </a:t>
+            </a:r>
+            <a:r>
+              <a:rPr lang="en-US" sz="1800" i="1" dirty="0">
+                <a:latin typeface="+mj-lt"/>
+              </a:rPr>
+              <a:t>Nature neuroscience</a:t>
+            </a:r>
+            <a:r>
+              <a:rPr lang="en-US" sz="1800" dirty="0">
+                <a:latin typeface="+mj-lt"/>
+              </a:rPr>
+              <a:t>, </a:t>
+            </a:r>
+            <a:r>
+              <a:rPr lang="en-US" sz="1800" i="1" dirty="0">
+                <a:latin typeface="+mj-lt"/>
+              </a:rPr>
+              <a:t>19</a:t>
+            </a:r>
+            <a:r>
+              <a:rPr lang="en-US" sz="1800" dirty="0">
+                <a:latin typeface="+mj-lt"/>
+              </a:rPr>
+              <a:t>(1), 117.</a:t>
+            </a:r>
+          </a:p>
+          <a:p>
+            <a:pPr marL="457200" indent="-457200">
+              <a:buFontTx/>
+              <a:buAutoNum type="arabicPeriod"/>
+            </a:pPr>
+            <a:r>
+              <a:rPr lang="en-US" sz="1800" dirty="0">
+                <a:latin typeface="+mj-lt"/>
+              </a:rPr>
+              <a:t>Collins, A. G., &amp; Frank, M. J. (2014). Opponent actor learning (</a:t>
+            </a:r>
+            <a:r>
+              <a:rPr lang="en-US" sz="1800" dirty="0" err="1">
+                <a:latin typeface="+mj-lt"/>
+              </a:rPr>
+              <a:t>OpAL</a:t>
+            </a:r>
+            <a:r>
+              <a:rPr lang="en-US" sz="1800" dirty="0">
+                <a:latin typeface="+mj-lt"/>
+              </a:rPr>
+              <a:t>): Modeling interactive effects of striatal dopamine on reinforcement learning and choice incentive. </a:t>
+            </a:r>
+            <a:r>
+              <a:rPr lang="en-US" sz="1800" i="1" dirty="0">
+                <a:latin typeface="+mj-lt"/>
+              </a:rPr>
+              <a:t>Psychological review</a:t>
+            </a:r>
+            <a:r>
+              <a:rPr lang="en-US" sz="1800" dirty="0">
+                <a:latin typeface="+mj-lt"/>
+              </a:rPr>
+              <a:t>, </a:t>
+            </a:r>
+            <a:r>
+              <a:rPr lang="en-US" sz="1800" i="1" dirty="0">
+                <a:latin typeface="+mj-lt"/>
+              </a:rPr>
+              <a:t>121</a:t>
+            </a:r>
+            <a:r>
+              <a:rPr lang="en-US" sz="1800" dirty="0">
+                <a:latin typeface="+mj-lt"/>
+              </a:rPr>
+              <a:t>(3), 337.</a:t>
+            </a:r>
+          </a:p>
+          <a:p>
+            <a:pPr marL="457200" indent="-457200">
+              <a:buAutoNum type="arabicPeriod"/>
+            </a:pPr>
+            <a:r>
+              <a:rPr lang="en-US" sz="1800" dirty="0">
+                <a:latin typeface="+mj-lt"/>
+              </a:rPr>
+              <a:t>Howe, M. W., Tierney, P. L., Sandberg, S. G., Phillips, P. E., &amp; </a:t>
+            </a:r>
+            <a:r>
+              <a:rPr lang="en-US" sz="1800" dirty="0" err="1">
+                <a:latin typeface="+mj-lt"/>
+              </a:rPr>
+              <a:t>Graybiel</a:t>
+            </a:r>
+            <a:r>
+              <a:rPr lang="en-US" sz="1800" dirty="0">
+                <a:latin typeface="+mj-lt"/>
+              </a:rPr>
+              <a:t>, A. M. (2013). Prolonged dopamine </a:t>
+            </a:r>
+            <a:r>
+              <a:rPr lang="en-US" sz="1800" dirty="0" err="1">
+                <a:latin typeface="+mj-lt"/>
+              </a:rPr>
+              <a:t>signalling</a:t>
+            </a:r>
+            <a:r>
+              <a:rPr lang="en-US" sz="1800" dirty="0">
+                <a:latin typeface="+mj-lt"/>
+              </a:rPr>
+              <a:t> in striatum signals proximity and value of distant rewards. </a:t>
+            </a:r>
+            <a:r>
+              <a:rPr lang="en-US" sz="1800" i="1" dirty="0">
+                <a:latin typeface="+mj-lt"/>
+              </a:rPr>
+              <a:t>Nature</a:t>
+            </a:r>
+            <a:r>
+              <a:rPr lang="en-US" sz="1800" dirty="0">
+                <a:latin typeface="+mj-lt"/>
+              </a:rPr>
+              <a:t>, </a:t>
+            </a:r>
+            <a:r>
+              <a:rPr lang="en-US" sz="1800" i="1" dirty="0">
+                <a:latin typeface="+mj-lt"/>
+              </a:rPr>
+              <a:t>500</a:t>
+            </a:r>
+            <a:r>
+              <a:rPr lang="en-US" sz="1800" dirty="0">
+                <a:latin typeface="+mj-lt"/>
+              </a:rPr>
+              <a:t>(7464), 575.</a:t>
+            </a:r>
+          </a:p>
+          <a:p>
+            <a:pPr marL="457200" indent="-457200">
+              <a:buAutoNum type="arabicPeriod"/>
+            </a:pPr>
+            <a:r>
+              <a:rPr lang="en-US" sz="1800" dirty="0" err="1">
+                <a:latin typeface="+mj-lt"/>
+              </a:rPr>
+              <a:t>Buckholtz</a:t>
+            </a:r>
+            <a:r>
+              <a:rPr lang="en-US" sz="1800" dirty="0">
+                <a:latin typeface="+mj-lt"/>
+              </a:rPr>
+              <a:t>, J. W., Treadway, M. T., Cowan, R. L., Woodward, N. D., Li, R., Ansari, M. S., ... &amp; Kessler, R. M. (2010). Dopaminergic network differences in human impulsivity. </a:t>
+            </a:r>
+            <a:r>
+              <a:rPr lang="en-US" sz="1800" i="1" dirty="0">
+                <a:latin typeface="+mj-lt"/>
+              </a:rPr>
+              <a:t>Science</a:t>
+            </a:r>
+            <a:r>
+              <a:rPr lang="en-US" sz="1800" dirty="0">
+                <a:latin typeface="+mj-lt"/>
+              </a:rPr>
+              <a:t>, </a:t>
+            </a:r>
+            <a:r>
+              <a:rPr lang="en-US" sz="1800" i="1" dirty="0">
+                <a:latin typeface="+mj-lt"/>
+              </a:rPr>
+              <a:t>329</a:t>
+            </a:r>
+            <a:r>
+              <a:rPr lang="en-US" sz="1800" dirty="0">
+                <a:latin typeface="+mj-lt"/>
+              </a:rPr>
+              <a:t>(5991), 532-532.</a:t>
+            </a:r>
+          </a:p>
+        </p:txBody>
+      </p:sp>
+      <p:pic>
+        <p:nvPicPr>
+          <p:cNvPr id="4" name="Bild 3" descr="Brown Logo_2016_2 Color Process ST_1300.eps"/>
+          <p:cNvPicPr>
+            <a:picLocks noChangeAspect="1"/>
+          </p:cNvPicPr>
+          <p:nvPr/>
+        </p:nvPicPr>
+        <p:blipFill>
+          <a:blip r:embed="rId6">
+            <a:extLst>
+              <a:ext uri="{28A0092B-C50C-407E-A947-70E740481C1C}">
+                <a14:useLocalDpi xmlns:a14="http://schemas.microsoft.com/office/drawing/2010/main" val="0"/>
+              </a:ext>
+            </a:extLst>
+          </a:blip>
+          <a:stretch>
+            <a:fillRect/>
+          </a:stretch>
+        </p:blipFill>
+        <p:spPr>
+          <a:xfrm>
+            <a:off x="1077142" y="561243"/>
+            <a:ext cx="2615299" cy="3042790"/>
+          </a:xfrm>
+          <a:prstGeom prst="rect">
+            <a:avLst/>
+          </a:prstGeom>
+        </p:spPr>
+      </p:pic>
+      <p:sp>
+        <p:nvSpPr>
+          <p:cNvPr id="36" name="Abgerundetes Rechteck 35"/>
+          <p:cNvSpPr/>
+          <p:nvPr/>
+        </p:nvSpPr>
+        <p:spPr>
+          <a:xfrm>
+            <a:off x="33791226" y="25829813"/>
+            <a:ext cx="8640960" cy="2248175"/>
           </a:xfrm>
           <a:prstGeom prst="roundRect">
             <a:avLst>
@@ -4164,388 +4924,70 @@
           </a:fontRef>
         </p:style>
         <p:txBody>
-          <a:bodyPr lIns="398636" tIns="199320" rIns="398636" bIns="199320" rtlCol="0" anchor="t"/>
+          <a:bodyPr lIns="398636" tIns="199320" rIns="398636" bIns="199320" numCol="1" rtlCol="0" anchor="t"/>
           <a:lstStyle/>
           <a:p>
-            <a:pPr marL="342900" indent="-342900">
-              <a:buFont typeface="Arial" panose="020B0604020202020204" pitchFamily="34" charset="0"/>
-              <a:buChar char="•"/>
-            </a:pPr>
-            <a:endParaRPr lang="en-US" sz="2600" b="1" noProof="1">
-              <a:solidFill>
-                <a:schemeClr val="tx1"/>
-              </a:solidFill>
-              <a:latin typeface="+mj-lt"/>
-            </a:endParaRPr>
-          </a:p>
-          <a:p>
-            <a:pPr marL="342900" indent="-342900">
-              <a:buFont typeface="Arial" panose="020B0604020202020204" pitchFamily="34" charset="0"/>
-              <a:buChar char="•"/>
-            </a:pPr>
-            <a:endParaRPr lang="en-US" sz="2600" noProof="1">
-              <a:solidFill>
-                <a:schemeClr val="tx1"/>
-              </a:solidFill>
-              <a:latin typeface="+mj-lt"/>
-            </a:endParaRPr>
-          </a:p>
-          <a:p>
-            <a:pPr marL="342900" indent="-342900">
-              <a:buFont typeface="Arial" panose="020B0604020202020204" pitchFamily="34" charset="0"/>
-              <a:buChar char="•"/>
-            </a:pPr>
-            <a:r>
-              <a:rPr lang="en-US" sz="2600" noProof="1">
-                <a:solidFill>
-                  <a:schemeClr val="tx1"/>
-                </a:solidFill>
-                <a:latin typeface="+mj-lt"/>
-              </a:rPr>
-              <a:t>Phasic dopamine (DA) spikes in the striatum occur when agents experience an unexpected reward. These fast DA spikes, called Reward Prediction Errors, (RPEs) are instrumental in learning how to maximize reward (Fig 1A).</a:t>
-            </a:r>
-          </a:p>
-          <a:p>
-            <a:pPr marL="342900" indent="-342900">
-              <a:buFont typeface="Arial" panose="020B0604020202020204" pitchFamily="34" charset="0"/>
-              <a:buChar char="•"/>
-            </a:pPr>
-            <a:endParaRPr lang="en-US" sz="2600" noProof="1">
-              <a:solidFill>
-                <a:schemeClr val="tx1"/>
-              </a:solidFill>
-              <a:latin typeface="+mj-lt"/>
-            </a:endParaRPr>
-          </a:p>
-          <a:p>
-            <a:pPr marL="342900" indent="-342900">
-              <a:buFont typeface="Arial" panose="020B0604020202020204" pitchFamily="34" charset="0"/>
-              <a:buChar char="•"/>
-            </a:pPr>
-            <a:r>
-              <a:rPr lang="en-US" sz="2600" dirty="0">
-                <a:solidFill>
-                  <a:schemeClr val="tx1"/>
-                </a:solidFill>
-                <a:latin typeface="+mj-lt"/>
-              </a:rPr>
-              <a:t>Aside from providing phasic RPEs that drive learning, DA may also organize motivated behavior at the time of action selection. Striatal DA may generally promote vigor in responding (</a:t>
-            </a:r>
-            <a:r>
-              <a:rPr lang="en-US" sz="2600" dirty="0" err="1">
-                <a:solidFill>
-                  <a:schemeClr val="tx1"/>
-                </a:solidFill>
-                <a:latin typeface="+mj-lt"/>
-              </a:rPr>
-              <a:t>Niv</a:t>
-            </a:r>
-            <a:r>
-              <a:rPr lang="en-US" sz="2600" dirty="0">
-                <a:solidFill>
-                  <a:schemeClr val="tx1"/>
-                </a:solidFill>
-                <a:latin typeface="+mj-lt"/>
-              </a:rPr>
-              <a:t> et al., 2007), and/or affect an agent’s instantaneous willingness to work for reward (Hamid et al., 2016). </a:t>
-            </a:r>
-          </a:p>
-          <a:p>
-            <a:pPr marL="342900" indent="-342900">
-              <a:buFont typeface="Arial" panose="020B0604020202020204" pitchFamily="34" charset="0"/>
-              <a:buChar char="•"/>
-            </a:pPr>
-            <a:endParaRPr lang="en-US" sz="2600" dirty="0">
-              <a:solidFill>
-                <a:schemeClr val="tx1"/>
-              </a:solidFill>
-              <a:latin typeface="+mj-lt"/>
-            </a:endParaRPr>
-          </a:p>
-          <a:p>
-            <a:pPr marL="342900" indent="-342900">
-              <a:buFont typeface="Arial" panose="020B0604020202020204" pitchFamily="34" charset="0"/>
-              <a:buChar char="•"/>
-            </a:pPr>
-            <a:r>
-              <a:rPr lang="en-US" sz="2600" dirty="0">
-                <a:solidFill>
-                  <a:schemeClr val="tx1"/>
-                </a:solidFill>
-              </a:rPr>
-              <a:t>Recent work has shown that striatal DA ramps as animals progress through a series of states towards an anticipated reward. The magnitude of this dopaminergic ramp is independent of the overall number of states (Fig. 1B). </a:t>
-            </a:r>
-            <a:br>
-              <a:rPr lang="en-US" sz="2600" dirty="0">
-                <a:solidFill>
-                  <a:schemeClr val="tx1"/>
-                </a:solidFill>
-              </a:rPr>
-            </a:br>
-            <a:endParaRPr lang="en-US" sz="2600" dirty="0">
-              <a:solidFill>
-                <a:schemeClr val="tx1"/>
-              </a:solidFill>
-              <a:latin typeface="+mj-lt"/>
-            </a:endParaRPr>
-          </a:p>
-          <a:p>
-            <a:pPr marL="342900" indent="-342900">
-              <a:buFont typeface="Arial" panose="020B0604020202020204" pitchFamily="34" charset="0"/>
-              <a:buChar char="•"/>
-            </a:pPr>
-            <a:r>
-              <a:rPr lang="en-US" sz="2600" dirty="0">
-                <a:solidFill>
-                  <a:schemeClr val="tx1"/>
-                </a:solidFill>
-              </a:rPr>
-              <a:t>Dopamine agonists have been shown to increase gambling propensity in humans (</a:t>
-            </a:r>
-            <a:r>
-              <a:rPr lang="en-US" sz="2600" dirty="0" err="1">
-                <a:solidFill>
-                  <a:schemeClr val="tx1"/>
-                </a:solidFill>
-              </a:rPr>
-              <a:t>Rigoli</a:t>
-            </a:r>
-            <a:r>
-              <a:rPr lang="en-US" sz="2600" dirty="0">
-                <a:solidFill>
-                  <a:schemeClr val="tx1"/>
-                </a:solidFill>
-              </a:rPr>
-              <a:t> et al., 2016). </a:t>
-            </a:r>
-            <a:r>
-              <a:rPr lang="en-US" sz="2600" dirty="0">
-                <a:solidFill>
-                  <a:schemeClr val="tx1"/>
-                </a:solidFill>
-                <a:latin typeface="+mj-lt"/>
-              </a:rPr>
-              <a:t>More generally, increasing striatal DA tone is hypothesized to bias the expression of the benefits of actions relative to their costs (Fig 1C). </a:t>
-            </a:r>
-          </a:p>
-          <a:p>
-            <a:pPr marL="342900" indent="-342900">
-              <a:buFont typeface="Arial" panose="020B0604020202020204" pitchFamily="34" charset="0"/>
-              <a:buChar char="•"/>
-            </a:pPr>
-            <a:endParaRPr lang="en-US" sz="2600" dirty="0">
-              <a:solidFill>
-                <a:schemeClr val="tx1"/>
-              </a:solidFill>
-              <a:latin typeface="+mj-lt"/>
-            </a:endParaRPr>
-          </a:p>
-          <a:p>
-            <a:pPr marL="342900" indent="-342900">
-              <a:buFont typeface="Arial" panose="020B0604020202020204" pitchFamily="34" charset="0"/>
-              <a:buChar char="•"/>
-            </a:pPr>
-            <a:r>
-              <a:rPr lang="en-US" sz="2600" dirty="0">
-                <a:solidFill>
-                  <a:schemeClr val="tx1"/>
-                </a:solidFill>
-              </a:rPr>
-              <a:t>Thus, we can capitalize on the dopaminergic ramp naturally happening to test whether performance (via choice) is modulated by DA,  independent of any effect DA has on learning.</a:t>
-            </a:r>
-          </a:p>
-          <a:p>
-            <a:pPr marL="342900" indent="-342900">
-              <a:buFont typeface="Arial" panose="020B0604020202020204" pitchFamily="34" charset="0"/>
-              <a:buChar char="•"/>
-            </a:pPr>
-            <a:endParaRPr lang="en-US" sz="2600" dirty="0">
-              <a:solidFill>
-                <a:schemeClr val="tx1"/>
-              </a:solidFill>
-              <a:latin typeface="+mj-lt"/>
-            </a:endParaRPr>
-          </a:p>
-          <a:p>
-            <a:pPr marL="342900" indent="-342900">
-              <a:buFont typeface="Arial" panose="020B0604020202020204" pitchFamily="34" charset="0"/>
-              <a:buChar char="•"/>
-            </a:pPr>
-            <a:r>
-              <a:rPr lang="en-US" sz="2600" dirty="0">
-                <a:solidFill>
-                  <a:schemeClr val="tx1"/>
-                </a:solidFill>
-                <a:latin typeface="+mj-lt"/>
-              </a:rPr>
-              <a:t>To test the hypothesis that humans’ value calculations should change as a function of proximity to reward, we offered risky gambles to test the specific prediction that human participants will become increasingly likely to gamble as gambles are offered closer in time to an anticipated reward.</a:t>
-            </a:r>
-          </a:p>
-          <a:p>
-            <a:pPr marL="342900" indent="-342900">
-              <a:buFont typeface="Arial" panose="020B0604020202020204" pitchFamily="34" charset="0"/>
-              <a:buChar char="•"/>
-            </a:pPr>
-            <a:endParaRPr lang="en-US" sz="2600" noProof="1">
-              <a:solidFill>
-                <a:schemeClr val="tx1"/>
-              </a:solidFill>
-              <a:latin typeface="+mj-lt"/>
-            </a:endParaRPr>
-          </a:p>
-          <a:p>
-            <a:pPr marL="342900" indent="-342900">
-              <a:buFont typeface="Arial" panose="020B0604020202020204" pitchFamily="34" charset="0"/>
-              <a:buChar char="•"/>
-            </a:pPr>
             <a:endParaRPr lang="en-US" sz="2400" noProof="1">
               <a:solidFill>
-                <a:schemeClr val="tx1"/>
+                <a:schemeClr val="bg1"/>
               </a:solidFill>
-              <a:latin typeface="+mj-lt"/>
-            </a:endParaRPr>
-          </a:p>
-          <a:p>
-            <a:pPr marL="342900" indent="-342900">
-              <a:buFont typeface="Arial" panose="020B0604020202020204" pitchFamily="34" charset="0"/>
-              <a:buChar char="•"/>
-            </a:pPr>
-            <a:endParaRPr lang="en-US" sz="2400" dirty="0">
-              <a:solidFill>
-                <a:schemeClr val="tx1"/>
-              </a:solidFill>
-              <a:latin typeface="+mj-lt"/>
-              <a:ea typeface="MS Mincho" panose="02020609040205080304" pitchFamily="49" charset="-128"/>
-            </a:endParaRPr>
-          </a:p>
-          <a:p>
-            <a:pPr marL="342900" indent="-342900">
-              <a:buFont typeface="Arial" panose="020B0604020202020204" pitchFamily="34" charset="0"/>
-              <a:buChar char="•"/>
-            </a:pPr>
-            <a:endParaRPr lang="en-US" sz="2400" dirty="0">
-              <a:solidFill>
-                <a:schemeClr val="tx1"/>
-              </a:solidFill>
-              <a:latin typeface="+mj-lt"/>
-              <a:ea typeface="MS Mincho" panose="02020609040205080304" pitchFamily="49" charset="-128"/>
-            </a:endParaRPr>
-          </a:p>
-          <a:p>
-            <a:pPr marL="342900" indent="-342900">
-              <a:buFont typeface="Arial" panose="020B0604020202020204" pitchFamily="34" charset="0"/>
-              <a:buChar char="•"/>
-            </a:pPr>
-            <a:endParaRPr lang="en-US" sz="2400" dirty="0">
-              <a:solidFill>
-                <a:schemeClr val="tx1"/>
-              </a:solidFill>
-              <a:latin typeface="+mj-lt"/>
-              <a:ea typeface="MS Mincho" panose="02020609040205080304" pitchFamily="49" charset="-128"/>
-            </a:endParaRPr>
-          </a:p>
-          <a:p>
-            <a:pPr marL="342900" indent="-342900">
-              <a:buFont typeface="Arial" panose="020B0604020202020204" pitchFamily="34" charset="0"/>
-              <a:buChar char="•"/>
-            </a:pPr>
-            <a:endParaRPr lang="en-US" sz="2400" dirty="0">
-              <a:solidFill>
-                <a:schemeClr val="tx1"/>
-              </a:solidFill>
-              <a:latin typeface="+mj-lt"/>
-              <a:ea typeface="MS Mincho" panose="02020609040205080304" pitchFamily="49" charset="-128"/>
-            </a:endParaRPr>
-          </a:p>
-          <a:p>
-            <a:pPr marL="342900" indent="-342900">
-              <a:buFont typeface="Arial" panose="020B0604020202020204" pitchFamily="34" charset="0"/>
-              <a:buChar char="•"/>
-            </a:pPr>
-            <a:endParaRPr lang="en-US" sz="2400" dirty="0">
-              <a:solidFill>
-                <a:schemeClr val="tx1"/>
-              </a:solidFill>
-              <a:latin typeface="+mj-lt"/>
-              <a:ea typeface="MS Mincho" panose="02020609040205080304" pitchFamily="49" charset="-128"/>
-            </a:endParaRPr>
-          </a:p>
-          <a:p>
-            <a:pPr marL="342900" indent="-342900">
-              <a:buFont typeface="Arial" panose="020B0604020202020204" pitchFamily="34" charset="0"/>
-              <a:buChar char="•"/>
-            </a:pPr>
-            <a:endParaRPr lang="en-US" sz="2400" noProof="1">
-              <a:solidFill>
-                <a:schemeClr val="tx1"/>
-              </a:solidFill>
-              <a:latin typeface="+mj-lt"/>
-            </a:endParaRPr>
-          </a:p>
-          <a:p>
-            <a:pPr marL="342900" indent="-342900">
-              <a:buFont typeface="Arial" panose="020B0604020202020204" pitchFamily="34" charset="0"/>
-              <a:buChar char="•"/>
-            </a:pPr>
-            <a:endParaRPr lang="en-US" sz="2400" noProof="1">
-              <a:solidFill>
-                <a:schemeClr val="tx1"/>
-              </a:solidFill>
-              <a:latin typeface="+mj-lt"/>
+              <a:latin typeface="Avenir Light"/>
               <a:cs typeface="Avenir Light"/>
             </a:endParaRPr>
           </a:p>
-          <a:p>
-            <a:pPr marL="342900" indent="-342900">
-              <a:buFont typeface="Arial" panose="020B0604020202020204" pitchFamily="34" charset="0"/>
-              <a:buChar char="•"/>
-            </a:pPr>
-            <a:endParaRPr lang="en-US" sz="2400" noProof="1">
-              <a:solidFill>
-                <a:schemeClr val="tx1"/>
-              </a:solidFill>
-              <a:latin typeface="+mj-lt"/>
-              <a:cs typeface="Avenir Light"/>
+        </p:txBody>
+      </p:sp>
+      <p:sp>
+        <p:nvSpPr>
+          <p:cNvPr id="1028" name="Rectangle 4"/>
+          <p:cNvSpPr>
+            <a:spLocks noChangeArrowheads="1"/>
+          </p:cNvSpPr>
+          <p:nvPr/>
+        </p:nvSpPr>
+        <p:spPr bwMode="auto">
+          <a:xfrm>
+            <a:off x="3" y="-1182526"/>
+            <a:ext cx="805058" cy="1602862"/>
+          </a:xfrm>
+          <a:prstGeom prst="rect">
+            <a:avLst/>
+          </a:prstGeom>
+          <a:noFill/>
+          <a:ln w="9525">
+            <a:noFill/>
+            <a:miter lim="800000"/>
+            <a:headEnd/>
+            <a:tailEnd/>
+          </a:ln>
+          <a:effectLst/>
+        </p:spPr>
+        <p:txBody>
+          <a:bodyPr vert="horz" wrap="none" lIns="398636" tIns="199320" rIns="398636" bIns="199320" numCol="1" anchor="ctr" anchorCtr="0" compatLnSpc="1">
+            <a:prstTxWarp prst="textNoShape">
+              <a:avLst/>
+            </a:prstTxWarp>
+            <a:spAutoFit/>
+          </a:bodyPr>
+          <a:lstStyle/>
+          <a:p>
+            <a:endParaRPr lang="en-US" noProof="1">
+              <a:latin typeface="Arial"/>
+              <a:cs typeface="Arial"/>
             </a:endParaRPr>
           </a:p>
-          <a:p>
-            <a:pPr marL="342900" indent="-342900">
-              <a:buFont typeface="Arial" panose="020B0604020202020204" pitchFamily="34" charset="0"/>
-              <a:buChar char="•"/>
-            </a:pPr>
-            <a:endParaRPr lang="en-US" sz="2400" noProof="1">
-              <a:solidFill>
-                <a:schemeClr val="tx1"/>
-              </a:solidFill>
-              <a:latin typeface="+mj-lt"/>
-              <a:cs typeface="Avenir Light"/>
-            </a:endParaRPr>
-          </a:p>
-          <a:p>
-            <a:pPr marL="457200" indent="-457200">
-              <a:buFont typeface="Arial"/>
-              <a:buChar char="•"/>
-            </a:pPr>
-            <a:endParaRPr lang="en-US" sz="2400" noProof="1">
-              <a:solidFill>
-                <a:schemeClr val="tx1"/>
-              </a:solidFill>
-              <a:latin typeface="+mj-lt"/>
-              <a:cs typeface="Avenir Light"/>
-            </a:endParaRPr>
-          </a:p>
-        </p:txBody>
-      </p:sp>
-      <p:sp>
-        <p:nvSpPr>
-          <p:cNvPr id="142" name="Rechteck 141"/>
+        </p:txBody>
+      </p:sp>
+      <p:sp>
+        <p:nvSpPr>
+          <p:cNvPr id="32" name="Rechteck 31"/>
           <p:cNvSpPr/>
           <p:nvPr/>
         </p:nvSpPr>
         <p:spPr>
           <a:xfrm>
-            <a:off x="-405722" y="3756415"/>
-            <a:ext cx="19800000" cy="1079641"/>
+            <a:off x="0" y="17521033"/>
+            <a:ext cx="19276760" cy="1079641"/>
           </a:xfrm>
           <a:prstGeom prst="rect">
             <a:avLst/>
@@ -4564,408 +5006,273 @@
             <a:pPr algn="ctr"/>
             <a:r>
               <a:rPr lang="en-US" sz="4400" noProof="1">
-                <a:latin typeface="+mj-lt"/>
-                <a:cs typeface="Avenir Heavy"/>
-              </a:rPr>
-              <a:t>Background</a:t>
-            </a:r>
-            <a:endParaRPr lang="en-US" sz="4000" noProof="1">
-              <a:latin typeface="+mj-lt"/>
-              <a:cs typeface="Avenir Heavy"/>
-            </a:endParaRPr>
-          </a:p>
-        </p:txBody>
-      </p:sp>
-      <p:sp>
-        <p:nvSpPr>
-          <p:cNvPr id="53" name="Rechteck 52"/>
-          <p:cNvSpPr/>
-          <p:nvPr/>
-        </p:nvSpPr>
-        <p:spPr>
-          <a:xfrm>
-            <a:off x="21516070" y="20551673"/>
-            <a:ext cx="19793546" cy="1079641"/>
-          </a:xfrm>
-          <a:prstGeom prst="rect">
-            <a:avLst/>
-          </a:prstGeom>
-          <a:noFill/>
-          <a:ln>
-            <a:noFill/>
-          </a:ln>
-        </p:spPr>
-        <p:txBody>
-          <a:bodyPr wrap="square" lIns="398636" tIns="199320" rIns="398636" bIns="199320">
-            <a:spAutoFit/>
-          </a:bodyPr>
-          <a:lstStyle/>
-          <a:p>
-            <a:pPr algn="ctr"/>
-            <a:r>
-              <a:rPr lang="en-US" sz="4400" noProof="1">
-                <a:solidFill>
-                  <a:srgbClr val="000000"/>
-                </a:solidFill>
-                <a:latin typeface="Avenir Heavy"/>
-                <a:cs typeface="Avenir Heavy"/>
-              </a:rPr>
-              <a:t>Conclusions</a:t>
-            </a:r>
-          </a:p>
-        </p:txBody>
-      </p:sp>
-      <p:sp>
-        <p:nvSpPr>
-          <p:cNvPr id="55" name="Rechteck 54"/>
-          <p:cNvSpPr/>
-          <p:nvPr/>
-        </p:nvSpPr>
-        <p:spPr>
-          <a:xfrm>
-            <a:off x="22073417" y="26253836"/>
-            <a:ext cx="19646663" cy="2895523"/>
-          </a:xfrm>
-          <a:prstGeom prst="rect">
-            <a:avLst/>
-          </a:prstGeom>
-          <a:noFill/>
-          <a:ln>
-            <a:noFill/>
-          </a:ln>
-        </p:spPr>
-        <p:txBody>
-          <a:bodyPr wrap="square" lIns="398636" tIns="199320" rIns="398636" bIns="199320">
-            <a:spAutoFit/>
-          </a:bodyPr>
-          <a:lstStyle/>
-          <a:p>
-            <a:r>
-              <a:rPr lang="en-US" sz="1800" b="1" noProof="1">
                 <a:solidFill>
                   <a:srgbClr val="000000"/>
                 </a:solidFill>
                 <a:latin typeface="+mj-lt"/>
                 <a:cs typeface="Avenir Heavy"/>
               </a:rPr>
-              <a:t>References:</a:t>
-            </a:r>
-          </a:p>
-          <a:p>
-            <a:pPr marL="457200" indent="-457200">
-              <a:buAutoNum type="arabicPeriod"/>
+              <a:t>Question</a:t>
+            </a:r>
+          </a:p>
+        </p:txBody>
+      </p:sp>
+      <p:sp>
+        <p:nvSpPr>
+          <p:cNvPr id="45" name="Textfeld 44"/>
+          <p:cNvSpPr txBox="1"/>
+          <p:nvPr/>
+        </p:nvSpPr>
+        <p:spPr>
+          <a:xfrm>
+            <a:off x="15765007" y="25507354"/>
+            <a:ext cx="6720935" cy="3600986"/>
+          </a:xfrm>
+          <a:prstGeom prst="rect">
+            <a:avLst/>
+          </a:prstGeom>
+          <a:noFill/>
+        </p:spPr>
+        <p:txBody>
+          <a:bodyPr wrap="square" rtlCol="0">
+            <a:spAutoFit/>
+          </a:bodyPr>
+          <a:lstStyle/>
+          <a:p>
+            <a:pPr>
+              <a:spcAft>
+                <a:spcPts val="600"/>
+              </a:spcAft>
             </a:pPr>
             <a:r>
-              <a:rPr lang="en-US" sz="1800" dirty="0">
+              <a:rPr lang="en-US" sz="3000" noProof="1">
                 <a:latin typeface="+mj-lt"/>
-              </a:rPr>
-              <a:t>Schultz, W. (2001). Book review: Reward signaling by dopamine neurons. </a:t>
-            </a:r>
-            <a:r>
-              <a:rPr lang="en-US" sz="1800" i="1" dirty="0">
+                <a:cs typeface="Avenir Heavy"/>
+              </a:rPr>
+              <a:t>Subjects</a:t>
+            </a:r>
+            <a:endParaRPr lang="en-US" sz="3200" noProof="1">
+              <a:latin typeface="+mj-lt"/>
+              <a:cs typeface="Avenir Heavy"/>
+            </a:endParaRPr>
+          </a:p>
+          <a:p>
+            <a:pPr marL="342900" indent="-342900">
+              <a:spcAft>
+                <a:spcPts val="600"/>
+              </a:spcAft>
+              <a:buFont typeface="Arial" panose="020B0604020202020204" pitchFamily="34" charset="0"/>
+              <a:buChar char="•"/>
+            </a:pPr>
+            <a:r>
+              <a:rPr lang="en-US" sz="2400" noProof="1">
                 <a:latin typeface="+mj-lt"/>
               </a:rPr>
-              <a:t>The Neuroscientist</a:t>
-            </a:r>
-            <a:r>
-              <a:rPr lang="en-US" sz="1800" dirty="0">
+              <a:t>207 Participants via Amazon’s mechanical turk; (127 male; 76 female; 4 declined to answer) </a:t>
+            </a:r>
+          </a:p>
+          <a:p>
+            <a:pPr marL="342900" indent="-342900">
+              <a:spcAft>
+                <a:spcPts val="600"/>
+              </a:spcAft>
+              <a:buFont typeface="Arial" panose="020B0604020202020204" pitchFamily="34" charset="0"/>
+              <a:buChar char="•"/>
+            </a:pPr>
+            <a:r>
+              <a:rPr lang="en-US" sz="2400" noProof="1">
                 <a:latin typeface="+mj-lt"/>
               </a:rPr>
-              <a:t>, </a:t>
-            </a:r>
-            <a:r>
-              <a:rPr lang="en-US" sz="1800" i="1" dirty="0">
+              <a:t>140 participants analyzed</a:t>
+            </a:r>
+          </a:p>
+          <a:p>
+            <a:pPr marL="342900" indent="-342900">
+              <a:spcAft>
+                <a:spcPts val="600"/>
+              </a:spcAft>
+              <a:buFont typeface="Arial" panose="020B0604020202020204" pitchFamily="34" charset="0"/>
+              <a:buChar char="•"/>
+            </a:pPr>
+            <a:r>
+              <a:rPr lang="en-US" sz="2400" noProof="1">
                 <a:latin typeface="+mj-lt"/>
               </a:rPr>
-              <a:t>7</a:t>
-            </a:r>
-            <a:r>
-              <a:rPr lang="en-US" sz="1800" dirty="0">
+              <a:t>18-40 years old.</a:t>
+            </a:r>
+          </a:p>
+          <a:p>
+            <a:pPr marL="342900" indent="-342900">
+              <a:spcAft>
+                <a:spcPts val="600"/>
+              </a:spcAft>
+              <a:buFont typeface="Arial" panose="020B0604020202020204" pitchFamily="34" charset="0"/>
+              <a:buChar char="•"/>
+            </a:pPr>
+            <a:r>
+              <a:rPr lang="en-US" sz="2400" noProof="1">
                 <a:latin typeface="+mj-lt"/>
               </a:rPr>
-              <a:t>(4), 293-302</a:t>
-            </a:r>
-          </a:p>
-          <a:p>
-            <a:pPr marL="457200" indent="-457200">
-              <a:buAutoNum type="arabicPeriod"/>
+              <a:t>133 trials (~45 minutes) </a:t>
+            </a:r>
+          </a:p>
+          <a:p>
+            <a:pPr marL="342900" indent="-342900">
+              <a:spcAft>
+                <a:spcPts val="600"/>
+              </a:spcAft>
+              <a:buFont typeface="Arial" panose="020B0604020202020204" pitchFamily="34" charset="0"/>
+              <a:buChar char="•"/>
             </a:pPr>
             <a:r>
-              <a:rPr lang="en-US" sz="1800" dirty="0" err="1">
+              <a:rPr lang="en-US" sz="2400" noProof="1">
                 <a:latin typeface="+mj-lt"/>
               </a:rPr>
-              <a:t>Niv</a:t>
-            </a:r>
-            <a:r>
-              <a:rPr lang="en-US" sz="1800" dirty="0">
+              <a:t>Option to gamble on 86.39 % of trials.</a:t>
+            </a:r>
+          </a:p>
+          <a:p>
+            <a:pPr marL="342900" indent="-342900">
+              <a:spcAft>
+                <a:spcPts val="600"/>
+              </a:spcAft>
+              <a:buFont typeface="Arial" panose="020B0604020202020204" pitchFamily="34" charset="0"/>
+              <a:buChar char="•"/>
+            </a:pPr>
+            <a:r>
+              <a:rPr lang="en-US" sz="2400" noProof="1">
                 <a:latin typeface="+mj-lt"/>
               </a:rPr>
-              <a:t>, Y., </a:t>
-            </a:r>
-            <a:r>
-              <a:rPr lang="en-US" sz="1800" dirty="0" err="1">
-                <a:latin typeface="+mj-lt"/>
-              </a:rPr>
-              <a:t>Daw</a:t>
-            </a:r>
-            <a:r>
-              <a:rPr lang="en-US" sz="1800" dirty="0">
-                <a:latin typeface="+mj-lt"/>
-              </a:rPr>
-              <a:t>, N. D., Joel, D., &amp; Dayan, P. (2007). Tonic dopamine: opportunity costs and the control of response vigor. </a:t>
-            </a:r>
-            <a:r>
-              <a:rPr lang="en-US" sz="1800" i="1" dirty="0">
-                <a:latin typeface="+mj-lt"/>
-              </a:rPr>
-              <a:t>Psychopharmacology</a:t>
-            </a:r>
-            <a:r>
-              <a:rPr lang="en-US" sz="1800" dirty="0">
-                <a:latin typeface="+mj-lt"/>
-              </a:rPr>
-              <a:t>, </a:t>
-            </a:r>
-            <a:r>
-              <a:rPr lang="en-US" sz="1800" i="1" dirty="0">
-                <a:latin typeface="+mj-lt"/>
-              </a:rPr>
-              <a:t>191</a:t>
-            </a:r>
-            <a:r>
-              <a:rPr lang="en-US" sz="1800" dirty="0">
-                <a:latin typeface="+mj-lt"/>
-              </a:rPr>
-              <a:t>(3), 507-520.</a:t>
-            </a:r>
-          </a:p>
-          <a:p>
-            <a:pPr marL="457200" indent="-457200">
-              <a:buFontTx/>
-              <a:buAutoNum type="arabicPeriod"/>
-            </a:pPr>
-            <a:r>
-              <a:rPr lang="en-US" sz="1800" dirty="0">
-                <a:latin typeface="+mj-lt"/>
-              </a:rPr>
-              <a:t>Hamid, A. A., Pettibone, J. R., Mabrouk, O. S., Hetrick, V. L., Schmidt, R., Vander </a:t>
-            </a:r>
-            <a:r>
-              <a:rPr lang="en-US" sz="1800" dirty="0" err="1">
-                <a:latin typeface="+mj-lt"/>
-              </a:rPr>
-              <a:t>Weele</a:t>
-            </a:r>
-            <a:r>
-              <a:rPr lang="en-US" sz="1800" dirty="0">
-                <a:latin typeface="+mj-lt"/>
-              </a:rPr>
-              <a:t>, C. M., ... &amp; </a:t>
-            </a:r>
-            <a:r>
-              <a:rPr lang="en-US" sz="1800" dirty="0" err="1">
-                <a:latin typeface="+mj-lt"/>
-              </a:rPr>
-              <a:t>Berke</a:t>
-            </a:r>
-            <a:r>
-              <a:rPr lang="en-US" sz="1800" dirty="0">
-                <a:latin typeface="+mj-lt"/>
-              </a:rPr>
-              <a:t>, J. D. (2016). Mesolimbic dopamine signals the value of work. </a:t>
-            </a:r>
-            <a:r>
-              <a:rPr lang="en-US" sz="1800" i="1" dirty="0">
-                <a:latin typeface="+mj-lt"/>
-              </a:rPr>
-              <a:t>Nature neuroscience</a:t>
-            </a:r>
-            <a:r>
-              <a:rPr lang="en-US" sz="1800" dirty="0">
-                <a:latin typeface="+mj-lt"/>
-              </a:rPr>
-              <a:t>, </a:t>
-            </a:r>
-            <a:r>
-              <a:rPr lang="en-US" sz="1800" i="1" dirty="0">
-                <a:latin typeface="+mj-lt"/>
-              </a:rPr>
-              <a:t>19</a:t>
-            </a:r>
-            <a:r>
-              <a:rPr lang="en-US" sz="1800" dirty="0">
-                <a:latin typeface="+mj-lt"/>
-              </a:rPr>
-              <a:t>(1), 117.</a:t>
-            </a:r>
-          </a:p>
-          <a:p>
-            <a:pPr marL="457200" indent="-457200">
-              <a:buFontTx/>
-              <a:buAutoNum type="arabicPeriod"/>
-            </a:pPr>
-            <a:r>
-              <a:rPr lang="en-US" sz="1800" dirty="0">
-                <a:latin typeface="+mj-lt"/>
-              </a:rPr>
-              <a:t>Collins, A. G., &amp; Frank, M. J. (2014). Opponent actor learning (</a:t>
-            </a:r>
-            <a:r>
-              <a:rPr lang="en-US" sz="1800" dirty="0" err="1">
-                <a:latin typeface="+mj-lt"/>
-              </a:rPr>
-              <a:t>OpAL</a:t>
-            </a:r>
-            <a:r>
-              <a:rPr lang="en-US" sz="1800" dirty="0">
-                <a:latin typeface="+mj-lt"/>
-              </a:rPr>
-              <a:t>): Modeling interactive effects of striatal dopamine on reinforcement learning and choice incentive. </a:t>
-            </a:r>
-            <a:r>
-              <a:rPr lang="en-US" sz="1800" i="1" dirty="0">
-                <a:latin typeface="+mj-lt"/>
-              </a:rPr>
-              <a:t>Psychological review</a:t>
-            </a:r>
-            <a:r>
-              <a:rPr lang="en-US" sz="1800" dirty="0">
-                <a:latin typeface="+mj-lt"/>
-              </a:rPr>
-              <a:t>, </a:t>
-            </a:r>
-            <a:r>
-              <a:rPr lang="en-US" sz="1800" i="1" dirty="0">
-                <a:latin typeface="+mj-lt"/>
-              </a:rPr>
-              <a:t>121</a:t>
-            </a:r>
-            <a:r>
-              <a:rPr lang="en-US" sz="1800" dirty="0">
-                <a:latin typeface="+mj-lt"/>
-              </a:rPr>
-              <a:t>(3), 337.</a:t>
-            </a:r>
-          </a:p>
-          <a:p>
-            <a:pPr marL="457200" indent="-457200">
-              <a:buAutoNum type="arabicPeriod"/>
-            </a:pPr>
-            <a:r>
-              <a:rPr lang="en-US" sz="1800" dirty="0">
-                <a:latin typeface="+mj-lt"/>
-              </a:rPr>
-              <a:t>Howe, M. W., Tierney, P. L., Sandberg, S. G., Phillips, P. E., &amp; </a:t>
-            </a:r>
-            <a:r>
-              <a:rPr lang="en-US" sz="1800" dirty="0" err="1">
-                <a:latin typeface="+mj-lt"/>
-              </a:rPr>
-              <a:t>Graybiel</a:t>
-            </a:r>
-            <a:r>
-              <a:rPr lang="en-US" sz="1800" dirty="0">
-                <a:latin typeface="+mj-lt"/>
-              </a:rPr>
-              <a:t>, A. M. (2013). Prolonged dopamine </a:t>
-            </a:r>
-            <a:r>
-              <a:rPr lang="en-US" sz="1800" dirty="0" err="1">
-                <a:latin typeface="+mj-lt"/>
-              </a:rPr>
-              <a:t>signalling</a:t>
-            </a:r>
-            <a:r>
-              <a:rPr lang="en-US" sz="1800" dirty="0">
-                <a:latin typeface="+mj-lt"/>
-              </a:rPr>
-              <a:t> in striatum signals proximity and value of distant rewards. </a:t>
-            </a:r>
-            <a:r>
-              <a:rPr lang="en-US" sz="1800" i="1" dirty="0">
-                <a:latin typeface="+mj-lt"/>
-              </a:rPr>
-              <a:t>Nature</a:t>
-            </a:r>
-            <a:r>
-              <a:rPr lang="en-US" sz="1800" dirty="0">
-                <a:latin typeface="+mj-lt"/>
-              </a:rPr>
-              <a:t>, </a:t>
-            </a:r>
-            <a:r>
-              <a:rPr lang="en-US" sz="1800" i="1" dirty="0">
-                <a:latin typeface="+mj-lt"/>
-              </a:rPr>
-              <a:t>500</a:t>
-            </a:r>
-            <a:r>
-              <a:rPr lang="en-US" sz="1800" dirty="0">
-                <a:latin typeface="+mj-lt"/>
-              </a:rPr>
-              <a:t>(7464), 575.</a:t>
-            </a:r>
-          </a:p>
-          <a:p>
-            <a:pPr marL="457200" indent="-457200">
-              <a:buAutoNum type="arabicPeriod"/>
-            </a:pPr>
-            <a:r>
-              <a:rPr lang="en-US" sz="1800" dirty="0" err="1">
-                <a:latin typeface="+mj-lt"/>
-              </a:rPr>
-              <a:t>Buckholtz</a:t>
-            </a:r>
-            <a:r>
-              <a:rPr lang="en-US" sz="1800" dirty="0">
-                <a:latin typeface="+mj-lt"/>
-              </a:rPr>
-              <a:t>, J. W., Treadway, M. T., Cowan, R. L., Woodward, N. D., Li, R., Ansari, M. S., ... &amp; Kessler, R. M. (2010). Dopaminergic network differences in human impulsivity. </a:t>
-            </a:r>
-            <a:r>
-              <a:rPr lang="en-US" sz="1800" i="1" dirty="0">
-                <a:latin typeface="+mj-lt"/>
-              </a:rPr>
-              <a:t>Science</a:t>
-            </a:r>
-            <a:r>
-              <a:rPr lang="en-US" sz="1800" dirty="0">
-                <a:latin typeface="+mj-lt"/>
-              </a:rPr>
-              <a:t>, </a:t>
-            </a:r>
-            <a:r>
-              <a:rPr lang="en-US" sz="1800" i="1" dirty="0">
-                <a:latin typeface="+mj-lt"/>
-              </a:rPr>
-              <a:t>329</a:t>
-            </a:r>
-            <a:r>
-              <a:rPr lang="en-US" sz="1800" dirty="0">
-                <a:latin typeface="+mj-lt"/>
-              </a:rPr>
-              <a:t>(5991), 532-532.</a:t>
-            </a:r>
-          </a:p>
-        </p:txBody>
-      </p:sp>
-      <p:sp>
-        <p:nvSpPr>
-          <p:cNvPr id="56" name="Abgerundetes Rechteck 55"/>
+              <a:t>6 catch trials</a:t>
+            </a:r>
+          </a:p>
+        </p:txBody>
+      </p:sp>
+      <p:pic>
+        <p:nvPicPr>
+          <p:cNvPr id="133" name="Picture 132">
+            <a:extLst>
+              <a:ext uri="{FF2B5EF4-FFF2-40B4-BE49-F238E27FC236}">
+                <a16:creationId xmlns:a16="http://schemas.microsoft.com/office/drawing/2014/main" id="{B549004F-08E4-EE40-8988-4A3DFC0BBF44}"/>
+              </a:ext>
+            </a:extLst>
+          </p:cNvPr>
+          <p:cNvPicPr/>
+          <p:nvPr/>
+        </p:nvPicPr>
+        <p:blipFill>
+          <a:blip r:embed="rId7"/>
+          <a:stretch>
+            <a:fillRect/>
+          </a:stretch>
+        </p:blipFill>
+        <p:spPr>
+          <a:xfrm>
+            <a:off x="4809677" y="436041"/>
+            <a:ext cx="2675313" cy="3121121"/>
+          </a:xfrm>
+          <a:prstGeom prst="rect">
+            <a:avLst/>
+          </a:prstGeom>
+        </p:spPr>
+      </p:pic>
+      <p:sp>
+        <p:nvSpPr>
+          <p:cNvPr id="112" name="TextBox 111">
+            <a:extLst>
+              <a:ext uri="{FF2B5EF4-FFF2-40B4-BE49-F238E27FC236}">
+                <a16:creationId xmlns:a16="http://schemas.microsoft.com/office/drawing/2014/main" id="{67948FF0-3E34-0240-8401-EA11A32A3D43}"/>
+              </a:ext>
+            </a:extLst>
+          </p:cNvPr>
+          <p:cNvSpPr txBox="1"/>
+          <p:nvPr/>
+        </p:nvSpPr>
+        <p:spPr>
+          <a:xfrm>
+            <a:off x="1693835" y="12545318"/>
+            <a:ext cx="407484" cy="461665"/>
+          </a:xfrm>
+          <a:prstGeom prst="rect">
+            <a:avLst/>
+          </a:prstGeom>
+          <a:noFill/>
+        </p:spPr>
+        <p:txBody>
+          <a:bodyPr wrap="none" rtlCol="0">
+            <a:spAutoFit/>
+          </a:bodyPr>
+          <a:lstStyle/>
+          <a:p>
+            <a:r>
+              <a:rPr lang="en-US" sz="2400" b="1" dirty="0">
+                <a:latin typeface="Avenir Roman" panose="02000503020000020003" pitchFamily="2" charset="0"/>
+              </a:rPr>
+              <a:t>A</a:t>
+            </a:r>
+          </a:p>
+        </p:txBody>
+      </p:sp>
+      <p:sp>
+        <p:nvSpPr>
+          <p:cNvPr id="146" name="TextBox 145">
+            <a:extLst>
+              <a:ext uri="{FF2B5EF4-FFF2-40B4-BE49-F238E27FC236}">
+                <a16:creationId xmlns:a16="http://schemas.microsoft.com/office/drawing/2014/main" id="{6004E716-F127-A94F-9B6E-A16A7A81E0A3}"/>
+              </a:ext>
+            </a:extLst>
+          </p:cNvPr>
+          <p:cNvSpPr txBox="1"/>
+          <p:nvPr/>
+        </p:nvSpPr>
+        <p:spPr>
+          <a:xfrm>
+            <a:off x="7372140" y="12569459"/>
+            <a:ext cx="407484" cy="461665"/>
+          </a:xfrm>
+          <a:prstGeom prst="rect">
+            <a:avLst/>
+          </a:prstGeom>
+          <a:noFill/>
+        </p:spPr>
+        <p:txBody>
+          <a:bodyPr wrap="square" rtlCol="0">
+            <a:spAutoFit/>
+          </a:bodyPr>
+          <a:lstStyle/>
+          <a:p>
+            <a:r>
+              <a:rPr lang="en-US" sz="2400" b="1" dirty="0">
+                <a:latin typeface="Avenir Roman" panose="02000503020000020003" pitchFamily="2" charset="0"/>
+              </a:rPr>
+              <a:t>B</a:t>
+            </a:r>
+          </a:p>
+        </p:txBody>
+      </p:sp>
+      <p:sp>
+        <p:nvSpPr>
+          <p:cNvPr id="167" name="Rectangle 166">
+            <a:extLst>
+              <a:ext uri="{FF2B5EF4-FFF2-40B4-BE49-F238E27FC236}">
+                <a16:creationId xmlns:a16="http://schemas.microsoft.com/office/drawing/2014/main" id="{C032A6DA-25D1-6C4C-A4D5-DC8C61088CE9}"/>
+              </a:ext>
+            </a:extLst>
+          </p:cNvPr>
           <p:cNvSpPr/>
           <p:nvPr/>
         </p:nvSpPr>
         <p:spPr>
           <a:xfrm>
-            <a:off x="33791226" y="5091509"/>
-            <a:ext cx="8136904" cy="11375886"/>
-          </a:xfrm>
-          <a:prstGeom prst="roundRect">
-            <a:avLst>
-              <a:gd name="adj" fmla="val 0"/>
-            </a:avLst>
+            <a:off x="22735571" y="9585443"/>
+            <a:ext cx="596081" cy="339408"/>
+          </a:xfrm>
+          <a:prstGeom prst="rect">
+            <a:avLst/>
           </a:prstGeom>
-          <a:noFill/>
+          <a:solidFill>
+            <a:schemeClr val="bg1"/>
+          </a:solidFill>
           <a:ln>
             <a:noFill/>
           </a:ln>
@@ -4987,70 +5294,37 @@
           </a:fontRef>
         </p:style>
         <p:txBody>
-          <a:bodyPr lIns="398636" tIns="199320" rIns="398636" bIns="199320" rtlCol="0" anchor="t"/>
+          <a:bodyPr rtlCol="0" anchor="ctr"/>
           <a:lstStyle/>
           <a:p>
-            <a:pPr marL="457200" indent="-457200">
-              <a:buFont typeface="Arial"/>
-              <a:buChar char="•"/>
-            </a:pPr>
-            <a:endParaRPr lang="en-US" sz="3200" noProof="1">
-              <a:solidFill>
-                <a:schemeClr val="tx1"/>
-              </a:solidFill>
-              <a:latin typeface="Avenir Light"/>
-              <a:cs typeface="Avenir Light"/>
-            </a:endParaRPr>
-          </a:p>
-        </p:txBody>
-      </p:sp>
-      <p:pic>
-        <p:nvPicPr>
-          <p:cNvPr id="4" name="Bild 3" descr="Brown Logo_2016_2 Color Process ST_1300.eps"/>
-          <p:cNvPicPr>
-            <a:picLocks noChangeAspect="1"/>
-          </p:cNvPicPr>
-          <p:nvPr/>
-        </p:nvPicPr>
-        <p:blipFill>
-          <a:blip r:embed="rId7">
+            <a:pPr algn="ctr"/>
+            <a:endParaRPr lang="en-US"/>
+          </a:p>
+        </p:txBody>
+      </p:sp>
+      <p:sp>
+        <p:nvSpPr>
+          <p:cNvPr id="169" name="Rectangle 168">
             <a:extLst>
-              <a:ext uri="{28A0092B-C50C-407E-A947-70E740481C1C}">
-                <a14:useLocalDpi xmlns:a14="http://schemas.microsoft.com/office/drawing/2010/main" val="0"/>
+              <a:ext uri="{FF2B5EF4-FFF2-40B4-BE49-F238E27FC236}">
+                <a16:creationId xmlns:a16="http://schemas.microsoft.com/office/drawing/2014/main" id="{5FCCD03B-F973-184F-B1B0-D50C847089BD}"/>
               </a:ext>
             </a:extLst>
-          </a:blip>
-          <a:stretch>
-            <a:fillRect/>
-          </a:stretch>
-        </p:blipFill>
-        <p:spPr>
-          <a:xfrm>
-            <a:off x="1077142" y="561243"/>
-            <a:ext cx="2615299" cy="3042790"/>
+          </p:cNvPr>
+          <p:cNvSpPr/>
+          <p:nvPr/>
+        </p:nvSpPr>
+        <p:spPr>
+          <a:xfrm>
+            <a:off x="22459312" y="10794766"/>
+            <a:ext cx="276259" cy="433564"/>
           </a:xfrm>
           <a:prstGeom prst="rect">
             <a:avLst/>
           </a:prstGeom>
-        </p:spPr>
-      </p:pic>
-      <p:sp>
-        <p:nvSpPr>
-          <p:cNvPr id="36" name="Abgerundetes Rechteck 35"/>
-          <p:cNvSpPr/>
-          <p:nvPr/>
-        </p:nvSpPr>
-        <p:spPr>
-          <a:xfrm>
-            <a:off x="33791226" y="25829813"/>
-            <a:ext cx="8640960" cy="2248175"/>
-          </a:xfrm>
-          <a:prstGeom prst="roundRect">
-            <a:avLst>
-              <a:gd name="adj" fmla="val 0"/>
-            </a:avLst>
-          </a:prstGeom>
-          <a:noFill/>
+          <a:solidFill>
+            <a:schemeClr val="bg1"/>
+          </a:solidFill>
           <a:ln>
             <a:noFill/>
           </a:ln>
@@ -5072,323 +5346,20 @@
           </a:fontRef>
         </p:style>
         <p:txBody>
-          <a:bodyPr lIns="398636" tIns="199320" rIns="398636" bIns="199320" numCol="1" rtlCol="0" anchor="t"/>
+          <a:bodyPr rtlCol="0" anchor="ctr"/>
           <a:lstStyle/>
           <a:p>
-            <a:endParaRPr lang="en-US" sz="2400" noProof="1">
-              <a:solidFill>
-                <a:schemeClr val="bg1"/>
-              </a:solidFill>
-              <a:latin typeface="Avenir Light"/>
-              <a:cs typeface="Avenir Light"/>
-            </a:endParaRPr>
-          </a:p>
-        </p:txBody>
-      </p:sp>
-      <p:sp>
-        <p:nvSpPr>
-          <p:cNvPr id="1028" name="Rectangle 4"/>
-          <p:cNvSpPr>
-            <a:spLocks noChangeArrowheads="1"/>
-          </p:cNvSpPr>
-          <p:nvPr/>
-        </p:nvSpPr>
-        <p:spPr bwMode="auto">
-          <a:xfrm>
-            <a:off x="3" y="-1182526"/>
-            <a:ext cx="805058" cy="1602862"/>
-          </a:xfrm>
-          <a:prstGeom prst="rect">
-            <a:avLst/>
-          </a:prstGeom>
-          <a:noFill/>
-          <a:ln w="9525">
-            <a:noFill/>
-            <a:miter lim="800000"/>
-            <a:headEnd/>
-            <a:tailEnd/>
-          </a:ln>
-          <a:effectLst/>
-        </p:spPr>
-        <p:txBody>
-          <a:bodyPr vert="horz" wrap="none" lIns="398636" tIns="199320" rIns="398636" bIns="199320" numCol="1" anchor="ctr" anchorCtr="0" compatLnSpc="1">
-            <a:prstTxWarp prst="textNoShape">
-              <a:avLst/>
-            </a:prstTxWarp>
-            <a:spAutoFit/>
-          </a:bodyPr>
-          <a:lstStyle/>
-          <a:p>
-            <a:endParaRPr lang="en-US" noProof="1">
-              <a:latin typeface="Arial"/>
-              <a:cs typeface="Arial"/>
-            </a:endParaRPr>
-          </a:p>
-        </p:txBody>
-      </p:sp>
-      <p:sp>
-        <p:nvSpPr>
-          <p:cNvPr id="32" name="Rechteck 31"/>
-          <p:cNvSpPr/>
-          <p:nvPr/>
-        </p:nvSpPr>
-        <p:spPr>
-          <a:xfrm>
-            <a:off x="0" y="17521033"/>
-            <a:ext cx="19276760" cy="1079641"/>
-          </a:xfrm>
-          <a:prstGeom prst="rect">
-            <a:avLst/>
-          </a:prstGeom>
-          <a:noFill/>
-          <a:ln>
-            <a:noFill/>
-          </a:ln>
-        </p:spPr>
-        <p:txBody>
-          <a:bodyPr wrap="square" lIns="398636" tIns="199320" rIns="398636" bIns="199320">
-            <a:spAutoFit/>
-          </a:bodyPr>
-          <a:lstStyle/>
-          <a:p>
             <a:pPr algn="ctr"/>
-            <a:r>
-              <a:rPr lang="en-US" sz="4400" noProof="1">
-                <a:solidFill>
-                  <a:srgbClr val="000000"/>
-                </a:solidFill>
-                <a:latin typeface="+mj-lt"/>
-                <a:cs typeface="Avenir Heavy"/>
-              </a:rPr>
-              <a:t>Question</a:t>
-            </a:r>
-          </a:p>
-        </p:txBody>
-      </p:sp>
-      <p:sp>
-        <p:nvSpPr>
-          <p:cNvPr id="45" name="Textfeld 44"/>
-          <p:cNvSpPr txBox="1"/>
-          <p:nvPr/>
-        </p:nvSpPr>
-        <p:spPr>
-          <a:xfrm>
-            <a:off x="15675149" y="25495367"/>
-            <a:ext cx="6720935" cy="3154710"/>
-          </a:xfrm>
-          <a:prstGeom prst="rect">
-            <a:avLst/>
-          </a:prstGeom>
-          <a:noFill/>
-        </p:spPr>
-        <p:txBody>
-          <a:bodyPr wrap="square" rtlCol="0">
-            <a:spAutoFit/>
-          </a:bodyPr>
-          <a:lstStyle/>
-          <a:p>
-            <a:pPr>
-              <a:spcAft>
-                <a:spcPts val="600"/>
-              </a:spcAft>
-            </a:pPr>
-            <a:r>
-              <a:rPr lang="en-US" sz="3000" noProof="1">
-                <a:latin typeface="+mj-lt"/>
-                <a:cs typeface="Avenir Heavy"/>
-              </a:rPr>
-              <a:t>Subjects</a:t>
-            </a:r>
-            <a:endParaRPr lang="en-US" sz="3200" noProof="1">
-              <a:latin typeface="+mj-lt"/>
-              <a:cs typeface="Avenir Heavy"/>
-            </a:endParaRPr>
-          </a:p>
-          <a:p>
-            <a:pPr marL="342900" indent="-342900">
-              <a:spcAft>
-                <a:spcPts val="600"/>
-              </a:spcAft>
-              <a:buFont typeface="Arial" panose="020B0604020202020204" pitchFamily="34" charset="0"/>
-              <a:buChar char="•"/>
-            </a:pPr>
-            <a:r>
-              <a:rPr lang="en-US" sz="2400" noProof="1">
-                <a:latin typeface="+mj-lt"/>
-              </a:rPr>
-              <a:t>207 Participants via Amazon’s mechanical turk; (127 male; 76 female; 4 declined to answer) </a:t>
-            </a:r>
-          </a:p>
-          <a:p>
-            <a:pPr marL="342900" indent="-342900">
-              <a:spcAft>
-                <a:spcPts val="600"/>
-              </a:spcAft>
-              <a:buFont typeface="Arial" panose="020B0604020202020204" pitchFamily="34" charset="0"/>
-              <a:buChar char="•"/>
-            </a:pPr>
-            <a:r>
-              <a:rPr lang="en-US" sz="2400" noProof="1">
-                <a:latin typeface="+mj-lt"/>
-              </a:rPr>
-              <a:t>18-40 years old.</a:t>
-            </a:r>
-          </a:p>
-          <a:p>
-            <a:pPr marL="342900" indent="-342900">
-              <a:spcAft>
-                <a:spcPts val="600"/>
-              </a:spcAft>
-              <a:buFont typeface="Arial" panose="020B0604020202020204" pitchFamily="34" charset="0"/>
-              <a:buChar char="•"/>
-            </a:pPr>
-            <a:r>
-              <a:rPr lang="en-US" sz="2400" noProof="1">
-                <a:latin typeface="+mj-lt"/>
-              </a:rPr>
-              <a:t>133 trials (~45 minutes) </a:t>
-            </a:r>
-          </a:p>
-          <a:p>
-            <a:pPr marL="342900" indent="-342900">
-              <a:spcAft>
-                <a:spcPts val="600"/>
-              </a:spcAft>
-              <a:buFont typeface="Arial" panose="020B0604020202020204" pitchFamily="34" charset="0"/>
-              <a:buChar char="•"/>
-            </a:pPr>
-            <a:r>
-              <a:rPr lang="en-US" sz="2400" noProof="1">
-                <a:latin typeface="+mj-lt"/>
-              </a:rPr>
-              <a:t>Option to gamble on 86.39 % of trials.</a:t>
-            </a:r>
-          </a:p>
-          <a:p>
-            <a:pPr marL="342900" indent="-342900">
-              <a:spcAft>
-                <a:spcPts val="600"/>
-              </a:spcAft>
-              <a:buFont typeface="Arial" panose="020B0604020202020204" pitchFamily="34" charset="0"/>
-              <a:buChar char="•"/>
-            </a:pPr>
-            <a:r>
-              <a:rPr lang="en-US" sz="2400" noProof="1">
-                <a:latin typeface="+mj-lt"/>
-              </a:rPr>
-              <a:t>6 catch trials</a:t>
-            </a:r>
-          </a:p>
-        </p:txBody>
-      </p:sp>
-      <p:pic>
-        <p:nvPicPr>
-          <p:cNvPr id="133" name="Picture 132">
+            <a:endParaRPr lang="en-US"/>
+          </a:p>
+        </p:txBody>
+      </p:sp>
+      <p:sp>
+        <p:nvSpPr>
+          <p:cNvPr id="172" name="Rectangle 171">
             <a:extLst>
               <a:ext uri="{FF2B5EF4-FFF2-40B4-BE49-F238E27FC236}">
-                <a16:creationId xmlns:a16="http://schemas.microsoft.com/office/drawing/2014/main" id="{B549004F-08E4-EE40-8988-4A3DFC0BBF44}"/>
-              </a:ext>
-            </a:extLst>
-          </p:cNvPr>
-          <p:cNvPicPr/>
-          <p:nvPr/>
-        </p:nvPicPr>
-        <p:blipFill>
-          <a:blip r:embed="rId8"/>
-          <a:stretch>
-            <a:fillRect/>
-          </a:stretch>
-        </p:blipFill>
-        <p:spPr>
-          <a:xfrm>
-            <a:off x="4809677" y="436041"/>
-            <a:ext cx="2675313" cy="3121121"/>
-          </a:xfrm>
-          <a:prstGeom prst="rect">
-            <a:avLst/>
-          </a:prstGeom>
-        </p:spPr>
-      </p:pic>
-      <p:sp>
-        <p:nvSpPr>
-          <p:cNvPr id="112" name="TextBox 111">
-            <a:extLst>
-              <a:ext uri="{FF2B5EF4-FFF2-40B4-BE49-F238E27FC236}">
-                <a16:creationId xmlns:a16="http://schemas.microsoft.com/office/drawing/2014/main" id="{67948FF0-3E34-0240-8401-EA11A32A3D43}"/>
-              </a:ext>
-            </a:extLst>
-          </p:cNvPr>
-          <p:cNvSpPr txBox="1"/>
-          <p:nvPr/>
-        </p:nvSpPr>
-        <p:spPr>
-          <a:xfrm>
-            <a:off x="1693835" y="12545318"/>
-            <a:ext cx="407484" cy="461665"/>
-          </a:xfrm>
-          <a:prstGeom prst="rect">
-            <a:avLst/>
-          </a:prstGeom>
-          <a:noFill/>
-        </p:spPr>
-        <p:txBody>
-          <a:bodyPr wrap="none" rtlCol="0">
-            <a:spAutoFit/>
-          </a:bodyPr>
-          <a:lstStyle/>
-          <a:p>
-            <a:r>
-              <a:rPr lang="en-US" sz="2400" b="1" dirty="0">
-                <a:latin typeface="Avenir Roman" panose="02000503020000020003" pitchFamily="2" charset="0"/>
-              </a:rPr>
-              <a:t>A</a:t>
-            </a:r>
-          </a:p>
-        </p:txBody>
-      </p:sp>
-      <p:sp>
-        <p:nvSpPr>
-          <p:cNvPr id="146" name="TextBox 145">
-            <a:extLst>
-              <a:ext uri="{FF2B5EF4-FFF2-40B4-BE49-F238E27FC236}">
-                <a16:creationId xmlns:a16="http://schemas.microsoft.com/office/drawing/2014/main" id="{6004E716-F127-A94F-9B6E-A16A7A81E0A3}"/>
-              </a:ext>
-            </a:extLst>
-          </p:cNvPr>
-          <p:cNvSpPr txBox="1"/>
-          <p:nvPr/>
-        </p:nvSpPr>
-        <p:spPr>
-          <a:xfrm>
-            <a:off x="7372140" y="12569459"/>
-            <a:ext cx="407484" cy="461665"/>
-          </a:xfrm>
-          <a:prstGeom prst="rect">
-            <a:avLst/>
-          </a:prstGeom>
-          <a:noFill/>
-        </p:spPr>
-        <p:txBody>
-          <a:bodyPr wrap="square" rtlCol="0">
-            <a:spAutoFit/>
-          </a:bodyPr>
-          <a:lstStyle/>
-          <a:p>
-            <a:r>
-              <a:rPr lang="en-US" sz="2400" b="1" dirty="0">
-                <a:latin typeface="Avenir Roman" panose="02000503020000020003" pitchFamily="2" charset="0"/>
-              </a:rPr>
-              <a:t>B</a:t>
-            </a:r>
-          </a:p>
-        </p:txBody>
-      </p:sp>
-      <p:sp>
-        <p:nvSpPr>
-          <p:cNvPr id="167" name="Rectangle 166">
-            <a:extLst>
-              <a:ext uri="{FF2B5EF4-FFF2-40B4-BE49-F238E27FC236}">
-                <a16:creationId xmlns:a16="http://schemas.microsoft.com/office/drawing/2014/main" id="{C032A6DA-25D1-6C4C-A4D5-DC8C61088CE9}"/>
+                <a16:creationId xmlns:a16="http://schemas.microsoft.com/office/drawing/2014/main" id="{218FB0CF-4B0D-8E43-8145-905B9A9BE097}"/>
               </a:ext>
             </a:extLst>
           </p:cNvPr>
@@ -5397,8 +5368,8 @@
         </p:nvSpPr>
         <p:spPr>
           <a:xfrm>
-            <a:off x="22735571" y="9585443"/>
-            <a:ext cx="596081" cy="339408"/>
+            <a:off x="22956995" y="12498278"/>
+            <a:ext cx="276259" cy="433564"/>
           </a:xfrm>
           <a:prstGeom prst="rect">
             <a:avLst/>
@@ -5435,110 +5406,6 @@
           </a:p>
         </p:txBody>
       </p:sp>
-      <p:sp>
-        <p:nvSpPr>
-          <p:cNvPr id="169" name="Rectangle 168">
-            <a:extLst>
-              <a:ext uri="{FF2B5EF4-FFF2-40B4-BE49-F238E27FC236}">
-                <a16:creationId xmlns:a16="http://schemas.microsoft.com/office/drawing/2014/main" id="{5FCCD03B-F973-184F-B1B0-D50C847089BD}"/>
-              </a:ext>
-            </a:extLst>
-          </p:cNvPr>
-          <p:cNvSpPr/>
-          <p:nvPr/>
-        </p:nvSpPr>
-        <p:spPr>
-          <a:xfrm>
-            <a:off x="22459312" y="10794766"/>
-            <a:ext cx="276259" cy="433564"/>
-          </a:xfrm>
-          <a:prstGeom prst="rect">
-            <a:avLst/>
-          </a:prstGeom>
-          <a:solidFill>
-            <a:schemeClr val="bg1"/>
-          </a:solidFill>
-          <a:ln>
-            <a:noFill/>
-          </a:ln>
-        </p:spPr>
-        <p:style>
-          <a:lnRef idx="2">
-            <a:schemeClr val="accent1">
-              <a:shade val="50000"/>
-            </a:schemeClr>
-          </a:lnRef>
-          <a:fillRef idx="1">
-            <a:schemeClr val="accent1"/>
-          </a:fillRef>
-          <a:effectRef idx="0">
-            <a:schemeClr val="accent1"/>
-          </a:effectRef>
-          <a:fontRef idx="minor">
-            <a:schemeClr val="lt1"/>
-          </a:fontRef>
-        </p:style>
-        <p:txBody>
-          <a:bodyPr rtlCol="0" anchor="ctr"/>
-          <a:lstStyle/>
-          <a:p>
-            <a:pPr algn="ctr"/>
-            <a:endParaRPr lang="en-US"/>
-          </a:p>
-        </p:txBody>
-      </p:sp>
-      <p:sp>
-        <p:nvSpPr>
-          <p:cNvPr id="172" name="Rectangle 171">
-            <a:extLst>
-              <a:ext uri="{FF2B5EF4-FFF2-40B4-BE49-F238E27FC236}">
-                <a16:creationId xmlns:a16="http://schemas.microsoft.com/office/drawing/2014/main" id="{218FB0CF-4B0D-8E43-8145-905B9A9BE097}"/>
-              </a:ext>
-            </a:extLst>
-          </p:cNvPr>
-          <p:cNvSpPr/>
-          <p:nvPr/>
-        </p:nvSpPr>
-        <p:spPr>
-          <a:xfrm>
-            <a:off x="22956995" y="12498278"/>
-            <a:ext cx="276259" cy="433564"/>
-          </a:xfrm>
-          <a:prstGeom prst="rect">
-            <a:avLst/>
-          </a:prstGeom>
-          <a:solidFill>
-            <a:schemeClr val="bg1"/>
-          </a:solidFill>
-          <a:ln>
-            <a:noFill/>
-          </a:ln>
-        </p:spPr>
-        <p:style>
-          <a:lnRef idx="2">
-            <a:schemeClr val="accent1">
-              <a:shade val="50000"/>
-            </a:schemeClr>
-          </a:lnRef>
-          <a:fillRef idx="1">
-            <a:schemeClr val="accent1"/>
-          </a:fillRef>
-          <a:effectRef idx="0">
-            <a:schemeClr val="accent1"/>
-          </a:effectRef>
-          <a:fontRef idx="minor">
-            <a:schemeClr val="lt1"/>
-          </a:fontRef>
-        </p:style>
-        <p:txBody>
-          <a:bodyPr rtlCol="0" anchor="ctr"/>
-          <a:lstStyle/>
-          <a:p>
-            <a:pPr algn="ctr"/>
-            <a:endParaRPr lang="en-US"/>
-          </a:p>
-        </p:txBody>
-      </p:sp>
       <p:pic>
         <p:nvPicPr>
           <p:cNvPr id="5" name="Picture 4">
@@ -5554,7 +5421,7 @@
           <p:nvPr/>
         </p:nvPicPr>
         <p:blipFill>
-          <a:blip r:embed="rId9" cstate="print">
+          <a:blip r:embed="rId8" cstate="print">
             <a:extLst>
               <a:ext uri="{28A0092B-C50C-407E-A947-70E740481C1C}">
                 <a14:useLocalDpi xmlns:a14="http://schemas.microsoft.com/office/drawing/2010/main" val="0"/>
@@ -5567,7 +5434,7 @@
         </p:blipFill>
         <p:spPr>
           <a:xfrm>
-            <a:off x="34519934" y="1053752"/>
+            <a:off x="35085045" y="1217719"/>
             <a:ext cx="6745764" cy="2368817"/>
           </a:xfrm>
           <a:prstGeom prst="rect">
@@ -5627,7 +5494,7 @@
           <p:nvPr/>
         </p:nvPicPr>
         <p:blipFill>
-          <a:blip r:embed="rId10"/>
+          <a:blip r:embed="rId9"/>
           <a:stretch>
             <a:fillRect/>
           </a:stretch>
@@ -5749,7 +5616,7 @@
           <p:nvPr/>
         </p:nvPicPr>
         <p:blipFill>
-          <a:blip r:embed="rId11"/>
+          <a:blip r:embed="rId10"/>
           <a:stretch>
             <a:fillRect/>
           </a:stretch>
@@ -5779,7 +5646,7 @@
           <p:nvPr/>
         </p:nvPicPr>
         <p:blipFill>
-          <a:blip r:embed="rId12"/>
+          <a:blip r:embed="rId11"/>
           <a:stretch>
             <a:fillRect/>
           </a:stretch>
@@ -5918,13 +5785,13 @@
           <p:nvPr>
             <p:extLst>
               <p:ext uri="{D42A27DB-BD31-4B8C-83A1-F6EECF244321}">
-                <p14:modId xmlns:p14="http://schemas.microsoft.com/office/powerpoint/2010/main" val="1332071347"/>
+                <p14:modId xmlns:p14="http://schemas.microsoft.com/office/powerpoint/2010/main" val="3554908949"/>
               </p:ext>
             </p:extLst>
           </p:nvPr>
         </p:nvGraphicFramePr>
         <p:xfrm>
-          <a:off x="2205836" y="24894175"/>
+          <a:off x="1669593" y="25363250"/>
           <a:ext cx="7676624" cy="2846187"/>
         </p:xfrm>
         <a:graphic>
@@ -6164,7 +6031,7 @@
         </p:nvSpPr>
         <p:spPr>
           <a:xfrm>
-            <a:off x="2436746" y="23924845"/>
+            <a:off x="1900503" y="24393920"/>
             <a:ext cx="3518792" cy="830997"/>
           </a:xfrm>
           <a:prstGeom prst="rect">
@@ -6207,7 +6074,7 @@
         </p:nvSpPr>
         <p:spPr>
           <a:xfrm>
-            <a:off x="1221822" y="25132417"/>
+            <a:off x="685579" y="25601492"/>
             <a:ext cx="731015" cy="461665"/>
           </a:xfrm>
           <a:prstGeom prst="rect">
@@ -6250,7 +6117,7 @@
         </p:nvSpPr>
         <p:spPr>
           <a:xfrm>
-            <a:off x="1221823" y="26057133"/>
+            <a:off x="685580" y="26526208"/>
             <a:ext cx="731015" cy="461665"/>
           </a:xfrm>
           <a:prstGeom prst="rect">
@@ -6293,7 +6160,7 @@
         </p:nvSpPr>
         <p:spPr>
           <a:xfrm>
-            <a:off x="1219226" y="27150274"/>
+            <a:off x="682983" y="27619349"/>
             <a:ext cx="882093" cy="461665"/>
           </a:xfrm>
           <a:prstGeom prst="rect">
@@ -6510,7 +6377,7 @@
             <p:nvPr/>
           </p:nvPicPr>
           <p:blipFill>
-            <a:blip r:embed="rId13"/>
+            <a:blip r:embed="rId12"/>
             <a:stretch>
               <a:fillRect/>
             </a:stretch>
@@ -6606,7 +6473,7 @@
             <p:nvPr/>
           </p:nvPicPr>
           <p:blipFill>
-            <a:blip r:embed="rId14"/>
+            <a:blip r:embed="rId13"/>
             <a:stretch>
               <a:fillRect/>
             </a:stretch>
@@ -6702,7 +6569,7 @@
             <p:nvPr/>
           </p:nvPicPr>
           <p:blipFill>
-            <a:blip r:embed="rId15"/>
+            <a:blip r:embed="rId14"/>
             <a:stretch>
               <a:fillRect/>
             </a:stretch>
@@ -6943,7 +6810,7 @@
           <p:nvPr/>
         </p:nvPicPr>
         <p:blipFill>
-          <a:blip r:embed="rId16">
+          <a:blip r:embed="rId15">
             <a:extLst>
               <a:ext uri="{28A0092B-C50C-407E-A947-70E740481C1C}">
                 <a14:useLocalDpi xmlns:a14="http://schemas.microsoft.com/office/drawing/2010/main" val="0"/>
@@ -6999,7 +6866,7 @@
             <p:nvPr/>
           </p:nvPicPr>
           <p:blipFill>
-            <a:blip r:embed="rId17"/>
+            <a:blip r:embed="rId16"/>
             <a:stretch>
               <a:fillRect/>
             </a:stretch>
@@ -7139,7 +7006,7 @@
                 <a:latin typeface="+mj-lt"/>
                 <a:cs typeface="Avenir Heavy"/>
               </a:rPr>
-              <a:t>Participants who passed all the catch trials (n=58)</a:t>
+              <a:t>Participants who passed all the catch trials (n=53)</a:t>
             </a:r>
             <a:endParaRPr lang="en-US" sz="3200" noProof="1">
               <a:latin typeface="+mj-lt"/>
@@ -7186,7 +7053,7 @@
                 <a:latin typeface="+mj-lt"/>
                 <a:cs typeface="Avenir Heavy"/>
               </a:rPr>
-              <a:t>Participants who failed at least one catch trial (n=82)</a:t>
+              <a:t>Participants who failed at least one catch trial (n=87)</a:t>
             </a:r>
             <a:endParaRPr lang="en-US" sz="3200" noProof="1">
               <a:latin typeface="+mj-lt"/>
@@ -7242,366 +7109,6 @@
           </a:p>
         </p:txBody>
       </p:sp>
-      <p:pic>
-        <p:nvPicPr>
-          <p:cNvPr id="23" name="Picture 22">
-            <a:extLst>
-              <a:ext uri="{FF2B5EF4-FFF2-40B4-BE49-F238E27FC236}">
-                <a16:creationId xmlns:a16="http://schemas.microsoft.com/office/drawing/2014/main" id="{3A04715D-CB9C-4D4D-8F29-18B3DA8F6D7F}"/>
-              </a:ext>
-            </a:extLst>
-          </p:cNvPr>
-          <p:cNvPicPr>
-            <a:picLocks noChangeAspect="1"/>
-          </p:cNvPicPr>
-          <p:nvPr/>
-        </p:nvPicPr>
-        <p:blipFill>
-          <a:blip r:embed="rId18"/>
-          <a:stretch>
-            <a:fillRect/>
-          </a:stretch>
-        </p:blipFill>
-        <p:spPr>
-          <a:xfrm>
-            <a:off x="33291961" y="5680937"/>
-            <a:ext cx="4888472" cy="3213357"/>
-          </a:xfrm>
-          <a:prstGeom prst="rect">
-            <a:avLst/>
-          </a:prstGeom>
-        </p:spPr>
-      </p:pic>
-      <p:pic>
-        <p:nvPicPr>
-          <p:cNvPr id="31" name="Picture 30">
-            <a:extLst>
-              <a:ext uri="{FF2B5EF4-FFF2-40B4-BE49-F238E27FC236}">
-                <a16:creationId xmlns:a16="http://schemas.microsoft.com/office/drawing/2014/main" id="{1E70712B-D465-4D42-8B5B-782D17293E10}"/>
-              </a:ext>
-            </a:extLst>
-          </p:cNvPr>
-          <p:cNvPicPr>
-            <a:picLocks noChangeAspect="1"/>
-          </p:cNvPicPr>
-          <p:nvPr/>
-        </p:nvPicPr>
-        <p:blipFill>
-          <a:blip r:embed="rId19"/>
-          <a:stretch>
-            <a:fillRect/>
-          </a:stretch>
-        </p:blipFill>
-        <p:spPr>
-          <a:xfrm>
-            <a:off x="21849089" y="5410640"/>
-            <a:ext cx="5814874" cy="3822310"/>
-          </a:xfrm>
-          <a:prstGeom prst="rect">
-            <a:avLst/>
-          </a:prstGeom>
-        </p:spPr>
-      </p:pic>
-      <p:pic>
-        <p:nvPicPr>
-          <p:cNvPr id="33" name="Picture 32">
-            <a:extLst>
-              <a:ext uri="{FF2B5EF4-FFF2-40B4-BE49-F238E27FC236}">
-                <a16:creationId xmlns:a16="http://schemas.microsoft.com/office/drawing/2014/main" id="{200420A8-17DA-4B2E-BC71-E0B21CFD21AD}"/>
-              </a:ext>
-            </a:extLst>
-          </p:cNvPr>
-          <p:cNvPicPr>
-            <a:picLocks noChangeAspect="1"/>
-          </p:cNvPicPr>
-          <p:nvPr/>
-        </p:nvPicPr>
-        <p:blipFill>
-          <a:blip r:embed="rId20"/>
-          <a:stretch>
-            <a:fillRect/>
-          </a:stretch>
-        </p:blipFill>
-        <p:spPr>
-          <a:xfrm>
-            <a:off x="27821322" y="5399122"/>
-            <a:ext cx="5812545" cy="3820780"/>
-          </a:xfrm>
-          <a:prstGeom prst="rect">
-            <a:avLst/>
-          </a:prstGeom>
-        </p:spPr>
-      </p:pic>
-      <p:pic>
-        <p:nvPicPr>
-          <p:cNvPr id="34" name="Picture 33">
-            <a:extLst>
-              <a:ext uri="{FF2B5EF4-FFF2-40B4-BE49-F238E27FC236}">
-                <a16:creationId xmlns:a16="http://schemas.microsoft.com/office/drawing/2014/main" id="{04B3C686-B33A-4851-9E13-6E8369D247D3}"/>
-              </a:ext>
-            </a:extLst>
-          </p:cNvPr>
-          <p:cNvPicPr>
-            <a:picLocks noChangeAspect="1"/>
-          </p:cNvPicPr>
-          <p:nvPr/>
-        </p:nvPicPr>
-        <p:blipFill>
-          <a:blip r:embed="rId21"/>
-          <a:stretch>
-            <a:fillRect/>
-          </a:stretch>
-        </p:blipFill>
-        <p:spPr>
-          <a:xfrm>
-            <a:off x="22227683" y="10397425"/>
-            <a:ext cx="5946485" cy="3908823"/>
-          </a:xfrm>
-          <a:prstGeom prst="rect">
-            <a:avLst/>
-          </a:prstGeom>
-        </p:spPr>
-      </p:pic>
-      <p:pic>
-        <p:nvPicPr>
-          <p:cNvPr id="35" name="Picture 34">
-            <a:extLst>
-              <a:ext uri="{FF2B5EF4-FFF2-40B4-BE49-F238E27FC236}">
-                <a16:creationId xmlns:a16="http://schemas.microsoft.com/office/drawing/2014/main" id="{8B069EA2-BA63-4DB4-BF11-263BB089CCF5}"/>
-              </a:ext>
-            </a:extLst>
-          </p:cNvPr>
-          <p:cNvPicPr>
-            <a:picLocks noChangeAspect="1"/>
-          </p:cNvPicPr>
-          <p:nvPr/>
-        </p:nvPicPr>
-        <p:blipFill>
-          <a:blip r:embed="rId22"/>
-          <a:stretch>
-            <a:fillRect/>
-          </a:stretch>
-        </p:blipFill>
-        <p:spPr>
-          <a:xfrm>
-            <a:off x="28254483" y="10314570"/>
-            <a:ext cx="6198577" cy="4074532"/>
-          </a:xfrm>
-          <a:prstGeom prst="rect">
-            <a:avLst/>
-          </a:prstGeom>
-        </p:spPr>
-      </p:pic>
-      <p:pic>
-        <p:nvPicPr>
-          <p:cNvPr id="37" name="Picture 36">
-            <a:extLst>
-              <a:ext uri="{FF2B5EF4-FFF2-40B4-BE49-F238E27FC236}">
-                <a16:creationId xmlns:a16="http://schemas.microsoft.com/office/drawing/2014/main" id="{6FA27C94-760A-49A6-B4A4-318A3EFEA62C}"/>
-              </a:ext>
-            </a:extLst>
-          </p:cNvPr>
-          <p:cNvPicPr>
-            <a:picLocks noChangeAspect="1"/>
-          </p:cNvPicPr>
-          <p:nvPr/>
-        </p:nvPicPr>
-        <p:blipFill>
-          <a:blip r:embed="rId23"/>
-          <a:stretch>
-            <a:fillRect/>
-          </a:stretch>
-        </p:blipFill>
-        <p:spPr>
-          <a:xfrm>
-            <a:off x="22455623" y="16289691"/>
-            <a:ext cx="6040755" cy="3970789"/>
-          </a:xfrm>
-          <a:prstGeom prst="rect">
-            <a:avLst/>
-          </a:prstGeom>
-        </p:spPr>
-      </p:pic>
-      <p:pic>
-        <p:nvPicPr>
-          <p:cNvPr id="38" name="Picture 37">
-            <a:extLst>
-              <a:ext uri="{FF2B5EF4-FFF2-40B4-BE49-F238E27FC236}">
-                <a16:creationId xmlns:a16="http://schemas.microsoft.com/office/drawing/2014/main" id="{2FB5A567-3B50-4ED9-9185-3794C5473F2F}"/>
-              </a:ext>
-            </a:extLst>
-          </p:cNvPr>
-          <p:cNvPicPr>
-            <a:picLocks noChangeAspect="1"/>
-          </p:cNvPicPr>
-          <p:nvPr/>
-        </p:nvPicPr>
-        <p:blipFill>
-          <a:blip r:embed="rId24"/>
-          <a:stretch>
-            <a:fillRect/>
-          </a:stretch>
-        </p:blipFill>
-        <p:spPr>
-          <a:xfrm>
-            <a:off x="28280757" y="16301848"/>
-            <a:ext cx="5908369" cy="3883768"/>
-          </a:xfrm>
-          <a:prstGeom prst="rect">
-            <a:avLst/>
-          </a:prstGeom>
-        </p:spPr>
-      </p:pic>
-      <p:pic>
-        <p:nvPicPr>
-          <p:cNvPr id="10" name="Picture 9">
-            <a:extLst>
-              <a:ext uri="{FF2B5EF4-FFF2-40B4-BE49-F238E27FC236}">
-                <a16:creationId xmlns:a16="http://schemas.microsoft.com/office/drawing/2014/main" id="{2094A08A-0EE4-4C88-966C-046A93411DB3}"/>
-              </a:ext>
-            </a:extLst>
-          </p:cNvPr>
-          <p:cNvPicPr>
-            <a:picLocks noChangeAspect="1"/>
-          </p:cNvPicPr>
-          <p:nvPr/>
-        </p:nvPicPr>
-        <p:blipFill>
-          <a:blip r:embed="rId25"/>
-          <a:stretch>
-            <a:fillRect/>
-          </a:stretch>
-        </p:blipFill>
-        <p:spPr>
-          <a:xfrm>
-            <a:off x="34834876" y="12381123"/>
-            <a:ext cx="2977050" cy="2180419"/>
-          </a:xfrm>
-          <a:prstGeom prst="rect">
-            <a:avLst/>
-          </a:prstGeom>
-        </p:spPr>
-      </p:pic>
-      <p:pic>
-        <p:nvPicPr>
-          <p:cNvPr id="18" name="Picture 17">
-            <a:extLst>
-              <a:ext uri="{FF2B5EF4-FFF2-40B4-BE49-F238E27FC236}">
-                <a16:creationId xmlns:a16="http://schemas.microsoft.com/office/drawing/2014/main" id="{4AC8E408-1702-4D58-955B-29FF2DE453A5}"/>
-              </a:ext>
-            </a:extLst>
-          </p:cNvPr>
-          <p:cNvPicPr>
-            <a:picLocks noChangeAspect="1"/>
-          </p:cNvPicPr>
-          <p:nvPr/>
-        </p:nvPicPr>
-        <p:blipFill>
-          <a:blip r:embed="rId26"/>
-          <a:stretch>
-            <a:fillRect/>
-          </a:stretch>
-        </p:blipFill>
-        <p:spPr>
-          <a:xfrm>
-            <a:off x="38447024" y="12381123"/>
-            <a:ext cx="2977050" cy="2180419"/>
-          </a:xfrm>
-          <a:prstGeom prst="rect">
-            <a:avLst/>
-          </a:prstGeom>
-        </p:spPr>
-      </p:pic>
-      <p:pic>
-        <p:nvPicPr>
-          <p:cNvPr id="19" name="Picture 18">
-            <a:extLst>
-              <a:ext uri="{FF2B5EF4-FFF2-40B4-BE49-F238E27FC236}">
-                <a16:creationId xmlns:a16="http://schemas.microsoft.com/office/drawing/2014/main" id="{9D5B5D7F-F711-488D-9D35-3C4D3DECAEE3}"/>
-              </a:ext>
-            </a:extLst>
-          </p:cNvPr>
-          <p:cNvPicPr>
-            <a:picLocks noChangeAspect="1"/>
-          </p:cNvPicPr>
-          <p:nvPr/>
-        </p:nvPicPr>
-        <p:blipFill>
-          <a:blip r:embed="rId27"/>
-          <a:stretch>
-            <a:fillRect/>
-          </a:stretch>
-        </p:blipFill>
-        <p:spPr>
-          <a:xfrm>
-            <a:off x="34744651" y="17964923"/>
-            <a:ext cx="2977051" cy="2180420"/>
-          </a:xfrm>
-          <a:prstGeom prst="rect">
-            <a:avLst/>
-          </a:prstGeom>
-        </p:spPr>
-      </p:pic>
-      <p:pic>
-        <p:nvPicPr>
-          <p:cNvPr id="21" name="Picture 20">
-            <a:extLst>
-              <a:ext uri="{FF2B5EF4-FFF2-40B4-BE49-F238E27FC236}">
-                <a16:creationId xmlns:a16="http://schemas.microsoft.com/office/drawing/2014/main" id="{6BA230C1-1DA9-42FC-9579-2AEA8505F46B}"/>
-              </a:ext>
-            </a:extLst>
-          </p:cNvPr>
-          <p:cNvPicPr>
-            <a:picLocks noChangeAspect="1"/>
-          </p:cNvPicPr>
-          <p:nvPr/>
-        </p:nvPicPr>
-        <p:blipFill>
-          <a:blip r:embed="rId28"/>
-          <a:stretch>
-            <a:fillRect/>
-          </a:stretch>
-        </p:blipFill>
-        <p:spPr>
-          <a:xfrm>
-            <a:off x="38447024" y="18048754"/>
-            <a:ext cx="2862592" cy="2096589"/>
-          </a:xfrm>
-          <a:prstGeom prst="rect">
-            <a:avLst/>
-          </a:prstGeom>
-        </p:spPr>
-      </p:pic>
-      <p:pic>
-        <p:nvPicPr>
-          <p:cNvPr id="22" name="Picture 21">
-            <a:extLst>
-              <a:ext uri="{FF2B5EF4-FFF2-40B4-BE49-F238E27FC236}">
-                <a16:creationId xmlns:a16="http://schemas.microsoft.com/office/drawing/2014/main" id="{8F207C7A-B647-4272-9B33-0B88CAB5E332}"/>
-              </a:ext>
-            </a:extLst>
-          </p:cNvPr>
-          <p:cNvPicPr>
-            <a:picLocks noChangeAspect="1"/>
-          </p:cNvPicPr>
-          <p:nvPr/>
-        </p:nvPicPr>
-        <p:blipFill>
-          <a:blip r:embed="rId29"/>
-          <a:stretch>
-            <a:fillRect/>
-          </a:stretch>
-        </p:blipFill>
-        <p:spPr>
-          <a:xfrm>
-            <a:off x="34801743" y="15446099"/>
-            <a:ext cx="2862865" cy="2096789"/>
-          </a:xfrm>
-          <a:prstGeom prst="rect">
-            <a:avLst/>
-          </a:prstGeom>
-        </p:spPr>
-      </p:pic>
       <p:pic>
         <p:nvPicPr>
           <p:cNvPr id="24" name="Picture 23">
@@ -7617,45 +7124,15 @@
           <p:nvPr/>
         </p:nvPicPr>
         <p:blipFill>
-          <a:blip r:embed="rId30"/>
+          <a:blip r:embed="rId17"/>
           <a:stretch>
             <a:fillRect/>
           </a:stretch>
         </p:blipFill>
         <p:spPr>
           <a:xfrm>
-            <a:off x="38486908" y="15540337"/>
+            <a:off x="23592167" y="16309070"/>
             <a:ext cx="2584382" cy="1892826"/>
-          </a:xfrm>
-          <a:prstGeom prst="rect">
-            <a:avLst/>
-          </a:prstGeom>
-        </p:spPr>
-      </p:pic>
-      <p:pic>
-        <p:nvPicPr>
-          <p:cNvPr id="25" name="Picture 24">
-            <a:extLst>
-              <a:ext uri="{FF2B5EF4-FFF2-40B4-BE49-F238E27FC236}">
-                <a16:creationId xmlns:a16="http://schemas.microsoft.com/office/drawing/2014/main" id="{4A72CFC6-E939-4E4B-A6D8-0E7910971772}"/>
-              </a:ext>
-            </a:extLst>
-          </p:cNvPr>
-          <p:cNvPicPr>
-            <a:picLocks noChangeAspect="1"/>
-          </p:cNvPicPr>
-          <p:nvPr/>
-        </p:nvPicPr>
-        <p:blipFill>
-          <a:blip r:embed="rId31"/>
-          <a:stretch>
-            <a:fillRect/>
-          </a:stretch>
-        </p:blipFill>
-        <p:spPr>
-          <a:xfrm>
-            <a:off x="34834876" y="10099475"/>
-            <a:ext cx="2616402" cy="1916277"/>
           </a:xfrm>
           <a:prstGeom prst="rect">
             <a:avLst/>
@@ -7677,14 +7154,14 @@
           <p:nvPr/>
         </p:nvPicPr>
         <p:blipFill>
-          <a:blip r:embed="rId32"/>
+          <a:blip r:embed="rId18"/>
           <a:stretch>
             <a:fillRect/>
           </a:stretch>
         </p:blipFill>
         <p:spPr>
           <a:xfrm>
-            <a:off x="38447024" y="10227503"/>
+            <a:off x="23309703" y="10877838"/>
             <a:ext cx="2651889" cy="1942268"/>
           </a:xfrm>
           <a:prstGeom prst="rect">
@@ -7706,7 +7183,7 @@
         </p:nvSpPr>
         <p:spPr>
           <a:xfrm>
-            <a:off x="22189147" y="21564476"/>
+            <a:off x="22457947" y="21723585"/>
             <a:ext cx="19253053" cy="4862870"/>
           </a:xfrm>
           <a:prstGeom prst="rect">
@@ -7752,7 +7229,7 @@
               <a:rPr lang="en-US" sz="2600" noProof="1">
                 <a:latin typeface="+mj-lt"/>
               </a:rPr>
-              <a:t>Magnitude had no effect on driving the propensity  to gamble but a higher value gamble increased a participant’s propensity to gamble. This effect was strongest in individuals who passed all catch trials. </a:t>
+              <a:t>Magnitude had no effect on driving the propensity to gamble but a higher value gamble increased a participant’s propensity to gamble. This effect was strongest in individuals who passed all catch trials but did not vary as gamble interruption increased.</a:t>
             </a:r>
           </a:p>
           <a:p>
@@ -7776,601 +7253,13 @@
               <a:rPr lang="en-US" sz="2600" noProof="1">
                 <a:latin typeface="+mj-lt"/>
               </a:rPr>
-              <a:t>These pilot data are consistent with the theory that DA dynamics affect how humans calculate the value of an acion and that the value of such a calculation may shift as a promixity to a reward.</a:t>
+              <a:t>These pilot data are consistent with the theory that DA dynamics affect how humans calculate the value of an acion and that the value of such a calculation may shift as a promixity to a reward. </a:t>
             </a:r>
           </a:p>
           <a:p>
             <a:endParaRPr lang="en-US" sz="2400" noProof="1">
               <a:latin typeface="+mj-lt"/>
             </a:endParaRPr>
-          </a:p>
-        </p:txBody>
-      </p:sp>
-      <p:cxnSp>
-        <p:nvCxnSpPr>
-          <p:cNvPr id="9" name="Straight Connector 8">
-            <a:extLst>
-              <a:ext uri="{FF2B5EF4-FFF2-40B4-BE49-F238E27FC236}">
-                <a16:creationId xmlns:a16="http://schemas.microsoft.com/office/drawing/2014/main" id="{11FABEF1-8127-4094-B4B6-3D2E039F9C23}"/>
-              </a:ext>
-            </a:extLst>
-          </p:cNvPr>
-          <p:cNvCxnSpPr>
-            <a:cxnSpLocks/>
-          </p:cNvCxnSpPr>
-          <p:nvPr/>
-        </p:nvCxnSpPr>
-        <p:spPr>
-          <a:xfrm flipV="1">
-            <a:off x="39470892" y="7352529"/>
-            <a:ext cx="0" cy="415631"/>
-          </a:xfrm>
-          <a:prstGeom prst="line">
-            <a:avLst/>
-          </a:prstGeom>
-        </p:spPr>
-        <p:style>
-          <a:lnRef idx="1">
-            <a:schemeClr val="accent1"/>
-          </a:lnRef>
-          <a:fillRef idx="0">
-            <a:schemeClr val="accent1"/>
-          </a:fillRef>
-          <a:effectRef idx="0">
-            <a:schemeClr val="accent1"/>
-          </a:effectRef>
-          <a:fontRef idx="minor">
-            <a:schemeClr val="tx1"/>
-          </a:fontRef>
-        </p:style>
-      </p:cxnSp>
-      <p:cxnSp>
-        <p:nvCxnSpPr>
-          <p:cNvPr id="97" name="Straight Connector 96">
-            <a:extLst>
-              <a:ext uri="{FF2B5EF4-FFF2-40B4-BE49-F238E27FC236}">
-                <a16:creationId xmlns:a16="http://schemas.microsoft.com/office/drawing/2014/main" id="{3947E943-9492-4B59-9EBE-6DA30AF59CB6}"/>
-              </a:ext>
-            </a:extLst>
-          </p:cNvPr>
-          <p:cNvCxnSpPr/>
-          <p:nvPr/>
-        </p:nvCxnSpPr>
-        <p:spPr>
-          <a:xfrm flipV="1">
-            <a:off x="40275877" y="7352529"/>
-            <a:ext cx="0" cy="285640"/>
-          </a:xfrm>
-          <a:prstGeom prst="line">
-            <a:avLst/>
-          </a:prstGeom>
-        </p:spPr>
-        <p:style>
-          <a:lnRef idx="1">
-            <a:schemeClr val="accent1"/>
-          </a:lnRef>
-          <a:fillRef idx="0">
-            <a:schemeClr val="accent1"/>
-          </a:fillRef>
-          <a:effectRef idx="0">
-            <a:schemeClr val="accent1"/>
-          </a:effectRef>
-          <a:fontRef idx="minor">
-            <a:schemeClr val="tx1"/>
-          </a:fontRef>
-        </p:style>
-      </p:cxnSp>
-      <p:cxnSp>
-        <p:nvCxnSpPr>
-          <p:cNvPr id="17" name="Straight Connector 16">
-            <a:extLst>
-              <a:ext uri="{FF2B5EF4-FFF2-40B4-BE49-F238E27FC236}">
-                <a16:creationId xmlns:a16="http://schemas.microsoft.com/office/drawing/2014/main" id="{7C95F683-E0F5-4980-96BF-67256B6AB12D}"/>
-              </a:ext>
-            </a:extLst>
-          </p:cNvPr>
-          <p:cNvCxnSpPr/>
-          <p:nvPr/>
-        </p:nvCxnSpPr>
-        <p:spPr>
-          <a:xfrm>
-            <a:off x="39470892" y="7340243"/>
-            <a:ext cx="811871" cy="12286"/>
-          </a:xfrm>
-          <a:prstGeom prst="line">
-            <a:avLst/>
-          </a:prstGeom>
-        </p:spPr>
-        <p:style>
-          <a:lnRef idx="1">
-            <a:schemeClr val="accent1"/>
-          </a:lnRef>
-          <a:fillRef idx="0">
-            <a:schemeClr val="accent1"/>
-          </a:fillRef>
-          <a:effectRef idx="0">
-            <a:schemeClr val="accent1"/>
-          </a:effectRef>
-          <a:fontRef idx="minor">
-            <a:schemeClr val="tx1"/>
-          </a:fontRef>
-        </p:style>
-      </p:cxnSp>
-      <p:cxnSp>
-        <p:nvCxnSpPr>
-          <p:cNvPr id="98" name="Straight Connector 97">
-            <a:extLst>
-              <a:ext uri="{FF2B5EF4-FFF2-40B4-BE49-F238E27FC236}">
-                <a16:creationId xmlns:a16="http://schemas.microsoft.com/office/drawing/2014/main" id="{11AFA311-3FF1-48B4-B2DB-C31A27D55CF2}"/>
-              </a:ext>
-            </a:extLst>
-          </p:cNvPr>
-          <p:cNvCxnSpPr>
-            <a:cxnSpLocks/>
-          </p:cNvCxnSpPr>
-          <p:nvPr/>
-        </p:nvCxnSpPr>
-        <p:spPr>
-          <a:xfrm flipV="1">
-            <a:off x="40420161" y="7052702"/>
-            <a:ext cx="0" cy="585467"/>
-          </a:xfrm>
-          <a:prstGeom prst="line">
-            <a:avLst/>
-          </a:prstGeom>
-        </p:spPr>
-        <p:style>
-          <a:lnRef idx="1">
-            <a:schemeClr val="accent1"/>
-          </a:lnRef>
-          <a:fillRef idx="0">
-            <a:schemeClr val="accent1"/>
-          </a:fillRef>
-          <a:effectRef idx="0">
-            <a:schemeClr val="accent1"/>
-          </a:effectRef>
-          <a:fontRef idx="minor">
-            <a:schemeClr val="tx1"/>
-          </a:fontRef>
-        </p:style>
-      </p:cxnSp>
-      <p:cxnSp>
-        <p:nvCxnSpPr>
-          <p:cNvPr id="99" name="Straight Connector 98">
-            <a:extLst>
-              <a:ext uri="{FF2B5EF4-FFF2-40B4-BE49-F238E27FC236}">
-                <a16:creationId xmlns:a16="http://schemas.microsoft.com/office/drawing/2014/main" id="{B1BFB1A1-189B-4474-8EB8-27AEC07ABBAB}"/>
-              </a:ext>
-            </a:extLst>
-          </p:cNvPr>
-          <p:cNvCxnSpPr>
-            <a:cxnSpLocks/>
-          </p:cNvCxnSpPr>
-          <p:nvPr/>
-        </p:nvCxnSpPr>
-        <p:spPr>
-          <a:xfrm flipV="1">
-            <a:off x="41225146" y="7052701"/>
-            <a:ext cx="0" cy="136307"/>
-          </a:xfrm>
-          <a:prstGeom prst="line">
-            <a:avLst/>
-          </a:prstGeom>
-        </p:spPr>
-        <p:style>
-          <a:lnRef idx="1">
-            <a:schemeClr val="accent1"/>
-          </a:lnRef>
-          <a:fillRef idx="0">
-            <a:schemeClr val="accent1"/>
-          </a:fillRef>
-          <a:effectRef idx="0">
-            <a:schemeClr val="accent1"/>
-          </a:effectRef>
-          <a:fontRef idx="minor">
-            <a:schemeClr val="tx1"/>
-          </a:fontRef>
-        </p:style>
-      </p:cxnSp>
-      <p:cxnSp>
-        <p:nvCxnSpPr>
-          <p:cNvPr id="102" name="Straight Connector 101">
-            <a:extLst>
-              <a:ext uri="{FF2B5EF4-FFF2-40B4-BE49-F238E27FC236}">
-                <a16:creationId xmlns:a16="http://schemas.microsoft.com/office/drawing/2014/main" id="{A239271E-B6D1-4C6F-BFEC-30E051723C86}"/>
-              </a:ext>
-            </a:extLst>
-          </p:cNvPr>
-          <p:cNvCxnSpPr>
-            <a:cxnSpLocks/>
-          </p:cNvCxnSpPr>
-          <p:nvPr/>
-        </p:nvCxnSpPr>
-        <p:spPr>
-          <a:xfrm>
-            <a:off x="40420161" y="7040415"/>
-            <a:ext cx="811871" cy="12286"/>
-          </a:xfrm>
-          <a:prstGeom prst="line">
-            <a:avLst/>
-          </a:prstGeom>
-        </p:spPr>
-        <p:style>
-          <a:lnRef idx="1">
-            <a:schemeClr val="accent1"/>
-          </a:lnRef>
-          <a:fillRef idx="0">
-            <a:schemeClr val="accent1"/>
-          </a:fillRef>
-          <a:effectRef idx="0">
-            <a:schemeClr val="accent1"/>
-          </a:effectRef>
-          <a:fontRef idx="minor">
-            <a:schemeClr val="tx1"/>
-          </a:fontRef>
-        </p:style>
-      </p:cxnSp>
-      <p:sp>
-        <p:nvSpPr>
-          <p:cNvPr id="40" name="TextBox 39">
-            <a:extLst>
-              <a:ext uri="{FF2B5EF4-FFF2-40B4-BE49-F238E27FC236}">
-                <a16:creationId xmlns:a16="http://schemas.microsoft.com/office/drawing/2014/main" id="{DFAB4DC5-330D-4975-B2C9-2D65A0ECABAE}"/>
-              </a:ext>
-            </a:extLst>
-          </p:cNvPr>
-          <p:cNvSpPr txBox="1"/>
-          <p:nvPr/>
-        </p:nvSpPr>
-        <p:spPr>
-          <a:xfrm>
-            <a:off x="39734138" y="7300074"/>
-            <a:ext cx="274434" cy="307777"/>
-          </a:xfrm>
-          <a:prstGeom prst="rect">
-            <a:avLst/>
-          </a:prstGeom>
-          <a:noFill/>
-        </p:spPr>
-        <p:txBody>
-          <a:bodyPr wrap="none" rtlCol="0">
-            <a:spAutoFit/>
-          </a:bodyPr>
-          <a:lstStyle/>
-          <a:p>
-            <a:r>
-              <a:rPr lang="en-US" sz="1400" dirty="0"/>
-              <a:t>*</a:t>
-            </a:r>
-          </a:p>
-        </p:txBody>
-      </p:sp>
-      <p:sp>
-        <p:nvSpPr>
-          <p:cNvPr id="103" name="TextBox 102">
-            <a:extLst>
-              <a:ext uri="{FF2B5EF4-FFF2-40B4-BE49-F238E27FC236}">
-                <a16:creationId xmlns:a16="http://schemas.microsoft.com/office/drawing/2014/main" id="{81FBAFC1-DEC9-4B71-BD55-6F7DA0D3A7B4}"/>
-              </a:ext>
-            </a:extLst>
-          </p:cNvPr>
-          <p:cNvSpPr txBox="1"/>
-          <p:nvPr/>
-        </p:nvSpPr>
-        <p:spPr>
-          <a:xfrm>
-            <a:off x="40675574" y="6999329"/>
-            <a:ext cx="274434" cy="307777"/>
-          </a:xfrm>
-          <a:prstGeom prst="rect">
-            <a:avLst/>
-          </a:prstGeom>
-          <a:noFill/>
-        </p:spPr>
-        <p:txBody>
-          <a:bodyPr wrap="none" rtlCol="0">
-            <a:spAutoFit/>
-          </a:bodyPr>
-          <a:lstStyle/>
-          <a:p>
-            <a:r>
-              <a:rPr lang="en-US" sz="1400" dirty="0"/>
-              <a:t>*</a:t>
-            </a:r>
-          </a:p>
-        </p:txBody>
-      </p:sp>
-      <p:cxnSp>
-        <p:nvCxnSpPr>
-          <p:cNvPr id="104" name="Straight Connector 103">
-            <a:extLst>
-              <a:ext uri="{FF2B5EF4-FFF2-40B4-BE49-F238E27FC236}">
-                <a16:creationId xmlns:a16="http://schemas.microsoft.com/office/drawing/2014/main" id="{3294409D-C592-498F-91DC-26668C6E448F}"/>
-              </a:ext>
-            </a:extLst>
-          </p:cNvPr>
-          <p:cNvCxnSpPr>
-            <a:cxnSpLocks/>
-          </p:cNvCxnSpPr>
-          <p:nvPr/>
-        </p:nvCxnSpPr>
-        <p:spPr>
-          <a:xfrm flipV="1">
-            <a:off x="39034913" y="10608869"/>
-            <a:ext cx="0" cy="415631"/>
-          </a:xfrm>
-          <a:prstGeom prst="line">
-            <a:avLst/>
-          </a:prstGeom>
-        </p:spPr>
-        <p:style>
-          <a:lnRef idx="1">
-            <a:schemeClr val="accent1"/>
-          </a:lnRef>
-          <a:fillRef idx="0">
-            <a:schemeClr val="accent1"/>
-          </a:fillRef>
-          <a:effectRef idx="0">
-            <a:schemeClr val="accent1"/>
-          </a:effectRef>
-          <a:fontRef idx="minor">
-            <a:schemeClr val="tx1"/>
-          </a:fontRef>
-        </p:style>
-      </p:cxnSp>
-      <p:cxnSp>
-        <p:nvCxnSpPr>
-          <p:cNvPr id="105" name="Straight Connector 104">
-            <a:extLst>
-              <a:ext uri="{FF2B5EF4-FFF2-40B4-BE49-F238E27FC236}">
-                <a16:creationId xmlns:a16="http://schemas.microsoft.com/office/drawing/2014/main" id="{2E6647E2-45FB-48CF-8952-1244E81F996C}"/>
-              </a:ext>
-            </a:extLst>
-          </p:cNvPr>
-          <p:cNvCxnSpPr/>
-          <p:nvPr/>
-        </p:nvCxnSpPr>
-        <p:spPr>
-          <a:xfrm flipV="1">
-            <a:off x="39839898" y="10608869"/>
-            <a:ext cx="0" cy="285640"/>
-          </a:xfrm>
-          <a:prstGeom prst="line">
-            <a:avLst/>
-          </a:prstGeom>
-        </p:spPr>
-        <p:style>
-          <a:lnRef idx="1">
-            <a:schemeClr val="accent1"/>
-          </a:lnRef>
-          <a:fillRef idx="0">
-            <a:schemeClr val="accent1"/>
-          </a:fillRef>
-          <a:effectRef idx="0">
-            <a:schemeClr val="accent1"/>
-          </a:effectRef>
-          <a:fontRef idx="minor">
-            <a:schemeClr val="tx1"/>
-          </a:fontRef>
-        </p:style>
-      </p:cxnSp>
-      <p:cxnSp>
-        <p:nvCxnSpPr>
-          <p:cNvPr id="106" name="Straight Connector 105">
-            <a:extLst>
-              <a:ext uri="{FF2B5EF4-FFF2-40B4-BE49-F238E27FC236}">
-                <a16:creationId xmlns:a16="http://schemas.microsoft.com/office/drawing/2014/main" id="{3947AC39-38D1-4A2E-9084-F3FE4F77A506}"/>
-              </a:ext>
-            </a:extLst>
-          </p:cNvPr>
-          <p:cNvCxnSpPr/>
-          <p:nvPr/>
-        </p:nvCxnSpPr>
-        <p:spPr>
-          <a:xfrm>
-            <a:off x="39034913" y="10596583"/>
-            <a:ext cx="811871" cy="12286"/>
-          </a:xfrm>
-          <a:prstGeom prst="line">
-            <a:avLst/>
-          </a:prstGeom>
-        </p:spPr>
-        <p:style>
-          <a:lnRef idx="1">
-            <a:schemeClr val="accent1"/>
-          </a:lnRef>
-          <a:fillRef idx="0">
-            <a:schemeClr val="accent1"/>
-          </a:fillRef>
-          <a:effectRef idx="0">
-            <a:schemeClr val="accent1"/>
-          </a:effectRef>
-          <a:fontRef idx="minor">
-            <a:schemeClr val="tx1"/>
-          </a:fontRef>
-        </p:style>
-      </p:cxnSp>
-      <p:cxnSp>
-        <p:nvCxnSpPr>
-          <p:cNvPr id="116" name="Straight Connector 115">
-            <a:extLst>
-              <a:ext uri="{FF2B5EF4-FFF2-40B4-BE49-F238E27FC236}">
-                <a16:creationId xmlns:a16="http://schemas.microsoft.com/office/drawing/2014/main" id="{8B6FBB63-59C2-4B2F-A1A1-B1CC52A4B2D5}"/>
-              </a:ext>
-            </a:extLst>
-          </p:cNvPr>
-          <p:cNvCxnSpPr>
-            <a:cxnSpLocks/>
-          </p:cNvCxnSpPr>
-          <p:nvPr/>
-        </p:nvCxnSpPr>
-        <p:spPr>
-          <a:xfrm flipV="1">
-            <a:off x="40011850" y="10468362"/>
-            <a:ext cx="0" cy="399403"/>
-          </a:xfrm>
-          <a:prstGeom prst="line">
-            <a:avLst/>
-          </a:prstGeom>
-        </p:spPr>
-        <p:style>
-          <a:lnRef idx="1">
-            <a:schemeClr val="accent1"/>
-          </a:lnRef>
-          <a:fillRef idx="0">
-            <a:schemeClr val="accent1"/>
-          </a:fillRef>
-          <a:effectRef idx="0">
-            <a:schemeClr val="accent1"/>
-          </a:effectRef>
-          <a:fontRef idx="minor">
-            <a:schemeClr val="tx1"/>
-          </a:fontRef>
-        </p:style>
-      </p:cxnSp>
-      <p:cxnSp>
-        <p:nvCxnSpPr>
-          <p:cNvPr id="117" name="Straight Connector 116">
-            <a:extLst>
-              <a:ext uri="{FF2B5EF4-FFF2-40B4-BE49-F238E27FC236}">
-                <a16:creationId xmlns:a16="http://schemas.microsoft.com/office/drawing/2014/main" id="{A063D531-67E9-4E3A-8CCA-01DCDF828359}"/>
-              </a:ext>
-            </a:extLst>
-          </p:cNvPr>
-          <p:cNvCxnSpPr>
-            <a:cxnSpLocks/>
-          </p:cNvCxnSpPr>
-          <p:nvPr/>
-        </p:nvCxnSpPr>
-        <p:spPr>
-          <a:xfrm flipV="1">
-            <a:off x="40580323" y="10472563"/>
-            <a:ext cx="0" cy="136306"/>
-          </a:xfrm>
-          <a:prstGeom prst="line">
-            <a:avLst/>
-          </a:prstGeom>
-        </p:spPr>
-        <p:style>
-          <a:lnRef idx="1">
-            <a:schemeClr val="accent1"/>
-          </a:lnRef>
-          <a:fillRef idx="0">
-            <a:schemeClr val="accent1"/>
-          </a:fillRef>
-          <a:effectRef idx="0">
-            <a:schemeClr val="accent1"/>
-          </a:effectRef>
-          <a:fontRef idx="minor">
-            <a:schemeClr val="tx1"/>
-          </a:fontRef>
-        </p:style>
-      </p:cxnSp>
-      <p:cxnSp>
-        <p:nvCxnSpPr>
-          <p:cNvPr id="118" name="Straight Connector 117">
-            <a:extLst>
-              <a:ext uri="{FF2B5EF4-FFF2-40B4-BE49-F238E27FC236}">
-                <a16:creationId xmlns:a16="http://schemas.microsoft.com/office/drawing/2014/main" id="{AFF16A4E-ABC8-4134-8C84-F83C9045827E}"/>
-              </a:ext>
-            </a:extLst>
-          </p:cNvPr>
-          <p:cNvCxnSpPr>
-            <a:cxnSpLocks/>
-          </p:cNvCxnSpPr>
-          <p:nvPr/>
-        </p:nvCxnSpPr>
-        <p:spPr>
-          <a:xfrm>
-            <a:off x="40011850" y="10456074"/>
-            <a:ext cx="568473" cy="0"/>
-          </a:xfrm>
-          <a:prstGeom prst="line">
-            <a:avLst/>
-          </a:prstGeom>
-        </p:spPr>
-        <p:style>
-          <a:lnRef idx="1">
-            <a:schemeClr val="accent1"/>
-          </a:lnRef>
-          <a:fillRef idx="0">
-            <a:schemeClr val="accent1"/>
-          </a:fillRef>
-          <a:effectRef idx="0">
-            <a:schemeClr val="accent1"/>
-          </a:effectRef>
-          <a:fontRef idx="minor">
-            <a:schemeClr val="tx1"/>
-          </a:fontRef>
-        </p:style>
-      </p:cxnSp>
-      <p:sp>
-        <p:nvSpPr>
-          <p:cNvPr id="120" name="TextBox 119">
-            <a:extLst>
-              <a:ext uri="{FF2B5EF4-FFF2-40B4-BE49-F238E27FC236}">
-                <a16:creationId xmlns:a16="http://schemas.microsoft.com/office/drawing/2014/main" id="{F0A25D15-ED48-43A8-AAB3-933771CFF99A}"/>
-              </a:ext>
-            </a:extLst>
-          </p:cNvPr>
-          <p:cNvSpPr txBox="1"/>
-          <p:nvPr/>
-        </p:nvSpPr>
-        <p:spPr>
-          <a:xfrm>
-            <a:off x="39303631" y="10559988"/>
-            <a:ext cx="274434" cy="307777"/>
-          </a:xfrm>
-          <a:prstGeom prst="rect">
-            <a:avLst/>
-          </a:prstGeom>
-          <a:noFill/>
-        </p:spPr>
-        <p:txBody>
-          <a:bodyPr wrap="none" rtlCol="0">
-            <a:spAutoFit/>
-          </a:bodyPr>
-          <a:lstStyle/>
-          <a:p>
-            <a:r>
-              <a:rPr lang="en-US" sz="1400" dirty="0"/>
-              <a:t>*</a:t>
-            </a:r>
-          </a:p>
-        </p:txBody>
-      </p:sp>
-      <p:sp>
-        <p:nvSpPr>
-          <p:cNvPr id="121" name="TextBox 120">
-            <a:extLst>
-              <a:ext uri="{FF2B5EF4-FFF2-40B4-BE49-F238E27FC236}">
-                <a16:creationId xmlns:a16="http://schemas.microsoft.com/office/drawing/2014/main" id="{9E0FC7C0-909C-4E9E-84B3-9048AC9829BE}"/>
-              </a:ext>
-            </a:extLst>
-          </p:cNvPr>
-          <p:cNvSpPr txBox="1"/>
-          <p:nvPr/>
-        </p:nvSpPr>
-        <p:spPr>
-          <a:xfrm>
-            <a:off x="40143352" y="10406099"/>
-            <a:ext cx="274434" cy="307777"/>
-          </a:xfrm>
-          <a:prstGeom prst="rect">
-            <a:avLst/>
-          </a:prstGeom>
-          <a:noFill/>
-        </p:spPr>
-        <p:txBody>
-          <a:bodyPr wrap="none" rtlCol="0">
-            <a:spAutoFit/>
-          </a:bodyPr>
-          <a:lstStyle/>
-          <a:p>
-            <a:r>
-              <a:rPr lang="en-US" sz="1400" dirty="0"/>
-              <a:t>*</a:t>
-            </a:r>
           </a:p>
         </p:txBody>
       </p:sp>
@@ -8388,7 +7277,7 @@
         </p:nvSpPr>
         <p:spPr>
           <a:xfrm>
-            <a:off x="6292090" y="23920567"/>
+            <a:off x="5755847" y="24389642"/>
             <a:ext cx="3518792" cy="830997"/>
           </a:xfrm>
           <a:prstGeom prst="rect">
@@ -8432,7 +7321,7 @@
           <p:nvPr/>
         </p:nvPicPr>
         <p:blipFill rotWithShape="1">
-          <a:blip r:embed="rId17"/>
+          <a:blip r:embed="rId16"/>
           <a:srcRect l="-1" t="-218" r="64548" b="88593"/>
           <a:stretch/>
         </p:blipFill>
@@ -8461,7 +7350,7 @@
           <p:nvPr/>
         </p:nvPicPr>
         <p:blipFill rotWithShape="1">
-          <a:blip r:embed="rId17"/>
+          <a:blip r:embed="rId16"/>
           <a:srcRect l="90630" t="-563" r="-632" b="88593"/>
           <a:stretch/>
         </p:blipFill>
@@ -8535,6 +7424,426 @@
           <p:nvPr/>
         </p:nvPicPr>
         <p:blipFill>
+          <a:blip r:embed="rId19"/>
+          <a:stretch>
+            <a:fillRect/>
+          </a:stretch>
+        </p:blipFill>
+        <p:spPr>
+          <a:xfrm>
+            <a:off x="8792422" y="13089940"/>
+            <a:ext cx="2273687" cy="210669"/>
+          </a:xfrm>
+          <a:prstGeom prst="rect">
+            <a:avLst/>
+          </a:prstGeom>
+        </p:spPr>
+      </p:pic>
+      <p:pic>
+        <p:nvPicPr>
+          <p:cNvPr id="29" name="Picture 28">
+            <a:extLst>
+              <a:ext uri="{FF2B5EF4-FFF2-40B4-BE49-F238E27FC236}">
+                <a16:creationId xmlns:a16="http://schemas.microsoft.com/office/drawing/2014/main" id="{B10C3A89-55ED-4F48-9E5C-D9B05D52B44F}"/>
+              </a:ext>
+            </a:extLst>
+          </p:cNvPr>
+          <p:cNvPicPr>
+            <a:picLocks noChangeAspect="1"/>
+          </p:cNvPicPr>
+          <p:nvPr/>
+        </p:nvPicPr>
+        <p:blipFill>
+          <a:blip r:embed="rId20"/>
+          <a:stretch>
+            <a:fillRect/>
+          </a:stretch>
+        </p:blipFill>
+        <p:spPr>
+          <a:xfrm>
+            <a:off x="23565372" y="18441433"/>
+            <a:ext cx="2809234" cy="1956431"/>
+          </a:xfrm>
+          <a:prstGeom prst="rect">
+            <a:avLst/>
+          </a:prstGeom>
+        </p:spPr>
+      </p:pic>
+      <p:pic>
+        <p:nvPicPr>
+          <p:cNvPr id="30" name="Picture 29">
+            <a:extLst>
+              <a:ext uri="{FF2B5EF4-FFF2-40B4-BE49-F238E27FC236}">
+                <a16:creationId xmlns:a16="http://schemas.microsoft.com/office/drawing/2014/main" id="{7C006E6C-1C7D-447E-8391-D49966AA9C64}"/>
+              </a:ext>
+            </a:extLst>
+          </p:cNvPr>
+          <p:cNvPicPr>
+            <a:picLocks noChangeAspect="1"/>
+          </p:cNvPicPr>
+          <p:nvPr/>
+        </p:nvPicPr>
+        <p:blipFill>
+          <a:blip r:embed="rId21"/>
+          <a:stretch>
+            <a:fillRect/>
+          </a:stretch>
+        </p:blipFill>
+        <p:spPr>
+          <a:xfrm>
+            <a:off x="23081988" y="12931842"/>
+            <a:ext cx="3055820" cy="2128160"/>
+          </a:xfrm>
+          <a:prstGeom prst="rect">
+            <a:avLst/>
+          </a:prstGeom>
+        </p:spPr>
+      </p:pic>
+      <p:pic>
+        <p:nvPicPr>
+          <p:cNvPr id="39" name="Picture 38">
+            <a:extLst>
+              <a:ext uri="{FF2B5EF4-FFF2-40B4-BE49-F238E27FC236}">
+                <a16:creationId xmlns:a16="http://schemas.microsoft.com/office/drawing/2014/main" id="{54BE2515-BBD0-448D-941A-FCEAD6D78246}"/>
+              </a:ext>
+            </a:extLst>
+          </p:cNvPr>
+          <p:cNvPicPr>
+            <a:picLocks noChangeAspect="1"/>
+          </p:cNvPicPr>
+          <p:nvPr/>
+        </p:nvPicPr>
+        <p:blipFill>
+          <a:blip r:embed="rId22"/>
+          <a:stretch>
+            <a:fillRect/>
+          </a:stretch>
+        </p:blipFill>
+        <p:spPr>
+          <a:xfrm>
+            <a:off x="22656384" y="7192896"/>
+            <a:ext cx="3055820" cy="2128160"/>
+          </a:xfrm>
+          <a:prstGeom prst="rect">
+            <a:avLst/>
+          </a:prstGeom>
+        </p:spPr>
+      </p:pic>
+      <p:pic>
+        <p:nvPicPr>
+          <p:cNvPr id="41" name="Picture 40">
+            <a:extLst>
+              <a:ext uri="{FF2B5EF4-FFF2-40B4-BE49-F238E27FC236}">
+                <a16:creationId xmlns:a16="http://schemas.microsoft.com/office/drawing/2014/main" id="{3161E278-11C4-42A2-97D2-781E736521A4}"/>
+              </a:ext>
+            </a:extLst>
+          </p:cNvPr>
+          <p:cNvPicPr>
+            <a:picLocks noChangeAspect="1"/>
+          </p:cNvPicPr>
+          <p:nvPr/>
+        </p:nvPicPr>
+        <p:blipFill>
+          <a:blip r:embed="rId23"/>
+          <a:stretch>
+            <a:fillRect/>
+          </a:stretch>
+        </p:blipFill>
+        <p:spPr>
+          <a:xfrm>
+            <a:off x="37008796" y="11585615"/>
+            <a:ext cx="3584646" cy="2496450"/>
+          </a:xfrm>
+          <a:prstGeom prst="rect">
+            <a:avLst/>
+          </a:prstGeom>
+        </p:spPr>
+      </p:pic>
+      <p:pic>
+        <p:nvPicPr>
+          <p:cNvPr id="43" name="Picture 42">
+            <a:extLst>
+              <a:ext uri="{FF2B5EF4-FFF2-40B4-BE49-F238E27FC236}">
+                <a16:creationId xmlns:a16="http://schemas.microsoft.com/office/drawing/2014/main" id="{4BC40E1A-576E-4665-86E0-9ED3BDE9A8D9}"/>
+              </a:ext>
+            </a:extLst>
+          </p:cNvPr>
+          <p:cNvPicPr>
+            <a:picLocks noChangeAspect="1"/>
+          </p:cNvPicPr>
+          <p:nvPr/>
+        </p:nvPicPr>
+        <p:blipFill>
+          <a:blip r:embed="rId24"/>
+          <a:stretch>
+            <a:fillRect/>
+          </a:stretch>
+        </p:blipFill>
+        <p:spPr>
+          <a:xfrm>
+            <a:off x="31627999" y="9999472"/>
+            <a:ext cx="3711049" cy="2584480"/>
+          </a:xfrm>
+          <a:prstGeom prst="rect">
+            <a:avLst/>
+          </a:prstGeom>
+        </p:spPr>
+      </p:pic>
+      <p:pic>
+        <p:nvPicPr>
+          <p:cNvPr id="50" name="Picture 49">
+            <a:extLst>
+              <a:ext uri="{FF2B5EF4-FFF2-40B4-BE49-F238E27FC236}">
+                <a16:creationId xmlns:a16="http://schemas.microsoft.com/office/drawing/2014/main" id="{38E76794-8444-4B2C-93F3-77B1420F71EA}"/>
+              </a:ext>
+            </a:extLst>
+          </p:cNvPr>
+          <p:cNvPicPr>
+            <a:picLocks noChangeAspect="1"/>
+          </p:cNvPicPr>
+          <p:nvPr/>
+        </p:nvPicPr>
+        <p:blipFill>
+          <a:blip r:embed="rId25"/>
+          <a:stretch>
+            <a:fillRect/>
+          </a:stretch>
+        </p:blipFill>
+        <p:spPr>
+          <a:xfrm>
+            <a:off x="26612867" y="5902223"/>
+            <a:ext cx="4292834" cy="2989652"/>
+          </a:xfrm>
+          <a:prstGeom prst="rect">
+            <a:avLst/>
+          </a:prstGeom>
+        </p:spPr>
+      </p:pic>
+      <p:pic>
+        <p:nvPicPr>
+          <p:cNvPr id="51" name="Picture 50">
+            <a:extLst>
+              <a:ext uri="{FF2B5EF4-FFF2-40B4-BE49-F238E27FC236}">
+                <a16:creationId xmlns:a16="http://schemas.microsoft.com/office/drawing/2014/main" id="{5AC2E46B-1A14-4A3A-A607-9D02730FDD4D}"/>
+              </a:ext>
+            </a:extLst>
+          </p:cNvPr>
+          <p:cNvPicPr>
+            <a:picLocks noChangeAspect="1"/>
+          </p:cNvPicPr>
+          <p:nvPr/>
+        </p:nvPicPr>
+        <p:blipFill>
+          <a:blip r:embed="rId26"/>
+          <a:stretch>
+            <a:fillRect/>
+          </a:stretch>
+        </p:blipFill>
+        <p:spPr>
+          <a:xfrm>
+            <a:off x="26811011" y="11228331"/>
+            <a:ext cx="4950280" cy="3447516"/>
+          </a:xfrm>
+          <a:prstGeom prst="rect">
+            <a:avLst/>
+          </a:prstGeom>
+        </p:spPr>
+      </p:pic>
+      <p:pic>
+        <p:nvPicPr>
+          <p:cNvPr id="52" name="Picture 51">
+            <a:extLst>
+              <a:ext uri="{FF2B5EF4-FFF2-40B4-BE49-F238E27FC236}">
+                <a16:creationId xmlns:a16="http://schemas.microsoft.com/office/drawing/2014/main" id="{3B3B71E1-3E35-4A7C-90AF-2A1AE1B0142F}"/>
+              </a:ext>
+            </a:extLst>
+          </p:cNvPr>
+          <p:cNvPicPr>
+            <a:picLocks noChangeAspect="1"/>
+          </p:cNvPicPr>
+          <p:nvPr/>
+        </p:nvPicPr>
+        <p:blipFill>
+          <a:blip r:embed="rId27"/>
+          <a:stretch>
+            <a:fillRect/>
+          </a:stretch>
+        </p:blipFill>
+        <p:spPr>
+          <a:xfrm>
+            <a:off x="27171066" y="16604636"/>
+            <a:ext cx="5080313" cy="3538075"/>
+          </a:xfrm>
+          <a:prstGeom prst="rect">
+            <a:avLst/>
+          </a:prstGeom>
+        </p:spPr>
+      </p:pic>
+      <p:pic>
+        <p:nvPicPr>
+          <p:cNvPr id="61" name="Picture 60">
+            <a:extLst>
+              <a:ext uri="{FF2B5EF4-FFF2-40B4-BE49-F238E27FC236}">
+                <a16:creationId xmlns:a16="http://schemas.microsoft.com/office/drawing/2014/main" id="{01576D85-10A1-4E17-94C1-CC762F7D6C0A}"/>
+              </a:ext>
+            </a:extLst>
+          </p:cNvPr>
+          <p:cNvPicPr>
+            <a:picLocks noChangeAspect="1"/>
+          </p:cNvPicPr>
+          <p:nvPr/>
+        </p:nvPicPr>
+        <p:blipFill>
+          <a:blip r:embed="rId28"/>
+          <a:stretch>
+            <a:fillRect/>
+          </a:stretch>
+        </p:blipFill>
+        <p:spPr>
+          <a:xfrm>
+            <a:off x="31214035" y="5641618"/>
+            <a:ext cx="4950281" cy="3447517"/>
+          </a:xfrm>
+          <a:prstGeom prst="rect">
+            <a:avLst/>
+          </a:prstGeom>
+        </p:spPr>
+      </p:pic>
+      <p:pic>
+        <p:nvPicPr>
+          <p:cNvPr id="62" name="Picture 61">
+            <a:extLst>
+              <a:ext uri="{FF2B5EF4-FFF2-40B4-BE49-F238E27FC236}">
+                <a16:creationId xmlns:a16="http://schemas.microsoft.com/office/drawing/2014/main" id="{92BDBBF7-ECC3-4977-A87D-F142EB179C88}"/>
+              </a:ext>
+            </a:extLst>
+          </p:cNvPr>
+          <p:cNvPicPr>
+            <a:picLocks noChangeAspect="1"/>
+          </p:cNvPicPr>
+          <p:nvPr/>
+        </p:nvPicPr>
+        <p:blipFill>
+          <a:blip r:embed="rId29"/>
+          <a:stretch>
+            <a:fillRect/>
+          </a:stretch>
+        </p:blipFill>
+        <p:spPr>
+          <a:xfrm>
+            <a:off x="36459021" y="7569595"/>
+            <a:ext cx="4631014" cy="3225171"/>
+          </a:xfrm>
+          <a:prstGeom prst="rect">
+            <a:avLst/>
+          </a:prstGeom>
+        </p:spPr>
+      </p:pic>
+      <p:pic>
+        <p:nvPicPr>
+          <p:cNvPr id="63" name="Picture 62">
+            <a:extLst>
+              <a:ext uri="{FF2B5EF4-FFF2-40B4-BE49-F238E27FC236}">
+                <a16:creationId xmlns:a16="http://schemas.microsoft.com/office/drawing/2014/main" id="{62E20B56-C100-49F3-AA32-B1359B9AD601}"/>
+              </a:ext>
+            </a:extLst>
+          </p:cNvPr>
+          <p:cNvPicPr>
+            <a:picLocks noChangeAspect="1"/>
+          </p:cNvPicPr>
+          <p:nvPr/>
+        </p:nvPicPr>
+        <p:blipFill>
+          <a:blip r:embed="rId30"/>
+          <a:stretch>
+            <a:fillRect/>
+          </a:stretch>
+        </p:blipFill>
+        <p:spPr>
+          <a:xfrm>
+            <a:off x="32251379" y="16520451"/>
+            <a:ext cx="4989630" cy="3474921"/>
+          </a:xfrm>
+          <a:prstGeom prst="rect">
+            <a:avLst/>
+          </a:prstGeom>
+        </p:spPr>
+      </p:pic>
+      <p:pic>
+        <p:nvPicPr>
+          <p:cNvPr id="64" name="Picture 63">
+            <a:extLst>
+              <a:ext uri="{FF2B5EF4-FFF2-40B4-BE49-F238E27FC236}">
+                <a16:creationId xmlns:a16="http://schemas.microsoft.com/office/drawing/2014/main" id="{7B201EF6-4209-40FE-B409-886FF22392ED}"/>
+              </a:ext>
+            </a:extLst>
+          </p:cNvPr>
+          <p:cNvPicPr>
+            <a:picLocks noChangeAspect="1"/>
+          </p:cNvPicPr>
+          <p:nvPr/>
+        </p:nvPicPr>
+        <p:blipFill>
+          <a:blip r:embed="rId31"/>
+          <a:stretch>
+            <a:fillRect/>
+          </a:stretch>
+        </p:blipFill>
+        <p:spPr>
+          <a:xfrm>
+            <a:off x="36262260" y="16286038"/>
+            <a:ext cx="5392469" cy="3755469"/>
+          </a:xfrm>
+          <a:prstGeom prst="rect">
+            <a:avLst/>
+          </a:prstGeom>
+        </p:spPr>
+      </p:pic>
+      <p:pic>
+        <p:nvPicPr>
+          <p:cNvPr id="65" name="Picture 64">
+            <a:extLst>
+              <a:ext uri="{FF2B5EF4-FFF2-40B4-BE49-F238E27FC236}">
+                <a16:creationId xmlns:a16="http://schemas.microsoft.com/office/drawing/2014/main" id="{76CA2643-28A0-4001-8D74-35BADEF29C7F}"/>
+              </a:ext>
+            </a:extLst>
+          </p:cNvPr>
+          <p:cNvPicPr>
+            <a:picLocks noChangeAspect="1"/>
+          </p:cNvPicPr>
+          <p:nvPr/>
+        </p:nvPicPr>
+        <p:blipFill>
+          <a:blip r:embed="rId32"/>
+          <a:stretch>
+            <a:fillRect/>
+          </a:stretch>
+        </p:blipFill>
+        <p:spPr>
+          <a:xfrm>
+            <a:off x="32003901" y="13109819"/>
+            <a:ext cx="4818787" cy="3355941"/>
+          </a:xfrm>
+          <a:prstGeom prst="rect">
+            <a:avLst/>
+          </a:prstGeom>
+        </p:spPr>
+      </p:pic>
+      <p:pic>
+        <p:nvPicPr>
+          <p:cNvPr id="66" name="Picture 65">
+            <a:extLst>
+              <a:ext uri="{FF2B5EF4-FFF2-40B4-BE49-F238E27FC236}">
+                <a16:creationId xmlns:a16="http://schemas.microsoft.com/office/drawing/2014/main" id="{501FE4B7-E383-4C9F-9E66-5280F723ADDA}"/>
+              </a:ext>
+            </a:extLst>
+          </p:cNvPr>
+          <p:cNvPicPr>
+            <a:picLocks noChangeAspect="1"/>
+          </p:cNvPicPr>
+          <p:nvPr/>
+        </p:nvPicPr>
+        <p:blipFill>
           <a:blip r:embed="rId33"/>
           <a:stretch>
             <a:fillRect/>
@@ -8542,8 +7851,8 @@
         </p:blipFill>
         <p:spPr>
           <a:xfrm>
-            <a:off x="8948466" y="13115849"/>
-            <a:ext cx="2273687" cy="210669"/>
+            <a:off x="37151139" y="3547548"/>
+            <a:ext cx="3880852" cy="2702736"/>
           </a:xfrm>
           <a:prstGeom prst="rect">
             <a:avLst/>

--- a/rampPosterSFN2018.pptx
+++ b/rampPosterSFN2018.pptx
@@ -3753,8 +3753,8 @@
         </p:blipFill>
         <p:spPr>
           <a:xfrm>
-            <a:off x="22830020" y="5344873"/>
-            <a:ext cx="2708548" cy="1955201"/>
+            <a:off x="27038316" y="7182433"/>
+            <a:ext cx="2585704" cy="1866524"/>
           </a:xfrm>
           <a:prstGeom prst="rect">
             <a:avLst/>
@@ -5316,7 +5316,7 @@
         </p:nvSpPr>
         <p:spPr>
           <a:xfrm>
-            <a:off x="22459312" y="10794766"/>
+            <a:off x="21181383" y="10813831"/>
             <a:ext cx="276259" cy="433564"/>
           </a:xfrm>
           <a:prstGeom prst="rect">
@@ -5368,7 +5368,7 @@
         </p:nvSpPr>
         <p:spPr>
           <a:xfrm>
-            <a:off x="22956995" y="12498278"/>
+            <a:off x="21679066" y="12517343"/>
             <a:ext cx="276259" cy="433564"/>
           </a:xfrm>
           <a:prstGeom prst="rect">
@@ -6982,7 +6982,7 @@
         </p:nvSpPr>
         <p:spPr>
           <a:xfrm>
-            <a:off x="23309703" y="15349140"/>
+            <a:off x="22546284" y="13674064"/>
             <a:ext cx="8585667" cy="553998"/>
           </a:xfrm>
           <a:prstGeom prst="rect">
@@ -7029,7 +7029,7 @@
         </p:nvSpPr>
         <p:spPr>
           <a:xfrm>
-            <a:off x="22607510" y="9677252"/>
+            <a:off x="22546284" y="9181473"/>
             <a:ext cx="9081386" cy="553998"/>
           </a:xfrm>
           <a:prstGeom prst="rect">
@@ -7076,8 +7076,8 @@
         </p:nvSpPr>
         <p:spPr>
           <a:xfrm>
-            <a:off x="22649274" y="4678658"/>
-            <a:ext cx="8585667" cy="553998"/>
+            <a:off x="22649275" y="4678658"/>
+            <a:ext cx="4137328" cy="553998"/>
           </a:xfrm>
           <a:prstGeom prst="rect">
             <a:avLst/>
@@ -7131,7 +7131,7 @@
         </p:blipFill>
         <p:spPr>
           <a:xfrm>
-            <a:off x="23592167" y="16309070"/>
+            <a:off x="22951907" y="14468542"/>
             <a:ext cx="2584382" cy="1892826"/>
           </a:xfrm>
           <a:prstGeom prst="rect">
@@ -7161,7 +7161,7 @@
         </p:blipFill>
         <p:spPr>
           <a:xfrm>
-            <a:off x="23309703" y="10877838"/>
+            <a:off x="22826044" y="9771401"/>
             <a:ext cx="2651889" cy="1942268"/>
           </a:xfrm>
           <a:prstGeom prst="rect">
@@ -7461,7 +7461,7 @@
         </p:blipFill>
         <p:spPr>
           <a:xfrm>
-            <a:off x="23565372" y="18441433"/>
+            <a:off x="22925112" y="16501086"/>
             <a:ext cx="2809234" cy="1956431"/>
           </a:xfrm>
           <a:prstGeom prst="rect">
@@ -7491,7 +7491,7 @@
         </p:blipFill>
         <p:spPr>
           <a:xfrm>
-            <a:off x="23081988" y="12931842"/>
+            <a:off x="22797242" y="11787388"/>
             <a:ext cx="3055820" cy="2128160"/>
           </a:xfrm>
           <a:prstGeom prst="rect">
@@ -7521,8 +7521,8 @@
         </p:blipFill>
         <p:spPr>
           <a:xfrm>
-            <a:off x="22656384" y="7192896"/>
-            <a:ext cx="3055820" cy="2128160"/>
+            <a:off x="27086977" y="5156063"/>
+            <a:ext cx="2708193" cy="1886063"/>
           </a:xfrm>
           <a:prstGeom prst="rect">
             <a:avLst/>
@@ -7551,8 +7551,8 @@
         </p:blipFill>
         <p:spPr>
           <a:xfrm>
-            <a:off x="37008796" y="11585615"/>
-            <a:ext cx="3584646" cy="2496450"/>
+            <a:off x="36702544" y="18323120"/>
+            <a:ext cx="4626146" cy="3221780"/>
           </a:xfrm>
           <a:prstGeom prst="rect">
             <a:avLst/>
@@ -7581,8 +7581,8 @@
         </p:blipFill>
         <p:spPr>
           <a:xfrm>
-            <a:off x="31627999" y="9999472"/>
-            <a:ext cx="3711049" cy="2584480"/>
+            <a:off x="37901733" y="14733000"/>
+            <a:ext cx="4530453" cy="3155136"/>
           </a:xfrm>
           <a:prstGeom prst="rect">
             <a:avLst/>
@@ -7611,8 +7611,8 @@
         </p:blipFill>
         <p:spPr>
           <a:xfrm>
-            <a:off x="26612867" y="5902223"/>
-            <a:ext cx="4292834" cy="2989652"/>
+            <a:off x="26556396" y="9867987"/>
+            <a:ext cx="5080312" cy="3538074"/>
           </a:xfrm>
           <a:prstGeom prst="rect">
             <a:avLst/>
@@ -7641,8 +7641,8 @@
         </p:blipFill>
         <p:spPr>
           <a:xfrm>
-            <a:off x="26811011" y="11228331"/>
-            <a:ext cx="4950280" cy="3447516"/>
+            <a:off x="29786118" y="5808890"/>
+            <a:ext cx="4307943" cy="3000174"/>
           </a:xfrm>
           <a:prstGeom prst="rect">
             <a:avLst/>
@@ -7671,7 +7671,7 @@
         </p:blipFill>
         <p:spPr>
           <a:xfrm>
-            <a:off x="27171066" y="16604636"/>
+            <a:off x="25734346" y="14732048"/>
             <a:ext cx="5080313" cy="3538075"/>
           </a:xfrm>
           <a:prstGeom prst="rect">
@@ -7701,8 +7701,8 @@
         </p:blipFill>
         <p:spPr>
           <a:xfrm>
-            <a:off x="31214035" y="5641618"/>
-            <a:ext cx="4950281" cy="3447517"/>
+            <a:off x="33828719" y="5814151"/>
+            <a:ext cx="4292834" cy="2989653"/>
           </a:xfrm>
           <a:prstGeom prst="rect">
             <a:avLst/>
@@ -7731,8 +7731,8 @@
         </p:blipFill>
         <p:spPr>
           <a:xfrm>
-            <a:off x="36459021" y="7569595"/>
-            <a:ext cx="4631014" cy="3225171"/>
+            <a:off x="31622233" y="9854204"/>
+            <a:ext cx="5080311" cy="3538074"/>
           </a:xfrm>
           <a:prstGeom prst="rect">
             <a:avLst/>
@@ -7761,7 +7761,7 @@
         </p:blipFill>
         <p:spPr>
           <a:xfrm>
-            <a:off x="32251379" y="16520451"/>
+            <a:off x="30965214" y="14677973"/>
             <a:ext cx="4989630" cy="3474921"/>
           </a:xfrm>
           <a:prstGeom prst="rect">
@@ -7791,8 +7791,8 @@
         </p:blipFill>
         <p:spPr>
           <a:xfrm>
-            <a:off x="36262260" y="16286038"/>
-            <a:ext cx="5392469" cy="3755469"/>
+            <a:off x="38398565" y="5935858"/>
+            <a:ext cx="4033621" cy="2809129"/>
           </a:xfrm>
           <a:prstGeom prst="rect">
             <a:avLst/>
@@ -7821,8 +7821,8 @@
         </p:blipFill>
         <p:spPr>
           <a:xfrm>
-            <a:off x="32003901" y="13109819"/>
-            <a:ext cx="4818787" cy="3355941"/>
+            <a:off x="38457927" y="10268458"/>
+            <a:ext cx="4033621" cy="2809129"/>
           </a:xfrm>
           <a:prstGeom prst="rect">
             <a:avLst/>
@@ -7851,8 +7851,8 @@
         </p:blipFill>
         <p:spPr>
           <a:xfrm>
-            <a:off x="37151139" y="3547548"/>
-            <a:ext cx="3880852" cy="2702736"/>
+            <a:off x="22159011" y="5602110"/>
+            <a:ext cx="4901774" cy="3413736"/>
           </a:xfrm>
           <a:prstGeom prst="rect">
             <a:avLst/>
